--- a/Courses/Software-Sciences/Module-1-OOP-New/10-Inheritance/10-Inheritance.pptx
+++ b/Courses/Software-Sciences/Module-1-OOP-New/10-Inheritance/10-Inheritance.pptx
@@ -357,7 +357,7 @@
           <a:p>
             <a:fld id="{4E087215-0C8F-4762-A664-737A353EC9A4}" type="datetimeFigureOut">
               <a:rPr lang="bg-BG" smtClean="0"/>
-              <a:t>13.12.22 г.</a:t>
+              <a:t>21.12.22 г.</a:t>
             </a:fld>
             <a:endParaRPr lang="bg-BG"/>
           </a:p>
@@ -548,7 +548,7 @@
           <a:p>
             <a:fld id="{72D84649-876A-46C9-8472-14CB09C070D8}" type="datetimeFigureOut">
               <a:rPr lang="en-US" smtClean="0"/>
-              <a:t>12/13/22</a:t>
+              <a:t>12/21/22</a:t>
             </a:fld>
             <a:endParaRPr lang="en-US"/>
           </a:p>
@@ -15750,12 +15750,15 @@
                   </a:outerShdw>
                 </a:effectLst>
               </a:rPr>
-              <a:t>Извиква конструктора на базовия клас </a:t>
-            </a:r>
-            <a:r>
-              <a:rPr lang="en-US" sz="2400" b="1" dirty="0">
+              <a:t>Извиква конструктора на </a:t>
+            </a:r>
+            <a:r>
+              <a:rPr lang="bg-BG" sz="2400" b="1" dirty="0">
                 <a:solidFill>
-                  <a:schemeClr val="bg2"/>
+                  <a:schemeClr val="bg1">
+                    <a:lumMod val="60000"/>
+                    <a:lumOff val="40000"/>
+                  </a:schemeClr>
                 </a:solidFill>
                 <a:effectLst>
                   <a:outerShdw blurRad="38100" dist="38100" dir="2700000" algn="tl">
@@ -15765,20 +15768,8 @@
                   </a:outerShdw>
                 </a:effectLst>
               </a:rPr>
-              <a:t>(parent)</a:t>
-            </a:r>
-            <a:endParaRPr lang="bg-BG" sz="2400" b="1" dirty="0">
-              <a:solidFill>
-                <a:schemeClr val="bg2"/>
-              </a:solidFill>
-              <a:effectLst>
-                <a:outerShdw blurRad="38100" dist="38100" dir="2700000" algn="tl">
-                  <a:srgbClr val="000000">
-                    <a:alpha val="43137"/>
-                  </a:srgbClr>
-                </a:outerShdw>
-              </a:effectLst>
-            </a:endParaRPr>
+              <a:t>базовия клас</a:t>
+            </a:r>
           </a:p>
         </p:txBody>
       </p:sp>
@@ -16386,35 +16377,12 @@
               <a:t> (</a:t>
             </a:r>
             <a:r>
-              <a:rPr lang="en-GB" sz="2800" b="1" dirty="0">
+              <a:rPr lang="bg-BG" sz="2800" b="1" dirty="0">
                 <a:solidFill>
                   <a:schemeClr val="bg2"/>
                 </a:solidFill>
               </a:rPr>
-              <a:t>Derived</a:t>
-            </a:r>
-            <a:r>
-              <a:rPr lang="en-GB" sz="2800" b="1" dirty="0">
-                <a:solidFill>
-                  <a:schemeClr val="bg2"/>
-                </a:solidFill>
-                <a:effectLst>
-                  <a:outerShdw blurRad="38100" dist="38100" dir="2700000" algn="tl">
-                    <a:srgbClr val="000000">
-                      <a:alpha val="43137"/>
-                    </a:srgbClr>
-                  </a:outerShdw>
-                </a:effectLst>
-              </a:rPr>
-              <a:t> </a:t>
-            </a:r>
-            <a:r>
-              <a:rPr lang="en-GB" sz="2800" b="1" dirty="0">
-                <a:solidFill>
-                  <a:schemeClr val="bg2"/>
-                </a:solidFill>
-              </a:rPr>
-              <a:t>Class</a:t>
+              <a:t>Производен клас</a:t>
             </a:r>
             <a:r>
               <a:rPr lang="en-GB" sz="2800" b="1" dirty="0">
@@ -16574,35 +16542,12 @@
               <a:t>(</a:t>
             </a:r>
             <a:r>
-              <a:rPr lang="en-GB" sz="2800" b="1" dirty="0">
+              <a:rPr lang="bg-BG" sz="2800" b="1" dirty="0">
                 <a:solidFill>
                   <a:schemeClr val="bg2"/>
                 </a:solidFill>
               </a:rPr>
-              <a:t>Derived</a:t>
-            </a:r>
-            <a:r>
-              <a:rPr lang="en-GB" sz="2800" b="1" dirty="0">
-                <a:solidFill>
-                  <a:schemeClr val="bg2"/>
-                </a:solidFill>
-                <a:effectLst>
-                  <a:outerShdw blurRad="38100" dist="38100" dir="2700000" algn="tl">
-                    <a:srgbClr val="000000">
-                      <a:alpha val="43137"/>
-                    </a:srgbClr>
-                  </a:outerShdw>
-                </a:effectLst>
-              </a:rPr>
-              <a:t> </a:t>
-            </a:r>
-            <a:r>
-              <a:rPr lang="en-GB" sz="2800" b="1" dirty="0">
-                <a:solidFill>
-                  <a:schemeClr val="bg2"/>
-                </a:solidFill>
-              </a:rPr>
-              <a:t>Class</a:t>
+              <a:t>Производен клас</a:t>
             </a:r>
             <a:r>
               <a:rPr lang="en-GB" sz="2800" b="1" dirty="0">
@@ -16766,15 +16711,7 @@
               <a:t>(</a:t>
             </a:r>
             <a:r>
-              <a:rPr lang="en-GB" sz="2800" b="1" dirty="0">
-                <a:solidFill>
-                  <a:schemeClr val="bg2"/>
-                </a:solidFill>
-              </a:rPr>
-              <a:t>Base</a:t>
-            </a:r>
-            <a:r>
-              <a:rPr lang="en-GB" sz="2800" b="1" dirty="0">
+              <a:rPr lang="bg-BG" sz="2800" b="1" dirty="0">
                 <a:solidFill>
                   <a:schemeClr val="bg2"/>
                 </a:solidFill>
@@ -16786,15 +16723,7 @@
                   </a:outerShdw>
                 </a:effectLst>
               </a:rPr>
-              <a:t> </a:t>
-            </a:r>
-            <a:r>
-              <a:rPr lang="en-GB" sz="2800" b="1" dirty="0">
-                <a:solidFill>
-                  <a:schemeClr val="bg2"/>
-                </a:solidFill>
-              </a:rPr>
-              <a:t>Class</a:t>
+              <a:t>Базов клас</a:t>
             </a:r>
             <a:r>
               <a:rPr lang="en-GB" sz="2800" b="1" dirty="0">
@@ -17250,7 +17179,7 @@
         </p:nvSpPr>
         <p:spPr>
           <a:xfrm>
-            <a:off x="490383" y="3693808"/>
+            <a:off x="491973" y="3796966"/>
             <a:ext cx="1752600" cy="533400"/>
           </a:xfrm>
           <a:prstGeom prst="roundRect">
@@ -17316,7 +17245,7 @@
         </p:nvSpPr>
         <p:spPr>
           <a:xfrm>
-            <a:off x="3644419" y="5933280"/>
+            <a:off x="3646009" y="6036438"/>
             <a:ext cx="2438400" cy="514801"/>
           </a:xfrm>
           <a:prstGeom prst="roundRect">
@@ -17382,7 +17311,7 @@
         </p:nvSpPr>
         <p:spPr>
           <a:xfrm>
-            <a:off x="2101991" y="4771417"/>
+            <a:off x="2103581" y="4874575"/>
             <a:ext cx="1974799" cy="524100"/>
           </a:xfrm>
           <a:prstGeom prst="roundRect">
@@ -17452,7 +17381,7 @@
         </p:nvCxnSpPr>
         <p:spPr>
           <a:xfrm rot="16200000" flipV="1">
-            <a:off x="1955933" y="3637959"/>
+            <a:off x="1957523" y="3741117"/>
             <a:ext cx="544209" cy="1722708"/>
           </a:xfrm>
           <a:prstGeom prst="bentConnector3">
@@ -17506,7 +17435,7 @@
         </p:nvCxnSpPr>
         <p:spPr>
           <a:xfrm rot="16200000" flipV="1">
-            <a:off x="3657624" y="4727285"/>
+            <a:off x="3659214" y="4830443"/>
             <a:ext cx="637763" cy="1774228"/>
           </a:xfrm>
           <a:prstGeom prst="bentConnector3">
@@ -17644,7 +17573,7 @@
                                         <p:tgtEl>
                                           <p:spTgt spid="7">
                                             <p:txEl>
-                                              <p:pRg st="1" end="1"/>
+                                              <p:pRg st="0" end="0"/>
                                             </p:txEl>
                                           </p:spTgt>
                                         </p:tgtEl>
@@ -17659,35 +17588,26 @@
                                   </p:childTnLst>
                                 </p:cTn>
                               </p:par>
+                            </p:childTnLst>
+                          </p:cTn>
+                        </p:par>
+                      </p:childTnLst>
+                    </p:cTn>
+                  </p:par>
+                  <p:par>
+                    <p:cTn id="7" fill="hold">
+                      <p:stCondLst>
+                        <p:cond delay="indefinite"/>
+                      </p:stCondLst>
+                      <p:childTnLst>
+                        <p:par>
+                          <p:cTn id="8" fill="hold">
+                            <p:stCondLst>
+                              <p:cond delay="0"/>
+                            </p:stCondLst>
+                            <p:childTnLst>
                               <p:par>
-                                <p:cTn id="7" presetID="1" presetClass="entr" presetSubtype="0" fill="hold" nodeType="withEffect">
-                                  <p:stCondLst>
-                                    <p:cond delay="0"/>
-                                  </p:stCondLst>
-                                  <p:childTnLst>
-                                    <p:set>
-                                      <p:cBhvr>
-                                        <p:cTn id="8" dur="1" fill="hold">
-                                          <p:stCondLst>
-                                            <p:cond delay="0"/>
-                                          </p:stCondLst>
-                                        </p:cTn>
-                                        <p:tgtEl>
-                                          <p:spTgt spid="6"/>
-                                        </p:tgtEl>
-                                        <p:attrNameLst>
-                                          <p:attrName>style.visibility</p:attrName>
-                                        </p:attrNameLst>
-                                      </p:cBhvr>
-                                      <p:to>
-                                        <p:strVal val="visible"/>
-                                      </p:to>
-                                    </p:set>
-                                  </p:childTnLst>
-                                </p:cTn>
-                              </p:par>
-                              <p:par>
-                                <p:cTn id="9" presetID="1" presetClass="entr" presetSubtype="0" fill="hold" grpId="0" nodeType="withEffect">
+                                <p:cTn id="9" presetID="1" presetClass="entr" presetSubtype="0" fill="hold" grpId="0" nodeType="clickEffect">
                                   <p:stCondLst>
                                     <p:cond delay="0"/>
                                   </p:stCondLst>
@@ -17700,7 +17620,7 @@
                                           </p:stCondLst>
                                         </p:cTn>
                                         <p:tgtEl>
-                                          <p:spTgt spid="21"/>
+                                          <p:spTgt spid="9"/>
                                         </p:tgtEl>
                                         <p:attrNameLst>
                                           <p:attrName>style.visibility</p:attrName>
@@ -17747,6 +17667,127 @@
                                         <p:tgtEl>
                                           <p:spTgt spid="7">
                                             <p:txEl>
+                                              <p:pRg st="1" end="1"/>
+                                            </p:txEl>
+                                          </p:spTgt>
+                                        </p:tgtEl>
+                                        <p:attrNameLst>
+                                          <p:attrName>style.visibility</p:attrName>
+                                        </p:attrNameLst>
+                                      </p:cBhvr>
+                                      <p:to>
+                                        <p:strVal val="visible"/>
+                                      </p:to>
+                                    </p:set>
+                                  </p:childTnLst>
+                                </p:cTn>
+                              </p:par>
+                            </p:childTnLst>
+                          </p:cTn>
+                        </p:par>
+                      </p:childTnLst>
+                    </p:cTn>
+                  </p:par>
+                  <p:par>
+                    <p:cTn id="15" fill="hold">
+                      <p:stCondLst>
+                        <p:cond delay="indefinite"/>
+                      </p:stCondLst>
+                      <p:childTnLst>
+                        <p:par>
+                          <p:cTn id="16" fill="hold">
+                            <p:stCondLst>
+                              <p:cond delay="0"/>
+                            </p:stCondLst>
+                            <p:childTnLst>
+                              <p:par>
+                                <p:cTn id="17" presetID="1" presetClass="entr" presetSubtype="0" fill="hold" grpId="0" nodeType="clickEffect">
+                                  <p:stCondLst>
+                                    <p:cond delay="0"/>
+                                  </p:stCondLst>
+                                  <p:childTnLst>
+                                    <p:set>
+                                      <p:cBhvr>
+                                        <p:cTn id="18" dur="1" fill="hold">
+                                          <p:stCondLst>
+                                            <p:cond delay="0"/>
+                                          </p:stCondLst>
+                                        </p:cTn>
+                                        <p:tgtEl>
+                                          <p:spTgt spid="21"/>
+                                        </p:tgtEl>
+                                        <p:attrNameLst>
+                                          <p:attrName>style.visibility</p:attrName>
+                                        </p:attrNameLst>
+                                      </p:cBhvr>
+                                      <p:to>
+                                        <p:strVal val="visible"/>
+                                      </p:to>
+                                    </p:set>
+                                  </p:childTnLst>
+                                </p:cTn>
+                              </p:par>
+                              <p:par>
+                                <p:cTn id="19" presetID="1" presetClass="entr" presetSubtype="0" fill="hold" nodeType="withEffect">
+                                  <p:stCondLst>
+                                    <p:cond delay="0"/>
+                                  </p:stCondLst>
+                                  <p:childTnLst>
+                                    <p:set>
+                                      <p:cBhvr>
+                                        <p:cTn id="20" dur="1" fill="hold">
+                                          <p:stCondLst>
+                                            <p:cond delay="0"/>
+                                          </p:stCondLst>
+                                        </p:cTn>
+                                        <p:tgtEl>
+                                          <p:spTgt spid="6"/>
+                                        </p:tgtEl>
+                                        <p:attrNameLst>
+                                          <p:attrName>style.visibility</p:attrName>
+                                        </p:attrNameLst>
+                                      </p:cBhvr>
+                                      <p:to>
+                                        <p:strVal val="visible"/>
+                                      </p:to>
+                                    </p:set>
+                                  </p:childTnLst>
+                                </p:cTn>
+                              </p:par>
+                            </p:childTnLst>
+                          </p:cTn>
+                        </p:par>
+                      </p:childTnLst>
+                    </p:cTn>
+                  </p:par>
+                  <p:par>
+                    <p:cTn id="21" fill="hold">
+                      <p:stCondLst>
+                        <p:cond delay="indefinite"/>
+                      </p:stCondLst>
+                      <p:childTnLst>
+                        <p:par>
+                          <p:cTn id="22" fill="hold">
+                            <p:stCondLst>
+                              <p:cond delay="0"/>
+                            </p:stCondLst>
+                            <p:childTnLst>
+                              <p:par>
+                                <p:cTn id="23" presetID="1" presetClass="entr" presetSubtype="0" fill="hold" nodeType="clickEffect">
+                                  <p:stCondLst>
+                                    <p:cond delay="0"/>
+                                  </p:stCondLst>
+                                  <p:childTnLst>
+                                    <p:set>
+                                      <p:cBhvr>
+                                        <p:cTn id="24" dur="1" fill="hold">
+                                          <p:stCondLst>
+                                            <p:cond delay="0"/>
+                                          </p:stCondLst>
+                                        </p:cTn>
+                                        <p:tgtEl>
+                                          <p:spTgt spid="7">
+                                            <p:txEl>
                                               <p:pRg st="2" end="2"/>
                                             </p:txEl>
                                           </p:spTgt>
@@ -17762,21 +17803,39 @@
                                   </p:childTnLst>
                                 </p:cTn>
                               </p:par>
+                            </p:childTnLst>
+                          </p:cTn>
+                        </p:par>
+                      </p:childTnLst>
+                    </p:cTn>
+                  </p:par>
+                  <p:par>
+                    <p:cTn id="25" fill="hold">
+                      <p:stCondLst>
+                        <p:cond delay="indefinite"/>
+                      </p:stCondLst>
+                      <p:childTnLst>
+                        <p:par>
+                          <p:cTn id="26" fill="hold">
+                            <p:stCondLst>
+                              <p:cond delay="0"/>
+                            </p:stCondLst>
+                            <p:childTnLst>
                               <p:par>
-                                <p:cTn id="15" presetID="1" presetClass="entr" presetSubtype="0" fill="hold" nodeType="withEffect">
+                                <p:cTn id="27" presetID="1" presetClass="entr" presetSubtype="0" fill="hold" grpId="0" nodeType="clickEffect">
                                   <p:stCondLst>
                                     <p:cond delay="0"/>
                                   </p:stCondLst>
                                   <p:childTnLst>
                                     <p:set>
                                       <p:cBhvr>
-                                        <p:cTn id="16" dur="1" fill="hold">
+                                        <p:cTn id="28" dur="1" fill="hold">
                                           <p:stCondLst>
                                             <p:cond delay="0"/>
                                           </p:stCondLst>
                                         </p:cTn>
                                         <p:tgtEl>
-                                          <p:spTgt spid="16"/>
+                                          <p:spTgt spid="12"/>
                                         </p:tgtEl>
                                         <p:attrNameLst>
                                           <p:attrName>style.visibility</p:attrName>
@@ -17790,20 +17849,20 @@
                                 </p:cTn>
                               </p:par>
                               <p:par>
-                                <p:cTn id="17" presetID="1" presetClass="entr" presetSubtype="0" fill="hold" grpId="0" nodeType="withEffect">
+                                <p:cTn id="29" presetID="1" presetClass="entr" presetSubtype="0" fill="hold" nodeType="withEffect">
                                   <p:stCondLst>
                                     <p:cond delay="0"/>
                                   </p:stCondLst>
                                   <p:childTnLst>
                                     <p:set>
                                       <p:cBhvr>
-                                        <p:cTn id="18" dur="1" fill="hold">
+                                        <p:cTn id="30" dur="1" fill="hold">
                                           <p:stCondLst>
                                             <p:cond delay="0"/>
                                           </p:stCondLst>
                                         </p:cTn>
                                         <p:tgtEl>
-                                          <p:spTgt spid="12"/>
+                                          <p:spTgt spid="16"/>
                                         </p:tgtEl>
                                         <p:attrNameLst>
                                           <p:attrName>style.visibility</p:attrName>
@@ -17844,6 +17903,7 @@
       </p:par>
     </p:tnLst>
     <p:bldLst>
+      <p:bldP spid="9" grpId="0" animBg="1"/>
       <p:bldP spid="12" grpId="0" animBg="1"/>
       <p:bldP spid="21" grpId="0" animBg="1"/>
     </p:bldLst>
@@ -23068,7 +23128,12 @@
             <p:ph type="body" sz="quarter" idx="10"/>
           </p:nvPr>
         </p:nvSpPr>
-        <p:spPr/>
+        <p:spPr>
+          <a:xfrm>
+            <a:off x="190406" y="664617"/>
+            <a:ext cx="11818096" cy="5528766"/>
+          </a:xfrm>
+        </p:spPr>
         <p:txBody>
           <a:bodyPr>
             <a:normAutofit/>
@@ -25928,7 +25993,25 @@
                   </a:outerShdw>
                 </a:effectLst>
               </a:rPr>
-              <a:t>Член на инстанцията</a:t>
+              <a:t>Член на </a:t>
+            </a:r>
+            <a:r>
+              <a:rPr lang="bg-BG" sz="2600" b="1" dirty="0">
+                <a:solidFill>
+                  <a:schemeClr val="bg1">
+                    <a:lumMod val="60000"/>
+                    <a:lumOff val="40000"/>
+                  </a:schemeClr>
+                </a:solidFill>
+                <a:effectLst>
+                  <a:outerShdw blurRad="38100" dist="38100" dir="2700000" algn="tl">
+                    <a:srgbClr val="000000">
+                      <a:alpha val="43137"/>
+                    </a:srgbClr>
+                  </a:outerShdw>
+                </a:effectLst>
+              </a:rPr>
+              <a:t>инстанцията</a:t>
             </a:r>
           </a:p>
         </p:txBody>
@@ -26007,7 +26090,28 @@
                   </a:outerShdw>
                 </a:effectLst>
               </a:rPr>
-              <a:t>Член на базовия клас</a:t>
+              <a:t>Член на </a:t>
+            </a:r>
+          </a:p>
+          <a:p>
+            <a:pPr algn="ctr" eaLnBrk="0" hangingPunct="0"/>
+            <a:r>
+              <a:rPr lang="bg-BG" sz="2600" b="1" dirty="0">
+                <a:solidFill>
+                  <a:schemeClr val="bg1">
+                    <a:lumMod val="60000"/>
+                    <a:lumOff val="40000"/>
+                  </a:schemeClr>
+                </a:solidFill>
+                <a:effectLst>
+                  <a:outerShdw blurRad="38100" dist="38100" dir="2700000" algn="tl">
+                    <a:srgbClr val="000000">
+                      <a:alpha val="43137"/>
+                    </a:srgbClr>
+                  </a:outerShdw>
+                </a:effectLst>
+              </a:rPr>
+              <a:t>базовия клас</a:t>
             </a:r>
           </a:p>
         </p:txBody>
@@ -26076,6 +26180,24 @@
             <a:r>
               <a:rPr lang="bg-BG" sz="2600" b="1" dirty="0">
                 <a:solidFill>
+                  <a:schemeClr val="bg1">
+                    <a:lumMod val="60000"/>
+                    <a:lumOff val="40000"/>
+                  </a:schemeClr>
+                </a:solidFill>
+                <a:effectLst>
+                  <a:outerShdw blurRad="38100" dist="38100" dir="2700000" algn="tl">
+                    <a:srgbClr val="000000">
+                      <a:alpha val="43137"/>
+                    </a:srgbClr>
+                  </a:outerShdw>
+                </a:effectLst>
+              </a:rPr>
+              <a:t>Локална</a:t>
+            </a:r>
+            <a:r>
+              <a:rPr lang="bg-BG" sz="2600" b="1" dirty="0">
+                <a:solidFill>
                   <a:schemeClr val="bg2"/>
                 </a:solidFill>
                 <a:effectLst>
@@ -26086,7 +26208,7 @@
                   </a:outerShdw>
                 </a:effectLst>
               </a:rPr>
-              <a:t>Локална променлива</a:t>
+              <a:t> променлива</a:t>
             </a:r>
           </a:p>
         </p:txBody>
@@ -29393,8 +29515,8 @@
         </p:nvSpPr>
         <p:spPr bwMode="auto">
           <a:xfrm>
-            <a:off x="4295948" y="4847937"/>
-            <a:ext cx="1412102" cy="527804"/>
+            <a:off x="3740956" y="4847937"/>
+            <a:ext cx="1967094" cy="527804"/>
           </a:xfrm>
           <a:prstGeom prst="wedgeRoundRectCallout">
             <a:avLst>
@@ -29445,7 +29567,7 @@
           <a:p>
             <a:pPr algn="ctr" eaLnBrk="0" hangingPunct="0"/>
             <a:r>
-              <a:rPr lang="en-US" sz="2500" b="1" dirty="0">
+              <a:rPr lang="bg-BG" sz="2500" b="1" dirty="0">
                 <a:solidFill>
                   <a:schemeClr val="bg2"/>
                 </a:solidFill>
@@ -29457,20 +29579,8 @@
                   </a:outerShdw>
                 </a:effectLst>
               </a:rPr>
-              <a:t>Extends</a:t>
-            </a:r>
-            <a:endParaRPr lang="bg-BG" sz="2500" b="1" dirty="0">
-              <a:solidFill>
-                <a:schemeClr val="bg2"/>
-              </a:solidFill>
-              <a:effectLst>
-                <a:outerShdw blurRad="38100" dist="38100" dir="2700000" algn="tl">
-                  <a:srgbClr val="000000">
-                    <a:alpha val="43137"/>
-                  </a:srgbClr>
-                </a:outerShdw>
-              </a:effectLst>
-            </a:endParaRPr>
+              <a:t>Разширява</a:t>
+            </a:r>
           </a:p>
         </p:txBody>
       </p:sp>
@@ -42023,6 +42133,13 @@
               </a:rPr>
               <a:t>Наследяването ни позволява да </a:t>
             </a:r>
+            <a:br>
+              <a:rPr lang="bg-BG" sz="3600" dirty="0">
+                <a:solidFill>
+                  <a:schemeClr val="bg2"/>
+                </a:solidFill>
+              </a:rPr>
+            </a:br>
             <a:r>
               <a:rPr lang="bg-BG" sz="3600" b="1" dirty="0" err="1">
                 <a:solidFill>
@@ -42191,6 +42308,13 @@
               </a:rPr>
               <a:t> </a:t>
             </a:r>
+            <a:br>
+              <a:rPr lang="bg-BG" sz="3600" dirty="0">
+                <a:solidFill>
+                  <a:schemeClr val="bg2"/>
+                </a:solidFill>
+              </a:rPr>
+            </a:br>
             <a:r>
               <a:rPr lang="bg-BG" sz="3600" dirty="0">
                 <a:solidFill>
@@ -47420,7 +47544,7 @@
                                           </p:stCondLst>
                                         </p:cTn>
                                         <p:tgtEl>
-                                          <p:spTgt spid="21"/>
+                                          <p:spTgt spid="14"/>
                                         </p:tgtEl>
                                         <p:attrNameLst>
                                           <p:attrName>style.visibility</p:attrName>
@@ -47447,6 +47571,60 @@
                                           </p:stCondLst>
                                         </p:cTn>
                                         <p:tgtEl>
+                                          <p:spTgt spid="16"/>
+                                        </p:tgtEl>
+                                        <p:attrNameLst>
+                                          <p:attrName>style.visibility</p:attrName>
+                                        </p:attrNameLst>
+                                      </p:cBhvr>
+                                      <p:to>
+                                        <p:strVal val="visible"/>
+                                      </p:to>
+                                    </p:set>
+                                  </p:childTnLst>
+                                </p:cTn>
+                              </p:par>
+                              <p:par>
+                                <p:cTn id="23" presetID="1" presetClass="entr" presetSubtype="0" fill="hold" grpId="0" nodeType="withEffect">
+                                  <p:stCondLst>
+                                    <p:cond delay="0"/>
+                                  </p:stCondLst>
+                                  <p:childTnLst>
+                                    <p:set>
+                                      <p:cBhvr>
+                                        <p:cTn id="24" dur="1" fill="hold">
+                                          <p:stCondLst>
+                                            <p:cond delay="0"/>
+                                          </p:stCondLst>
+                                        </p:cTn>
+                                        <p:tgtEl>
+                                          <p:spTgt spid="21"/>
+                                        </p:tgtEl>
+                                        <p:attrNameLst>
+                                          <p:attrName>style.visibility</p:attrName>
+                                        </p:attrNameLst>
+                                      </p:cBhvr>
+                                      <p:to>
+                                        <p:strVal val="visible"/>
+                                      </p:to>
+                                    </p:set>
+                                  </p:childTnLst>
+                                </p:cTn>
+                              </p:par>
+                              <p:par>
+                                <p:cTn id="25" presetID="1" presetClass="entr" presetSubtype="0" fill="hold" grpId="0" nodeType="withEffect">
+                                  <p:stCondLst>
+                                    <p:cond delay="0"/>
+                                  </p:stCondLst>
+                                  <p:childTnLst>
+                                    <p:set>
+                                      <p:cBhvr>
+                                        <p:cTn id="26" dur="1" fill="hold">
+                                          <p:stCondLst>
+                                            <p:cond delay="0"/>
+                                          </p:stCondLst>
+                                        </p:cTn>
+                                        <p:tgtEl>
                                           <p:spTgt spid="12"/>
                                         </p:tgtEl>
                                         <p:attrNameLst>
@@ -47467,73 +47645,19 @@
                     </p:cTn>
                   </p:par>
                   <p:par>
-                    <p:cTn id="23" fill="hold">
+                    <p:cTn id="27" fill="hold">
                       <p:stCondLst>
                         <p:cond delay="indefinite"/>
                       </p:stCondLst>
                       <p:childTnLst>
                         <p:par>
-                          <p:cTn id="24" fill="hold">
+                          <p:cTn id="28" fill="hold">
                             <p:stCondLst>
                               <p:cond delay="0"/>
                             </p:stCondLst>
                             <p:childTnLst>
                               <p:par>
-                                <p:cTn id="25" presetID="1" presetClass="entr" presetSubtype="0" fill="hold" grpId="0" nodeType="clickEffect">
-                                  <p:stCondLst>
-                                    <p:cond delay="0"/>
-                                  </p:stCondLst>
-                                  <p:childTnLst>
-                                    <p:set>
-                                      <p:cBhvr>
-                                        <p:cTn id="26" dur="1" fill="hold">
-                                          <p:stCondLst>
-                                            <p:cond delay="0"/>
-                                          </p:stCondLst>
-                                        </p:cTn>
-                                        <p:tgtEl>
-                                          <p:spTgt spid="17"/>
-                                        </p:tgtEl>
-                                        <p:attrNameLst>
-                                          <p:attrName>style.visibility</p:attrName>
-                                        </p:attrNameLst>
-                                      </p:cBhvr>
-                                      <p:to>
-                                        <p:strVal val="visible"/>
-                                      </p:to>
-                                    </p:set>
-                                  </p:childTnLst>
-                                </p:cTn>
-                              </p:par>
-                              <p:par>
-                                <p:cTn id="27" presetID="1" presetClass="entr" presetSubtype="0" fill="hold" grpId="0" nodeType="withEffect">
-                                  <p:stCondLst>
-                                    <p:cond delay="0"/>
-                                  </p:stCondLst>
-                                  <p:childTnLst>
-                                    <p:set>
-                                      <p:cBhvr>
-                                        <p:cTn id="28" dur="1" fill="hold">
-                                          <p:stCondLst>
-                                            <p:cond delay="0"/>
-                                          </p:stCondLst>
-                                        </p:cTn>
-                                        <p:tgtEl>
-                                          <p:spTgt spid="14"/>
-                                        </p:tgtEl>
-                                        <p:attrNameLst>
-                                          <p:attrName>style.visibility</p:attrName>
-                                        </p:attrNameLst>
-                                      </p:cBhvr>
-                                      <p:to>
-                                        <p:strVal val="visible"/>
-                                      </p:to>
-                                    </p:set>
-                                  </p:childTnLst>
-                                </p:cTn>
-                              </p:par>
-                              <p:par>
-                                <p:cTn id="29" presetID="1" presetClass="entr" presetSubtype="0" fill="hold" grpId="0" nodeType="withEffect">
+                                <p:cTn id="29" presetID="1" presetClass="entr" presetSubtype="0" fill="hold" grpId="0" nodeType="clickEffect">
                                   <p:stCondLst>
                                     <p:cond delay="0"/>
                                   </p:stCondLst>
@@ -47546,7 +47670,7 @@
                                           </p:stCondLst>
                                         </p:cTn>
                                         <p:tgtEl>
-                                          <p:spTgt spid="16"/>
+                                          <p:spTgt spid="17"/>
                                         </p:tgtEl>
                                         <p:attrNameLst>
                                           <p:attrName>style.visibility</p:attrName>
@@ -47804,8 +47928,8 @@
         </p:nvSpPr>
         <p:spPr>
           <a:xfrm>
-            <a:off x="2133600" y="4990818"/>
-            <a:ext cx="3600000" cy="1486183"/>
+            <a:off x="2414544" y="5175114"/>
+            <a:ext cx="3457604" cy="1301887"/>
           </a:xfrm>
           <a:prstGeom prst="roundRect">
             <a:avLst>
@@ -47893,8 +48017,8 @@
         </p:nvSpPr>
         <p:spPr>
           <a:xfrm>
-            <a:off x="6103799" y="4990818"/>
-            <a:ext cx="3954601" cy="1486183"/>
+            <a:off x="6056099" y="5175114"/>
+            <a:ext cx="3782400" cy="1301887"/>
           </a:xfrm>
           <a:prstGeom prst="roundRect">
             <a:avLst>
@@ -48160,8 +48284,8 @@
         </p:nvSpPr>
         <p:spPr>
           <a:xfrm>
-            <a:off x="2285539" y="5722355"/>
-            <a:ext cx="1606499" cy="557218"/>
+            <a:off x="2522573" y="5799359"/>
+            <a:ext cx="1542955" cy="488119"/>
           </a:xfrm>
           <a:prstGeom prst="roundRect">
             <a:avLst>
@@ -48226,8 +48350,8 @@
         </p:nvSpPr>
         <p:spPr>
           <a:xfrm>
-            <a:off x="6286050" y="5683335"/>
-            <a:ext cx="1654194" cy="557218"/>
+            <a:off x="6254856" y="5777350"/>
+            <a:ext cx="1582163" cy="488119"/>
           </a:xfrm>
           <a:prstGeom prst="roundRect">
             <a:avLst>
@@ -48419,8 +48543,8 @@
         </p:nvSpPr>
         <p:spPr>
           <a:xfrm>
-            <a:off x="4003543" y="5722355"/>
-            <a:ext cx="1606499" cy="557218"/>
+            <a:off x="4240577" y="5799359"/>
+            <a:ext cx="1542955" cy="488119"/>
           </a:xfrm>
           <a:prstGeom prst="roundRect">
             <a:avLst>
@@ -48491,8 +48615,8 @@
         </p:nvSpPr>
         <p:spPr>
           <a:xfrm>
-            <a:off x="8153400" y="5683335"/>
-            <a:ext cx="1654194" cy="557218"/>
+            <a:off x="8122206" y="5777350"/>
+            <a:ext cx="1582163" cy="488119"/>
           </a:xfrm>
           <a:prstGeom prst="roundRect">
             <a:avLst>
@@ -48565,8 +48689,8 @@
         </p:nvSpPr>
         <p:spPr bwMode="auto">
           <a:xfrm>
-            <a:off x="10020750" y="5463127"/>
-            <a:ext cx="2169999" cy="919401"/>
+            <a:off x="9756609" y="5481238"/>
+            <a:ext cx="2333969" cy="919401"/>
           </a:xfrm>
           <a:prstGeom prst="wedgeRoundRectCallout">
             <a:avLst>
@@ -48692,13 +48816,13 @@
         </p:nvSpPr>
         <p:spPr bwMode="auto">
           <a:xfrm>
-            <a:off x="0" y="5513695"/>
-            <a:ext cx="2107079" cy="919401"/>
+            <a:off x="1" y="5539406"/>
+            <a:ext cx="2353500" cy="919401"/>
           </a:xfrm>
           <a:prstGeom prst="wedgeRoundRectCallout">
             <a:avLst>
-              <a:gd name="adj1" fmla="val 71736"/>
-              <a:gd name="adj2" fmla="val 17899"/>
+              <a:gd name="adj1" fmla="val 71279"/>
+              <a:gd name="adj2" fmla="val 26089"/>
               <a:gd name="adj3" fmla="val 16667"/>
             </a:avLst>
           </a:prstGeom>

--- a/Courses/Software-Sciences/Module-1-OOP-New/10-Inheritance/10-Inheritance.pptx
+++ b/Courses/Software-Sciences/Module-1-OOP-New/10-Inheritance/10-Inheritance.pptx
@@ -5,10 +5,10 @@
     <p:sldMasterId id="2147483675" r:id="rId1"/>
   </p:sldMasterIdLst>
   <p:notesMasterIdLst>
-    <p:notesMasterId r:id="rId50"/>
+    <p:notesMasterId r:id="rId40"/>
   </p:notesMasterIdLst>
   <p:handoutMasterIdLst>
-    <p:handoutMasterId r:id="rId51"/>
+    <p:handoutMasterId r:id="rId41"/>
   </p:handoutMasterIdLst>
   <p:sldIdLst>
     <p:sldId id="291" r:id="rId2"/>
@@ -46,19 +46,9 @@
     <p:sldId id="323" r:id="rId34"/>
     <p:sldId id="324" r:id="rId35"/>
     <p:sldId id="325" r:id="rId36"/>
-    <p:sldId id="499" r:id="rId37"/>
-    <p:sldId id="500" r:id="rId38"/>
-    <p:sldId id="501" r:id="rId39"/>
-    <p:sldId id="502" r:id="rId40"/>
-    <p:sldId id="503" r:id="rId41"/>
-    <p:sldId id="504" r:id="rId42"/>
-    <p:sldId id="505" r:id="rId43"/>
-    <p:sldId id="506" r:id="rId44"/>
-    <p:sldId id="507" r:id="rId45"/>
-    <p:sldId id="508" r:id="rId46"/>
-    <p:sldId id="326" r:id="rId47"/>
-    <p:sldId id="401" r:id="rId48"/>
-    <p:sldId id="493" r:id="rId49"/>
+    <p:sldId id="326" r:id="rId37"/>
+    <p:sldId id="401" r:id="rId38"/>
+    <p:sldId id="493" r:id="rId39"/>
   </p:sldIdLst>
   <p:sldSz cx="12192000" cy="6858000"/>
   <p:notesSz cx="6858000" cy="9144000"/>
@@ -219,20 +209,6 @@
             <p14:sldId id="325"/>
           </p14:sldIdLst>
         </p14:section>
-        <p14:section name="Хвърляне на изключения" id="{71C9C9AB-D246-4FC2-BF38-78B78B0F5F78}">
-          <p14:sldIdLst>
-            <p14:sldId id="499"/>
-            <p14:sldId id="500"/>
-            <p14:sldId id="501"/>
-            <p14:sldId id="502"/>
-            <p14:sldId id="503"/>
-            <p14:sldId id="504"/>
-            <p14:sldId id="505"/>
-            <p14:sldId id="506"/>
-            <p14:sldId id="507"/>
-            <p14:sldId id="508"/>
-          </p14:sldIdLst>
-        </p14:section>
         <p14:section name="Обобщение" id="{93303A64-A802-4F3D-9932-56EA437A8A52}">
           <p14:sldIdLst>
             <p14:sldId id="326"/>
@@ -357,7 +333,7 @@
           <a:p>
             <a:fld id="{4E087215-0C8F-4762-A664-737A353EC9A4}" type="datetimeFigureOut">
               <a:rPr lang="bg-BG" smtClean="0"/>
-              <a:t>21.12.22 г.</a:t>
+              <a:t>16.01.23 г.</a:t>
             </a:fld>
             <a:endParaRPr lang="bg-BG"/>
           </a:p>
@@ -548,7 +524,7 @@
           <a:p>
             <a:fld id="{72D84649-876A-46C9-8472-14CB09C070D8}" type="datetimeFigureOut">
               <a:rPr lang="en-US" smtClean="0"/>
-              <a:t>12/21/22</a:t>
+              <a:t>1/16/23</a:t>
             </a:fld>
             <a:endParaRPr lang="en-US"/>
           </a:p>
@@ -5039,832 +5015,6 @@
       </p:grpSpPr>
       <p:sp>
         <p:nvSpPr>
-          <p:cNvPr id="4" name="Rectangle 2"/>
-          <p:cNvSpPr>
-            <a:spLocks noGrp="1" noChangeArrowheads="1"/>
-          </p:cNvSpPr>
-          <p:nvPr>
-            <p:ph type="hdr" sz="quarter"/>
-          </p:nvPr>
-        </p:nvSpPr>
-        <p:spPr>
-          <a:ln/>
-        </p:spPr>
-        <p:txBody>
-          <a:bodyPr/>
-          <a:lstStyle/>
-          <a:p>
-            <a:r>
-              <a:rPr lang="en-US" dirty="0"/>
-              <a:t>*</a:t>
-            </a:r>
-          </a:p>
-        </p:txBody>
-      </p:sp>
-      <p:sp>
-        <p:nvSpPr>
-          <p:cNvPr id="6" name="Rectangle 7"/>
-          <p:cNvSpPr>
-            <a:spLocks noGrp="1" noChangeArrowheads="1"/>
-          </p:cNvSpPr>
-          <p:nvPr>
-            <p:ph type="sldNum" sz="quarter" idx="5"/>
-          </p:nvPr>
-        </p:nvSpPr>
-        <p:spPr>
-          <a:ln/>
-        </p:spPr>
-        <p:txBody>
-          <a:bodyPr/>
-          <a:lstStyle/>
-          <a:p>
-            <a:fld id="{BBA4314D-9142-443D-9050-C21ABEC42780}" type="slidenum">
-              <a:rPr lang="en-US"/>
-              <a:pPr/>
-              <a:t>37</a:t>
-            </a:fld>
-            <a:r>
-              <a:rPr lang="en-US" dirty="0"/>
-              <a:t>##</a:t>
-            </a:r>
-          </a:p>
-        </p:txBody>
-      </p:sp>
-      <p:sp>
-        <p:nvSpPr>
-          <p:cNvPr id="565250" name="Rectangle 2"/>
-          <p:cNvSpPr>
-            <a:spLocks noGrp="1" noRot="1" noChangeAspect="1" noChangeArrowheads="1" noTextEdit="1"/>
-          </p:cNvSpPr>
-          <p:nvPr>
-            <p:ph type="sldImg"/>
-          </p:nvPr>
-        </p:nvSpPr>
-        <p:spPr>
-          <a:xfrm>
-            <a:off x="381000" y="685800"/>
-            <a:ext cx="6096000" cy="3429000"/>
-          </a:xfrm>
-          <a:ln/>
-        </p:spPr>
-      </p:sp>
-      <p:sp>
-        <p:nvSpPr>
-          <p:cNvPr id="565251" name="Rectangle 3"/>
-          <p:cNvSpPr>
-            <a:spLocks noGrp="1" noChangeArrowheads="1"/>
-          </p:cNvSpPr>
-          <p:nvPr>
-            <p:ph type="body" idx="1"/>
-          </p:nvPr>
-        </p:nvSpPr>
-        <p:spPr/>
-        <p:txBody>
-          <a:bodyPr/>
-          <a:lstStyle/>
-          <a:p>
-            <a:endParaRPr lang="bg-BG"/>
-          </a:p>
-        </p:txBody>
-      </p:sp>
-      <p:sp>
-        <p:nvSpPr>
-          <p:cNvPr id="8" name="Footer Placeholder 7">
-            <a:extLst>
-              <a:ext uri="{FF2B5EF4-FFF2-40B4-BE49-F238E27FC236}">
-                <a16:creationId xmlns:a16="http://schemas.microsoft.com/office/drawing/2014/main" id="{EF6322EA-14FD-4994-B2B8-2677C555011C}"/>
-              </a:ext>
-            </a:extLst>
-          </p:cNvPr>
-          <p:cNvSpPr>
-            <a:spLocks noGrp="1"/>
-          </p:cNvSpPr>
-          <p:nvPr>
-            <p:ph type="ftr" sz="quarter" idx="4"/>
-          </p:nvPr>
-        </p:nvSpPr>
-        <p:spPr>
-          <a:xfrm>
-            <a:off x="-1" y="8847000"/>
-            <a:ext cx="6488999" cy="297000"/>
-          </a:xfrm>
-          <a:prstGeom prst="rect">
-            <a:avLst/>
-          </a:prstGeom>
-        </p:spPr>
-        <p:txBody>
-          <a:bodyPr vert="horz" lIns="91440" tIns="45720" rIns="91440" bIns="45720" rtlCol="0" anchor="b"/>
-          <a:lstStyle>
-            <a:lvl1pPr algn="l">
-              <a:defRPr sz="1100"/>
-            </a:lvl1pPr>
-          </a:lstStyle>
-          <a:p>
-            <a:r>
-              <a:rPr lang="en-US" dirty="0"/>
-              <a:t>© SoftUni – </a:t>
-            </a:r>
-            <a:r>
-              <a:rPr lang="en-US" u="sng" dirty="0">
-                <a:hlinkClick r:id="rId3"/>
-              </a:rPr>
-              <a:t>https://softuni.org</a:t>
-            </a:r>
-            <a:r>
-              <a:rPr lang="en-US" dirty="0"/>
-              <a:t>. Copyrighted document. Unauthorized copy or reproduction is not permitted.</a:t>
-            </a:r>
-          </a:p>
-        </p:txBody>
-      </p:sp>
-    </p:spTree>
-    <p:extLst>
-      <p:ext uri="{BB962C8B-B14F-4D97-AF65-F5344CB8AC3E}">
-        <p14:creationId xmlns:p14="http://schemas.microsoft.com/office/powerpoint/2010/main" val="3126033834"/>
-      </p:ext>
-    </p:extLst>
-  </p:cSld>
-  <p:clrMapOvr>
-    <a:masterClrMapping/>
-  </p:clrMapOvr>
-</p:notes>
-</file>
-
-<file path=ppt/notesSlides/notesSlide28.xml><?xml version="1.0" encoding="utf-8"?>
-<p:notes xmlns:a="http://schemas.openxmlformats.org/drawingml/2006/main" xmlns:r="http://schemas.openxmlformats.org/officeDocument/2006/relationships" xmlns:p="http://schemas.openxmlformats.org/presentationml/2006/main">
-  <p:cSld>
-    <p:spTree>
-      <p:nvGrpSpPr>
-        <p:cNvPr id="1" name=""/>
-        <p:cNvGrpSpPr/>
-        <p:nvPr/>
-      </p:nvGrpSpPr>
-      <p:grpSpPr>
-        <a:xfrm>
-          <a:off x="0" y="0"/>
-          <a:ext cx="0" cy="0"/>
-          <a:chOff x="0" y="0"/>
-          <a:chExt cx="0" cy="0"/>
-        </a:xfrm>
-      </p:grpSpPr>
-      <p:sp>
-        <p:nvSpPr>
-          <p:cNvPr id="4" name="Rectangle 2"/>
-          <p:cNvSpPr>
-            <a:spLocks noGrp="1" noChangeArrowheads="1"/>
-          </p:cNvSpPr>
-          <p:nvPr>
-            <p:ph type="hdr" sz="quarter"/>
-          </p:nvPr>
-        </p:nvSpPr>
-        <p:spPr>
-          <a:ln/>
-        </p:spPr>
-        <p:txBody>
-          <a:bodyPr/>
-          <a:lstStyle/>
-          <a:p>
-            <a:r>
-              <a:rPr lang="en-US" dirty="0"/>
-              <a:t>*</a:t>
-            </a:r>
-          </a:p>
-        </p:txBody>
-      </p:sp>
-      <p:sp>
-        <p:nvSpPr>
-          <p:cNvPr id="6" name="Rectangle 7"/>
-          <p:cNvSpPr>
-            <a:spLocks noGrp="1" noChangeArrowheads="1"/>
-          </p:cNvSpPr>
-          <p:nvPr>
-            <p:ph type="sldNum" sz="quarter" idx="5"/>
-          </p:nvPr>
-        </p:nvSpPr>
-        <p:spPr>
-          <a:ln/>
-        </p:spPr>
-        <p:txBody>
-          <a:bodyPr/>
-          <a:lstStyle/>
-          <a:p>
-            <a:fld id="{4DE8AFCF-28C4-49D0-B044-E430F0C2F2EB}" type="slidenum">
-              <a:rPr lang="en-US"/>
-              <a:pPr/>
-              <a:t>38</a:t>
-            </a:fld>
-            <a:r>
-              <a:rPr lang="en-US" dirty="0"/>
-              <a:t>##</a:t>
-            </a:r>
-          </a:p>
-        </p:txBody>
-      </p:sp>
-      <p:sp>
-        <p:nvSpPr>
-          <p:cNvPr id="563202" name="Rectangle 2"/>
-          <p:cNvSpPr>
-            <a:spLocks noGrp="1" noRot="1" noChangeAspect="1" noChangeArrowheads="1" noTextEdit="1"/>
-          </p:cNvSpPr>
-          <p:nvPr>
-            <p:ph type="sldImg"/>
-          </p:nvPr>
-        </p:nvSpPr>
-        <p:spPr>
-          <a:xfrm>
-            <a:off x="381000" y="685800"/>
-            <a:ext cx="6096000" cy="3429000"/>
-          </a:xfrm>
-          <a:ln/>
-        </p:spPr>
-      </p:sp>
-      <p:sp>
-        <p:nvSpPr>
-          <p:cNvPr id="563203" name="Rectangle 3"/>
-          <p:cNvSpPr>
-            <a:spLocks noGrp="1" noChangeArrowheads="1"/>
-          </p:cNvSpPr>
-          <p:nvPr>
-            <p:ph type="body" idx="1"/>
-          </p:nvPr>
-        </p:nvSpPr>
-        <p:spPr/>
-        <p:txBody>
-          <a:bodyPr/>
-          <a:lstStyle/>
-          <a:p>
-            <a:endParaRPr lang="bg-BG"/>
-          </a:p>
-        </p:txBody>
-      </p:sp>
-      <p:sp>
-        <p:nvSpPr>
-          <p:cNvPr id="8" name="Footer Placeholder 7">
-            <a:extLst>
-              <a:ext uri="{FF2B5EF4-FFF2-40B4-BE49-F238E27FC236}">
-                <a16:creationId xmlns:a16="http://schemas.microsoft.com/office/drawing/2014/main" id="{BB04F9FB-696D-4B53-BBAD-DE0A9A45855C}"/>
-              </a:ext>
-            </a:extLst>
-          </p:cNvPr>
-          <p:cNvSpPr>
-            <a:spLocks noGrp="1"/>
-          </p:cNvSpPr>
-          <p:nvPr>
-            <p:ph type="ftr" sz="quarter" idx="4"/>
-          </p:nvPr>
-        </p:nvSpPr>
-        <p:spPr>
-          <a:xfrm>
-            <a:off x="-1" y="8847000"/>
-            <a:ext cx="6488999" cy="297000"/>
-          </a:xfrm>
-          <a:prstGeom prst="rect">
-            <a:avLst/>
-          </a:prstGeom>
-        </p:spPr>
-        <p:txBody>
-          <a:bodyPr vert="horz" lIns="91440" tIns="45720" rIns="91440" bIns="45720" rtlCol="0" anchor="b"/>
-          <a:lstStyle>
-            <a:lvl1pPr algn="l">
-              <a:defRPr sz="1100"/>
-            </a:lvl1pPr>
-          </a:lstStyle>
-          <a:p>
-            <a:r>
-              <a:rPr lang="en-US" dirty="0"/>
-              <a:t>© SoftUni – </a:t>
-            </a:r>
-            <a:r>
-              <a:rPr lang="en-US" u="sng" dirty="0">
-                <a:hlinkClick r:id="rId3"/>
-              </a:rPr>
-              <a:t>https://softuni.org</a:t>
-            </a:r>
-            <a:r>
-              <a:rPr lang="en-US" dirty="0"/>
-              <a:t>. Copyrighted document. Unauthorized copy or reproduction is not permitted.</a:t>
-            </a:r>
-          </a:p>
-        </p:txBody>
-      </p:sp>
-    </p:spTree>
-    <p:extLst>
-      <p:ext uri="{BB962C8B-B14F-4D97-AF65-F5344CB8AC3E}">
-        <p14:creationId xmlns:p14="http://schemas.microsoft.com/office/powerpoint/2010/main" val="1751167644"/>
-      </p:ext>
-    </p:extLst>
-  </p:cSld>
-  <p:clrMapOvr>
-    <a:masterClrMapping/>
-  </p:clrMapOvr>
-</p:notes>
-</file>
-
-<file path=ppt/notesSlides/notesSlide29.xml><?xml version="1.0" encoding="utf-8"?>
-<p:notes xmlns:a="http://schemas.openxmlformats.org/drawingml/2006/main" xmlns:r="http://schemas.openxmlformats.org/officeDocument/2006/relationships" xmlns:p="http://schemas.openxmlformats.org/presentationml/2006/main">
-  <p:cSld>
-    <p:spTree>
-      <p:nvGrpSpPr>
-        <p:cNvPr id="1" name=""/>
-        <p:cNvGrpSpPr/>
-        <p:nvPr/>
-      </p:nvGrpSpPr>
-      <p:grpSpPr>
-        <a:xfrm>
-          <a:off x="0" y="0"/>
-          <a:ext cx="0" cy="0"/>
-          <a:chOff x="0" y="0"/>
-          <a:chExt cx="0" cy="0"/>
-        </a:xfrm>
-      </p:grpSpPr>
-      <p:sp>
-        <p:nvSpPr>
-          <p:cNvPr id="4" name="Rectangle 2"/>
-          <p:cNvSpPr>
-            <a:spLocks noGrp="1" noChangeArrowheads="1"/>
-          </p:cNvSpPr>
-          <p:nvPr>
-            <p:ph type="hdr" sz="quarter"/>
-          </p:nvPr>
-        </p:nvSpPr>
-        <p:spPr>
-          <a:ln/>
-        </p:spPr>
-        <p:txBody>
-          <a:bodyPr/>
-          <a:lstStyle/>
-          <a:p>
-            <a:r>
-              <a:rPr lang="en-US" dirty="0"/>
-              <a:t>*</a:t>
-            </a:r>
-          </a:p>
-        </p:txBody>
-      </p:sp>
-      <p:sp>
-        <p:nvSpPr>
-          <p:cNvPr id="6" name="Rectangle 7"/>
-          <p:cNvSpPr>
-            <a:spLocks noGrp="1" noChangeArrowheads="1"/>
-          </p:cNvSpPr>
-          <p:nvPr>
-            <p:ph type="sldNum" sz="quarter" idx="5"/>
-          </p:nvPr>
-        </p:nvSpPr>
-        <p:spPr>
-          <a:ln/>
-        </p:spPr>
-        <p:txBody>
-          <a:bodyPr/>
-          <a:lstStyle/>
-          <a:p>
-            <a:fld id="{3A524B3F-307C-46D2-B2A1-9A0C3BF3E426}" type="slidenum">
-              <a:rPr lang="en-US"/>
-              <a:pPr/>
-              <a:t>39</a:t>
-            </a:fld>
-            <a:r>
-              <a:rPr lang="en-US" dirty="0"/>
-              <a:t>##</a:t>
-            </a:r>
-          </a:p>
-        </p:txBody>
-      </p:sp>
-      <p:sp>
-        <p:nvSpPr>
-          <p:cNvPr id="638978" name="Rectangle 2"/>
-          <p:cNvSpPr>
-            <a:spLocks noGrp="1" noRot="1" noChangeAspect="1" noChangeArrowheads="1" noTextEdit="1"/>
-          </p:cNvSpPr>
-          <p:nvPr>
-            <p:ph type="sldImg"/>
-          </p:nvPr>
-        </p:nvSpPr>
-        <p:spPr>
-          <a:xfrm>
-            <a:off x="381000" y="685800"/>
-            <a:ext cx="6096000" cy="3429000"/>
-          </a:xfrm>
-          <a:ln/>
-        </p:spPr>
-      </p:sp>
-      <p:sp>
-        <p:nvSpPr>
-          <p:cNvPr id="638979" name="Rectangle 3"/>
-          <p:cNvSpPr>
-            <a:spLocks noGrp="1" noChangeArrowheads="1"/>
-          </p:cNvSpPr>
-          <p:nvPr>
-            <p:ph type="body" idx="1"/>
-          </p:nvPr>
-        </p:nvSpPr>
-        <p:spPr/>
-        <p:txBody>
-          <a:bodyPr/>
-          <a:lstStyle/>
-          <a:p>
-            <a:endParaRPr lang="bg-BG"/>
-          </a:p>
-        </p:txBody>
-      </p:sp>
-      <p:sp>
-        <p:nvSpPr>
-          <p:cNvPr id="8" name="Footer Placeholder 7">
-            <a:extLst>
-              <a:ext uri="{FF2B5EF4-FFF2-40B4-BE49-F238E27FC236}">
-                <a16:creationId xmlns:a16="http://schemas.microsoft.com/office/drawing/2014/main" id="{BC0EE41C-9061-48AF-8BF9-7304AEF24379}"/>
-              </a:ext>
-            </a:extLst>
-          </p:cNvPr>
-          <p:cNvSpPr>
-            <a:spLocks noGrp="1"/>
-          </p:cNvSpPr>
-          <p:nvPr>
-            <p:ph type="ftr" sz="quarter" idx="4"/>
-          </p:nvPr>
-        </p:nvSpPr>
-        <p:spPr>
-          <a:xfrm>
-            <a:off x="-1" y="8847000"/>
-            <a:ext cx="6488999" cy="297000"/>
-          </a:xfrm>
-          <a:prstGeom prst="rect">
-            <a:avLst/>
-          </a:prstGeom>
-        </p:spPr>
-        <p:txBody>
-          <a:bodyPr vert="horz" lIns="91440" tIns="45720" rIns="91440" bIns="45720" rtlCol="0" anchor="b"/>
-          <a:lstStyle>
-            <a:lvl1pPr algn="l">
-              <a:defRPr sz="1100"/>
-            </a:lvl1pPr>
-          </a:lstStyle>
-          <a:p>
-            <a:r>
-              <a:rPr lang="en-US" dirty="0"/>
-              <a:t>© SoftUni – </a:t>
-            </a:r>
-            <a:r>
-              <a:rPr lang="en-US" u="sng" dirty="0">
-                <a:hlinkClick r:id="rId3"/>
-              </a:rPr>
-              <a:t>https://softuni.org</a:t>
-            </a:r>
-            <a:r>
-              <a:rPr lang="en-US" dirty="0"/>
-              <a:t>. Copyrighted document. Unauthorized copy or reproduction is not permitted.</a:t>
-            </a:r>
-          </a:p>
-        </p:txBody>
-      </p:sp>
-    </p:spTree>
-    <p:extLst>
-      <p:ext uri="{BB962C8B-B14F-4D97-AF65-F5344CB8AC3E}">
-        <p14:creationId xmlns:p14="http://schemas.microsoft.com/office/powerpoint/2010/main" val="422349147"/>
-      </p:ext>
-    </p:extLst>
-  </p:cSld>
-  <p:clrMapOvr>
-    <a:masterClrMapping/>
-  </p:clrMapOvr>
-</p:notes>
-</file>
-
-<file path=ppt/notesSlides/notesSlide3.xml><?xml version="1.0" encoding="utf-8"?>
-<p:notes xmlns:a="http://schemas.openxmlformats.org/drawingml/2006/main" xmlns:r="http://schemas.openxmlformats.org/officeDocument/2006/relationships" xmlns:p="http://schemas.openxmlformats.org/presentationml/2006/main">
-  <p:cSld>
-    <p:spTree>
-      <p:nvGrpSpPr>
-        <p:cNvPr id="1" name=""/>
-        <p:cNvGrpSpPr/>
-        <p:nvPr/>
-      </p:nvGrpSpPr>
-      <p:grpSpPr>
-        <a:xfrm>
-          <a:off x="0" y="0"/>
-          <a:ext cx="0" cy="0"/>
-          <a:chOff x="0" y="0"/>
-          <a:chExt cx="0" cy="0"/>
-        </a:xfrm>
-      </p:grpSpPr>
-      <p:sp>
-        <p:nvSpPr>
-          <p:cNvPr id="5" name="Rectangle 7"/>
-          <p:cNvSpPr>
-            <a:spLocks noGrp="1" noChangeArrowheads="1"/>
-          </p:cNvSpPr>
-          <p:nvPr>
-            <p:ph type="sldNum" sz="quarter" idx="5"/>
-          </p:nvPr>
-        </p:nvSpPr>
-        <p:spPr>
-          <a:ln/>
-        </p:spPr>
-        <p:txBody>
-          <a:bodyPr/>
-          <a:lstStyle/>
-          <a:p>
-            <a:fld id="{C7131C5E-1E6B-46FF-9756-44B6556E2A79}" type="slidenum">
-              <a:rPr lang="en-US"/>
-              <a:pPr/>
-              <a:t>4</a:t>
-            </a:fld>
-            <a:r>
-              <a:rPr lang="en-US" dirty="0"/>
-              <a:t>##</a:t>
-            </a:r>
-          </a:p>
-        </p:txBody>
-      </p:sp>
-      <p:sp>
-        <p:nvSpPr>
-          <p:cNvPr id="1234946" name="Rectangle 2"/>
-          <p:cNvSpPr>
-            <a:spLocks noGrp="1" noRot="1" noChangeAspect="1" noChangeArrowheads="1" noTextEdit="1"/>
-          </p:cNvSpPr>
-          <p:nvPr>
-            <p:ph type="sldImg"/>
-          </p:nvPr>
-        </p:nvSpPr>
-        <p:spPr>
-          <a:xfrm>
-            <a:off x="381000" y="685800"/>
-            <a:ext cx="6096000" cy="3429000"/>
-          </a:xfrm>
-          <a:ln/>
-        </p:spPr>
-      </p:sp>
-      <p:sp>
-        <p:nvSpPr>
-          <p:cNvPr id="1234947" name="Rectangle 3"/>
-          <p:cNvSpPr>
-            <a:spLocks noGrp="1" noChangeArrowheads="1"/>
-          </p:cNvSpPr>
-          <p:nvPr>
-            <p:ph type="body" idx="1"/>
-          </p:nvPr>
-        </p:nvSpPr>
-        <p:spPr/>
-        <p:txBody>
-          <a:bodyPr/>
-          <a:lstStyle/>
-          <a:p>
-            <a:endParaRPr lang="bg-BG" dirty="0"/>
-          </a:p>
-        </p:txBody>
-      </p:sp>
-      <p:sp>
-        <p:nvSpPr>
-          <p:cNvPr id="6" name="Footer Placeholder 7">
-            <a:extLst>
-              <a:ext uri="{FF2B5EF4-FFF2-40B4-BE49-F238E27FC236}">
-                <a16:creationId xmlns:a16="http://schemas.microsoft.com/office/drawing/2014/main" id="{5E327D25-3ADF-4E26-B33F-EC06EC2086B7}"/>
-              </a:ext>
-            </a:extLst>
-          </p:cNvPr>
-          <p:cNvSpPr>
-            <a:spLocks noGrp="1"/>
-          </p:cNvSpPr>
-          <p:nvPr>
-            <p:ph type="ftr" sz="quarter" idx="4"/>
-          </p:nvPr>
-        </p:nvSpPr>
-        <p:spPr>
-          <a:xfrm>
-            <a:off x="-1" y="8847000"/>
-            <a:ext cx="6488999" cy="297000"/>
-          </a:xfrm>
-          <a:prstGeom prst="rect">
-            <a:avLst/>
-          </a:prstGeom>
-        </p:spPr>
-        <p:txBody>
-          <a:bodyPr vert="horz" lIns="91440" tIns="45720" rIns="91440" bIns="45720" rtlCol="0" anchor="b"/>
-          <a:lstStyle>
-            <a:lvl1pPr algn="l">
-              <a:defRPr sz="1100"/>
-            </a:lvl1pPr>
-          </a:lstStyle>
-          <a:p>
-            <a:r>
-              <a:rPr lang="en-US" dirty="0"/>
-              <a:t>© SoftUni – </a:t>
-            </a:r>
-            <a:r>
-              <a:rPr lang="en-US" u="sng" dirty="0">
-                <a:hlinkClick r:id="rId3"/>
-              </a:rPr>
-              <a:t>https://softuni.org</a:t>
-            </a:r>
-            <a:r>
-              <a:rPr lang="en-US" dirty="0"/>
-              <a:t>. Copyrighted document. Unauthorized copy or reproduction is not permitted.</a:t>
-            </a:r>
-          </a:p>
-        </p:txBody>
-      </p:sp>
-    </p:spTree>
-    <p:extLst>
-      <p:ext uri="{BB962C8B-B14F-4D97-AF65-F5344CB8AC3E}">
-        <p14:creationId xmlns:p14="http://schemas.microsoft.com/office/powerpoint/2010/main" val="1709761961"/>
-      </p:ext>
-    </p:extLst>
-  </p:cSld>
-  <p:clrMapOvr>
-    <a:masterClrMapping/>
-  </p:clrMapOvr>
-</p:notes>
-</file>
-
-<file path=ppt/notesSlides/notesSlide30.xml><?xml version="1.0" encoding="utf-8"?>
-<p:notes xmlns:a="http://schemas.openxmlformats.org/drawingml/2006/main" xmlns:r="http://schemas.openxmlformats.org/officeDocument/2006/relationships" xmlns:p="http://schemas.openxmlformats.org/presentationml/2006/main">
-  <p:cSld>
-    <p:spTree>
-      <p:nvGrpSpPr>
-        <p:cNvPr id="1" name=""/>
-        <p:cNvGrpSpPr/>
-        <p:nvPr/>
-      </p:nvGrpSpPr>
-      <p:grpSpPr>
-        <a:xfrm>
-          <a:off x="0" y="0"/>
-          <a:ext cx="0" cy="0"/>
-          <a:chOff x="0" y="0"/>
-          <a:chExt cx="0" cy="0"/>
-        </a:xfrm>
-      </p:grpSpPr>
-      <p:sp>
-        <p:nvSpPr>
-          <p:cNvPr id="4" name="Rectangle 2"/>
-          <p:cNvSpPr>
-            <a:spLocks noGrp="1" noChangeArrowheads="1"/>
-          </p:cNvSpPr>
-          <p:nvPr>
-            <p:ph type="hdr" sz="quarter"/>
-          </p:nvPr>
-        </p:nvSpPr>
-        <p:spPr>
-          <a:ln/>
-        </p:spPr>
-        <p:txBody>
-          <a:bodyPr/>
-          <a:lstStyle/>
-          <a:p>
-            <a:r>
-              <a:rPr lang="en-US" dirty="0"/>
-              <a:t>*</a:t>
-            </a:r>
-          </a:p>
-        </p:txBody>
-      </p:sp>
-      <p:sp>
-        <p:nvSpPr>
-          <p:cNvPr id="6" name="Rectangle 7"/>
-          <p:cNvSpPr>
-            <a:spLocks noGrp="1" noChangeArrowheads="1"/>
-          </p:cNvSpPr>
-          <p:nvPr>
-            <p:ph type="sldNum" sz="quarter" idx="5"/>
-          </p:nvPr>
-        </p:nvSpPr>
-        <p:spPr>
-          <a:ln/>
-        </p:spPr>
-        <p:txBody>
-          <a:bodyPr/>
-          <a:lstStyle/>
-          <a:p>
-            <a:fld id="{9C149E57-0798-442F-9EDF-19F617E03DDC}" type="slidenum">
-              <a:rPr lang="en-US"/>
-              <a:pPr/>
-              <a:t>40</a:t>
-            </a:fld>
-            <a:r>
-              <a:rPr lang="en-US" dirty="0"/>
-              <a:t>##</a:t>
-            </a:r>
-          </a:p>
-        </p:txBody>
-      </p:sp>
-      <p:sp>
-        <p:nvSpPr>
-          <p:cNvPr id="567298" name="Rectangle 2"/>
-          <p:cNvSpPr>
-            <a:spLocks noGrp="1" noRot="1" noChangeAspect="1" noChangeArrowheads="1" noTextEdit="1"/>
-          </p:cNvSpPr>
-          <p:nvPr>
-            <p:ph type="sldImg"/>
-          </p:nvPr>
-        </p:nvSpPr>
-        <p:spPr>
-          <a:xfrm>
-            <a:off x="381000" y="685800"/>
-            <a:ext cx="6096000" cy="3429000"/>
-          </a:xfrm>
-          <a:ln/>
-        </p:spPr>
-      </p:sp>
-      <p:sp>
-        <p:nvSpPr>
-          <p:cNvPr id="567299" name="Rectangle 3"/>
-          <p:cNvSpPr>
-            <a:spLocks noGrp="1" noChangeArrowheads="1"/>
-          </p:cNvSpPr>
-          <p:nvPr>
-            <p:ph type="body" idx="1"/>
-          </p:nvPr>
-        </p:nvSpPr>
-        <p:spPr/>
-        <p:txBody>
-          <a:bodyPr/>
-          <a:lstStyle/>
-          <a:p>
-            <a:endParaRPr lang="bg-BG"/>
-          </a:p>
-        </p:txBody>
-      </p:sp>
-      <p:sp>
-        <p:nvSpPr>
-          <p:cNvPr id="8" name="Footer Placeholder 7">
-            <a:extLst>
-              <a:ext uri="{FF2B5EF4-FFF2-40B4-BE49-F238E27FC236}">
-                <a16:creationId xmlns:a16="http://schemas.microsoft.com/office/drawing/2014/main" id="{877534FE-DE6B-4A02-8911-94E964C555E2}"/>
-              </a:ext>
-            </a:extLst>
-          </p:cNvPr>
-          <p:cNvSpPr>
-            <a:spLocks noGrp="1"/>
-          </p:cNvSpPr>
-          <p:nvPr>
-            <p:ph type="ftr" sz="quarter" idx="4"/>
-          </p:nvPr>
-        </p:nvSpPr>
-        <p:spPr>
-          <a:xfrm>
-            <a:off x="-1" y="8847000"/>
-            <a:ext cx="6488999" cy="297000"/>
-          </a:xfrm>
-          <a:prstGeom prst="rect">
-            <a:avLst/>
-          </a:prstGeom>
-        </p:spPr>
-        <p:txBody>
-          <a:bodyPr vert="horz" lIns="91440" tIns="45720" rIns="91440" bIns="45720" rtlCol="0" anchor="b"/>
-          <a:lstStyle>
-            <a:lvl1pPr algn="l">
-              <a:defRPr sz="1100"/>
-            </a:lvl1pPr>
-          </a:lstStyle>
-          <a:p>
-            <a:r>
-              <a:rPr lang="en-US" dirty="0"/>
-              <a:t>© SoftUni – </a:t>
-            </a:r>
-            <a:r>
-              <a:rPr lang="en-US" u="sng" dirty="0">
-                <a:hlinkClick r:id="rId3"/>
-              </a:rPr>
-              <a:t>https://softuni.org</a:t>
-            </a:r>
-            <a:r>
-              <a:rPr lang="en-US" dirty="0"/>
-              <a:t>. Copyrighted document. Unauthorized copy or reproduction is not permitted.</a:t>
-            </a:r>
-          </a:p>
-        </p:txBody>
-      </p:sp>
-    </p:spTree>
-    <p:extLst>
-      <p:ext uri="{BB962C8B-B14F-4D97-AF65-F5344CB8AC3E}">
-        <p14:creationId xmlns:p14="http://schemas.microsoft.com/office/powerpoint/2010/main" val="3513075972"/>
-      </p:ext>
-    </p:extLst>
-  </p:cSld>
-  <p:clrMapOvr>
-    <a:masterClrMapping/>
-  </p:clrMapOvr>
-</p:notes>
-</file>
-
-<file path=ppt/notesSlides/notesSlide31.xml><?xml version="1.0" encoding="utf-8"?>
-<p:notes xmlns:a="http://schemas.openxmlformats.org/drawingml/2006/main" xmlns:r="http://schemas.openxmlformats.org/officeDocument/2006/relationships" xmlns:p="http://schemas.openxmlformats.org/presentationml/2006/main">
-  <p:cSld>
-    <p:spTree>
-      <p:nvGrpSpPr>
-        <p:cNvPr id="1" name=""/>
-        <p:cNvGrpSpPr/>
-        <p:nvPr/>
-      </p:nvGrpSpPr>
-      <p:grpSpPr>
-        <a:xfrm>
-          <a:off x="0" y="0"/>
-          <a:ext cx="0" cy="0"/>
-          <a:chOff x="0" y="0"/>
-          <a:chExt cx="0" cy="0"/>
-        </a:xfrm>
-      </p:grpSpPr>
-      <p:sp>
-        <p:nvSpPr>
           <p:cNvPr id="2" name="Slide Image Placeholder 1"/>
           <p:cNvSpPr>
             <a:spLocks noGrp="1" noRot="1" noChangeAspect="1"/>
@@ -5912,7 +5062,7 @@
             <a:fld id="{3EBA5BD7-F043-4D1B-AA17-CD412FC534DE}" type="slidenum">
               <a:rPr lang="en-US" smtClean="0"/>
               <a:pPr/>
-              <a:t>46</a:t>
+              <a:t>36</a:t>
             </a:fld>
             <a:endParaRPr lang="en-US" dirty="0"/>
           </a:p>
@@ -5981,7 +5131,7 @@
 </p:notes>
 </file>
 
-<file path=ppt/notesSlides/notesSlide32.xml><?xml version="1.0" encoding="utf-8"?>
+<file path=ppt/notesSlides/notesSlide28.xml><?xml version="1.0" encoding="utf-8"?>
 <p:notes xmlns:a="http://schemas.openxmlformats.org/drawingml/2006/main" xmlns:r="http://schemas.openxmlformats.org/officeDocument/2006/relationships" xmlns:p="http://schemas.openxmlformats.org/presentationml/2006/main">
   <p:cSld>
     <p:spTree>
@@ -6153,7 +5303,7 @@
             <a:fld id="{3EBA5BD7-F043-4D1B-AA17-CD412FC534DE}" type="slidenum">
               <a:rPr lang="en-US" smtClean="0"/>
               <a:pPr/>
-              <a:t>47</a:t>
+              <a:t>37</a:t>
             </a:fld>
             <a:endParaRPr lang="en-US" dirty="0"/>
           </a:p>
@@ -6222,7 +5372,7 @@
 </p:notes>
 </file>
 
-<file path=ppt/notesSlides/notesSlide33.xml><?xml version="1.0" encoding="utf-8"?>
+<file path=ppt/notesSlides/notesSlide29.xml><?xml version="1.0" encoding="utf-8"?>
 <p:notes xmlns:a="http://schemas.openxmlformats.org/drawingml/2006/main" xmlns:r="http://schemas.openxmlformats.org/officeDocument/2006/relationships" xmlns:p="http://schemas.openxmlformats.org/presentationml/2006/main">
   <p:cSld>
     <p:spTree>
@@ -6394,7 +5544,7 @@
             <a:fld id="{3EBA5BD7-F043-4D1B-AA17-CD412FC534DE}" type="slidenum">
               <a:rPr lang="en-US" smtClean="0"/>
               <a:pPr/>
-              <a:t>48</a:t>
+              <a:t>38</a:t>
             </a:fld>
             <a:endParaRPr lang="en-US" dirty="0"/>
           </a:p>
@@ -6454,6 +5604,152 @@
     <p:extLst>
       <p:ext uri="{BB962C8B-B14F-4D97-AF65-F5344CB8AC3E}">
         <p14:creationId xmlns:p14="http://schemas.microsoft.com/office/powerpoint/2010/main" val="792321493"/>
+      </p:ext>
+    </p:extLst>
+  </p:cSld>
+  <p:clrMapOvr>
+    <a:masterClrMapping/>
+  </p:clrMapOvr>
+</p:notes>
+</file>
+
+<file path=ppt/notesSlides/notesSlide3.xml><?xml version="1.0" encoding="utf-8"?>
+<p:notes xmlns:a="http://schemas.openxmlformats.org/drawingml/2006/main" xmlns:r="http://schemas.openxmlformats.org/officeDocument/2006/relationships" xmlns:p="http://schemas.openxmlformats.org/presentationml/2006/main">
+  <p:cSld>
+    <p:spTree>
+      <p:nvGrpSpPr>
+        <p:cNvPr id="1" name=""/>
+        <p:cNvGrpSpPr/>
+        <p:nvPr/>
+      </p:nvGrpSpPr>
+      <p:grpSpPr>
+        <a:xfrm>
+          <a:off x="0" y="0"/>
+          <a:ext cx="0" cy="0"/>
+          <a:chOff x="0" y="0"/>
+          <a:chExt cx="0" cy="0"/>
+        </a:xfrm>
+      </p:grpSpPr>
+      <p:sp>
+        <p:nvSpPr>
+          <p:cNvPr id="5" name="Rectangle 7"/>
+          <p:cNvSpPr>
+            <a:spLocks noGrp="1" noChangeArrowheads="1"/>
+          </p:cNvSpPr>
+          <p:nvPr>
+            <p:ph type="sldNum" sz="quarter" idx="5"/>
+          </p:nvPr>
+        </p:nvSpPr>
+        <p:spPr>
+          <a:ln/>
+        </p:spPr>
+        <p:txBody>
+          <a:bodyPr/>
+          <a:lstStyle/>
+          <a:p>
+            <a:fld id="{C7131C5E-1E6B-46FF-9756-44B6556E2A79}" type="slidenum">
+              <a:rPr lang="en-US"/>
+              <a:pPr/>
+              <a:t>4</a:t>
+            </a:fld>
+            <a:r>
+              <a:rPr lang="en-US" dirty="0"/>
+              <a:t>##</a:t>
+            </a:r>
+          </a:p>
+        </p:txBody>
+      </p:sp>
+      <p:sp>
+        <p:nvSpPr>
+          <p:cNvPr id="1234946" name="Rectangle 2"/>
+          <p:cNvSpPr>
+            <a:spLocks noGrp="1" noRot="1" noChangeAspect="1" noChangeArrowheads="1" noTextEdit="1"/>
+          </p:cNvSpPr>
+          <p:nvPr>
+            <p:ph type="sldImg"/>
+          </p:nvPr>
+        </p:nvSpPr>
+        <p:spPr>
+          <a:xfrm>
+            <a:off x="381000" y="685800"/>
+            <a:ext cx="6096000" cy="3429000"/>
+          </a:xfrm>
+          <a:ln/>
+        </p:spPr>
+      </p:sp>
+      <p:sp>
+        <p:nvSpPr>
+          <p:cNvPr id="1234947" name="Rectangle 3"/>
+          <p:cNvSpPr>
+            <a:spLocks noGrp="1" noChangeArrowheads="1"/>
+          </p:cNvSpPr>
+          <p:nvPr>
+            <p:ph type="body" idx="1"/>
+          </p:nvPr>
+        </p:nvSpPr>
+        <p:spPr/>
+        <p:txBody>
+          <a:bodyPr/>
+          <a:lstStyle/>
+          <a:p>
+            <a:endParaRPr lang="bg-BG" dirty="0"/>
+          </a:p>
+        </p:txBody>
+      </p:sp>
+      <p:sp>
+        <p:nvSpPr>
+          <p:cNvPr id="6" name="Footer Placeholder 7">
+            <a:extLst>
+              <a:ext uri="{FF2B5EF4-FFF2-40B4-BE49-F238E27FC236}">
+                <a16:creationId xmlns:a16="http://schemas.microsoft.com/office/drawing/2014/main" id="{5E327D25-3ADF-4E26-B33F-EC06EC2086B7}"/>
+              </a:ext>
+            </a:extLst>
+          </p:cNvPr>
+          <p:cNvSpPr>
+            <a:spLocks noGrp="1"/>
+          </p:cNvSpPr>
+          <p:nvPr>
+            <p:ph type="ftr" sz="quarter" idx="4"/>
+          </p:nvPr>
+        </p:nvSpPr>
+        <p:spPr>
+          <a:xfrm>
+            <a:off x="-1" y="8847000"/>
+            <a:ext cx="6488999" cy="297000"/>
+          </a:xfrm>
+          <a:prstGeom prst="rect">
+            <a:avLst/>
+          </a:prstGeom>
+        </p:spPr>
+        <p:txBody>
+          <a:bodyPr vert="horz" lIns="91440" tIns="45720" rIns="91440" bIns="45720" rtlCol="0" anchor="b"/>
+          <a:lstStyle>
+            <a:lvl1pPr algn="l">
+              <a:defRPr sz="1100"/>
+            </a:lvl1pPr>
+          </a:lstStyle>
+          <a:p>
+            <a:r>
+              <a:rPr lang="en-US" dirty="0"/>
+              <a:t>© SoftUni – </a:t>
+            </a:r>
+            <a:r>
+              <a:rPr lang="en-US" u="sng" dirty="0">
+                <a:hlinkClick r:id="rId3"/>
+              </a:rPr>
+              <a:t>https://softuni.org</a:t>
+            </a:r>
+            <a:r>
+              <a:rPr lang="en-US" dirty="0"/>
+              <a:t>. Copyrighted document. Unauthorized copy or reproduction is not permitted.</a:t>
+            </a:r>
+          </a:p>
+        </p:txBody>
+      </p:sp>
+    </p:spTree>
+    <p:extLst>
+      <p:ext uri="{BB962C8B-B14F-4D97-AF65-F5344CB8AC3E}">
+        <p14:creationId xmlns:p14="http://schemas.microsoft.com/office/powerpoint/2010/main" val="1709761961"/>
       </p:ext>
     </p:extLst>
   </p:cSld>
@@ -23781,7 +23077,8 @@
                 <a:solidFill>
                   <a:schemeClr val="bg1"/>
                 </a:solidFill>
-                <a:latin typeface="Consolas" panose="020B0609020204030204" pitchFamily="49" charset="0"/>
+                <a:latin typeface="Calibri" panose="020F0502020204030204" pitchFamily="34" charset="0"/>
+                <a:cs typeface="Calibri" panose="020F0502020204030204" pitchFamily="34" charset="0"/>
               </a:rPr>
               <a:t>защитени</a:t>
             </a:r>
@@ -23815,7 +23112,8 @@
                 <a:solidFill>
                   <a:schemeClr val="bg1"/>
                 </a:solidFill>
-                <a:latin typeface="Consolas" panose="020B0609020204030204" pitchFamily="49" charset="0"/>
+                <a:latin typeface="Calibri" panose="020F0502020204030204" pitchFamily="34" charset="0"/>
+                <a:cs typeface="Calibri" panose="020F0502020204030204" pitchFamily="34" charset="0"/>
               </a:rPr>
               <a:t>Вътрешните</a:t>
             </a:r>
@@ -23865,7 +23163,8 @@
                 <a:solidFill>
                   <a:schemeClr val="bg1"/>
                 </a:solidFill>
-                <a:latin typeface="Consolas" panose="020B0609020204030204" pitchFamily="49" charset="0"/>
+                <a:latin typeface="Calibri" panose="020F0502020204030204" pitchFamily="34" charset="0"/>
+                <a:cs typeface="Calibri" panose="020F0502020204030204" pitchFamily="34" charset="0"/>
               </a:rPr>
               <a:t>Частните</a:t>
             </a:r>
@@ -24980,13 +24279,13 @@
         </p:nvSpPr>
         <p:spPr bwMode="auto">
           <a:xfrm>
-            <a:off x="6636000" y="3396890"/>
-            <a:ext cx="2506593" cy="544830"/>
+            <a:off x="7037979" y="3044640"/>
+            <a:ext cx="1983022" cy="987504"/>
           </a:xfrm>
           <a:prstGeom prst="wedgeRoundRectCallout">
             <a:avLst>
-              <a:gd name="adj1" fmla="val -86761"/>
-              <a:gd name="adj2" fmla="val 57097"/>
+              <a:gd name="adj1" fmla="val -123654"/>
+              <a:gd name="adj2" fmla="val 46054"/>
               <a:gd name="adj3" fmla="val 16667"/>
             </a:avLst>
           </a:prstGeom>
@@ -25032,6 +24331,35 @@
           <a:p>
             <a:pPr algn="ctr" eaLnBrk="0" hangingPunct="0"/>
             <a:r>
+              <a:rPr lang="bg-BG" sz="2600" b="1" dirty="0">
+                <a:solidFill>
+                  <a:schemeClr val="bg2"/>
+                </a:solidFill>
+                <a:effectLst>
+                  <a:outerShdw blurRad="38100" dist="38100" dir="2700000" algn="tl">
+                    <a:srgbClr val="000000">
+                      <a:alpha val="43137"/>
+                    </a:srgbClr>
+                  </a:outerShdw>
+                </a:effectLst>
+              </a:rPr>
+              <a:t>Скрива</a:t>
+            </a:r>
+            <a:br>
+              <a:rPr lang="bg-BG" sz="2600" b="1" dirty="0">
+                <a:solidFill>
+                  <a:schemeClr val="bg2"/>
+                </a:solidFill>
+                <a:effectLst>
+                  <a:outerShdw blurRad="38100" dist="38100" dir="2700000" algn="tl">
+                    <a:srgbClr val="000000">
+                      <a:alpha val="43137"/>
+                    </a:srgbClr>
+                  </a:outerShdw>
+                </a:effectLst>
+              </a:rPr>
+            </a:br>
+            <a:r>
               <a:rPr lang="en-US" sz="2600" b="1" dirty="0">
                 <a:solidFill>
                   <a:schemeClr val="bg2"/>
@@ -25044,7 +24372,7 @@
                   </a:outerShdw>
                 </a:effectLst>
               </a:rPr>
-              <a:t>Hides </a:t>
+              <a:t> </a:t>
             </a:r>
             <a:r>
               <a:rPr lang="en-US" sz="2600" b="1" noProof="1">
@@ -25110,13 +24438,13 @@
         </p:nvSpPr>
         <p:spPr bwMode="auto">
           <a:xfrm>
-            <a:off x="4206000" y="5910088"/>
-            <a:ext cx="2819400" cy="544830"/>
+            <a:off x="4206000" y="5714928"/>
+            <a:ext cx="2160000" cy="987504"/>
           </a:xfrm>
           <a:prstGeom prst="wedgeRoundRectCallout">
             <a:avLst>
-              <a:gd name="adj1" fmla="val -65485"/>
-              <a:gd name="adj2" fmla="val -65398"/>
+              <a:gd name="adj1" fmla="val -66262"/>
+              <a:gd name="adj2" fmla="val -52655"/>
               <a:gd name="adj3" fmla="val 16667"/>
             </a:avLst>
           </a:prstGeom>
@@ -25162,6 +24490,21 @@
           <a:p>
             <a:pPr algn="ctr" eaLnBrk="0" hangingPunct="0"/>
             <a:r>
+              <a:rPr lang="bg-BG" sz="2600" b="1" dirty="0">
+                <a:solidFill>
+                  <a:schemeClr val="bg2"/>
+                </a:solidFill>
+                <a:effectLst>
+                  <a:outerShdw blurRad="38100" dist="38100" dir="2700000" algn="tl">
+                    <a:srgbClr val="000000">
+                      <a:alpha val="43137"/>
+                    </a:srgbClr>
+                  </a:outerShdw>
+                </a:effectLst>
+              </a:rPr>
+              <a:t>Скрива</a:t>
+            </a:r>
+            <a:r>
               <a:rPr lang="en-US" sz="2600" b="1" dirty="0">
                 <a:solidFill>
                   <a:schemeClr val="bg2"/>
@@ -25174,8 +24517,22 @@
                   </a:outerShdw>
                 </a:effectLst>
               </a:rPr>
-              <a:t>Hides </a:t>
-            </a:r>
+              <a:t> </a:t>
+            </a:r>
+            <a:br>
+              <a:rPr lang="bg-BG" sz="2600" b="1" dirty="0">
+                <a:solidFill>
+                  <a:schemeClr val="bg2"/>
+                </a:solidFill>
+                <a:effectLst>
+                  <a:outerShdw blurRad="38100" dist="38100" dir="2700000" algn="tl">
+                    <a:srgbClr val="000000">
+                      <a:alpha val="43137"/>
+                    </a:srgbClr>
+                  </a:outerShdw>
+                </a:effectLst>
+              </a:rPr>
+            </a:br>
             <a:r>
               <a:rPr lang="en-US" sz="2600" b="1" dirty="0">
                 <a:solidFill>
@@ -25612,7 +24969,7 @@
           <a:p>
             <a:r>
               <a:rPr lang="bg-BG" noProof="1"/>
-              <a:t>Използвайте</a:t>
+              <a:t>Използваме</a:t>
             </a:r>
             <a:r>
               <a:rPr lang="en-US" noProof="1"/>
@@ -25650,7 +25007,7 @@
             </a:r>
             <a:r>
               <a:rPr lang="bg-BG" noProof="1"/>
-              <a:t>, за да уточните достъпа</a:t>
+              <a:t>, за да уточним достъпа</a:t>
             </a:r>
             <a:endParaRPr lang="en-US" noProof="1"/>
           </a:p>
@@ -30920,21 +30277,18 @@
               <a:t>// </a:t>
             </a:r>
             <a:r>
-              <a:rPr lang="en-US" sz="2600" dirty="0">
+              <a:rPr lang="bg-BG" sz="2600" i="1" dirty="0">
                 <a:solidFill>
                   <a:schemeClr val="accent2"/>
                 </a:solidFill>
               </a:rPr>
-              <a:t>TODO</a:t>
-            </a:r>
-            <a:r>
-              <a:rPr lang="en-US" sz="2600" i="1" dirty="0">
-                <a:solidFill>
-                  <a:schemeClr val="accent2"/>
-                </a:solidFill>
-              </a:rPr>
-              <a:t>: Add constructor</a:t>
-            </a:r>
+              <a:t>Добавете конструктор</a:t>
+            </a:r>
+            <a:endParaRPr lang="en-US" sz="2600" i="1" dirty="0">
+              <a:solidFill>
+                <a:schemeClr val="accent2"/>
+              </a:solidFill>
+            </a:endParaRPr>
           </a:p>
           <a:p>
             <a:pPr>
@@ -32934,13 +32288,13 @@
         </p:nvSpPr>
         <p:spPr bwMode="auto">
           <a:xfrm>
-            <a:off x="3682322" y="5345571"/>
-            <a:ext cx="3002258" cy="919401"/>
+            <a:off x="3216000" y="5385344"/>
+            <a:ext cx="2766682" cy="919401"/>
           </a:xfrm>
           <a:prstGeom prst="wedgeRoundRectCallout">
             <a:avLst>
-              <a:gd name="adj1" fmla="val -76596"/>
-              <a:gd name="adj2" fmla="val -65889"/>
+              <a:gd name="adj1" fmla="val -73261"/>
+              <a:gd name="adj2" fmla="val -68626"/>
               <a:gd name="adj3" fmla="val 16667"/>
             </a:avLst>
           </a:prstGeom>
@@ -35553,30 +34907,356 @@
           <a:chExt cx="0" cy="0"/>
         </a:xfrm>
       </p:grpSpPr>
+      <p:sp>
+        <p:nvSpPr>
+          <p:cNvPr id="14" name="Text Placeholder 4">
+            <a:extLst>
+              <a:ext uri="{FF2B5EF4-FFF2-40B4-BE49-F238E27FC236}">
+                <a16:creationId xmlns:a16="http://schemas.microsoft.com/office/drawing/2014/main" id="{0E49D336-45B6-44D3-97C4-E28F8DEA2022}"/>
+              </a:ext>
+            </a:extLst>
+          </p:cNvPr>
+          <p:cNvSpPr>
+            <a:spLocks noGrp="1"/>
+          </p:cNvSpPr>
+          <p:nvPr>
+            <p:ph type="body" sz="quarter" idx="10"/>
+          </p:nvPr>
+        </p:nvSpPr>
+        <p:spPr>
+          <a:xfrm>
+            <a:off x="869725" y="1656226"/>
+            <a:ext cx="7581212" cy="4772369"/>
+          </a:xfrm>
+        </p:spPr>
+        <p:txBody>
+          <a:bodyPr/>
+          <a:lstStyle>
+            <a:lvl1pPr marL="514350" indent="-514350">
+              <a:buFont typeface="Wingdings" panose="05000000000000000000" pitchFamily="2" charset="2"/>
+              <a:buChar char="§"/>
+              <a:defRPr>
+                <a:solidFill>
+                  <a:schemeClr val="bg2"/>
+                </a:solidFill>
+              </a:defRPr>
+            </a:lvl1pPr>
+            <a:lvl2pPr marL="1123935" indent="-514350">
+              <a:buFont typeface="Wingdings" panose="05000000000000000000" pitchFamily="2" charset="2"/>
+              <a:buChar char="§"/>
+              <a:defRPr>
+                <a:solidFill>
+                  <a:schemeClr val="tx1"/>
+                </a:solidFill>
+              </a:defRPr>
+            </a:lvl2pPr>
+            <a:lvl3pPr marL="1733520" indent="-514350">
+              <a:buFont typeface="Wingdings" panose="05000000000000000000" pitchFamily="2" charset="2"/>
+              <a:buChar char="§"/>
+              <a:defRPr>
+                <a:solidFill>
+                  <a:schemeClr val="tx1"/>
+                </a:solidFill>
+              </a:defRPr>
+            </a:lvl3pPr>
+            <a:lvl4pPr marL="2343105" indent="-514350">
+              <a:buFont typeface="Wingdings" panose="05000000000000000000" pitchFamily="2" charset="2"/>
+              <a:buChar char="§"/>
+              <a:defRPr>
+                <a:solidFill>
+                  <a:schemeClr val="tx1"/>
+                </a:solidFill>
+              </a:defRPr>
+            </a:lvl4pPr>
+            <a:lvl5pPr marL="2952689" indent="-514350">
+              <a:buFont typeface="Wingdings" panose="05000000000000000000" pitchFamily="2" charset="2"/>
+              <a:buChar char="§"/>
+              <a:defRPr>
+                <a:solidFill>
+                  <a:schemeClr val="tx1"/>
+                </a:solidFill>
+              </a:defRPr>
+            </a:lvl5pPr>
+          </a:lstStyle>
+          <a:p>
+            <a:pPr lvl="0"/>
+            <a:r>
+              <a:rPr lang="en-US" dirty="0"/>
+              <a:t>…</a:t>
+            </a:r>
+          </a:p>
+          <a:p>
+            <a:pPr lvl="0"/>
+            <a:r>
+              <a:rPr lang="en-GB" dirty="0"/>
+              <a:t>…</a:t>
+            </a:r>
+            <a:endParaRPr lang="en-US" dirty="0"/>
+          </a:p>
+          <a:p>
+            <a:pPr lvl="0"/>
+            <a:r>
+              <a:rPr lang="en-GB" dirty="0"/>
+              <a:t>…</a:t>
+            </a:r>
+            <a:endParaRPr lang="en-US" dirty="0"/>
+          </a:p>
+          <a:p>
+            <a:pPr lvl="0"/>
+            <a:endParaRPr lang="en-US" dirty="0"/>
+          </a:p>
+        </p:txBody>
+      </p:sp>
+      <p:sp>
+        <p:nvSpPr>
+          <p:cNvPr id="4" name="Title 3"/>
+          <p:cNvSpPr>
+            <a:spLocks noGrp="1"/>
+          </p:cNvSpPr>
+          <p:nvPr>
+            <p:ph type="title"/>
+          </p:nvPr>
+        </p:nvSpPr>
+        <p:spPr/>
+        <p:txBody>
+          <a:bodyPr>
+            <a:normAutofit/>
+          </a:bodyPr>
+          <a:lstStyle/>
+          <a:p>
+            <a:r>
+              <a:rPr lang="bg-BG" dirty="0"/>
+              <a:t>Обобщение</a:t>
+            </a:r>
+            <a:endParaRPr lang="en-US" dirty="0"/>
+          </a:p>
+        </p:txBody>
+      </p:sp>
+      <p:grpSp>
+        <p:nvGrpSpPr>
+          <p:cNvPr id="9" name="Group 8">
+            <a:extLst>
+              <a:ext uri="{FF2B5EF4-FFF2-40B4-BE49-F238E27FC236}">
+                <a16:creationId xmlns:a16="http://schemas.microsoft.com/office/drawing/2014/main" id="{EBAFE522-EB7D-4931-A015-9A7E8A98517D}"/>
+              </a:ext>
+            </a:extLst>
+          </p:cNvPr>
+          <p:cNvGrpSpPr/>
+          <p:nvPr/>
+        </p:nvGrpSpPr>
+        <p:grpSpPr>
+          <a:xfrm>
+            <a:off x="191942" y="1419750"/>
+            <a:ext cx="8919058" cy="5300339"/>
+            <a:chOff x="472011" y="1508786"/>
+            <a:chExt cx="3799787" cy="4865561"/>
+          </a:xfrm>
+        </p:grpSpPr>
+        <p:sp>
+          <p:nvSpPr>
+            <p:cNvPr id="10" name="Rounded Rectangle 10">
+              <a:extLst>
+                <a:ext uri="{FF2B5EF4-FFF2-40B4-BE49-F238E27FC236}">
+                  <a16:creationId xmlns:a16="http://schemas.microsoft.com/office/drawing/2014/main" id="{18F78F23-3D09-4B63-8DF9-D49CFBB145EE}"/>
+                </a:ext>
+              </a:extLst>
+            </p:cNvPr>
+            <p:cNvSpPr/>
+            <p:nvPr userDrawn="1"/>
+          </p:nvSpPr>
+          <p:spPr>
+            <a:xfrm>
+              <a:off x="472011" y="1508786"/>
+              <a:ext cx="3799787" cy="4865561"/>
+            </a:xfrm>
+            <a:prstGeom prst="roundRect">
+              <a:avLst>
+                <a:gd name="adj" fmla="val 3968"/>
+              </a:avLst>
+            </a:prstGeom>
+            <a:solidFill>
+              <a:schemeClr val="tx2"/>
+            </a:solidFill>
+            <a:ln>
+              <a:noFill/>
+            </a:ln>
+          </p:spPr>
+          <p:style>
+            <a:lnRef idx="2">
+              <a:schemeClr val="accent1">
+                <a:shade val="50000"/>
+              </a:schemeClr>
+            </a:lnRef>
+            <a:fillRef idx="1">
+              <a:schemeClr val="accent1"/>
+            </a:fillRef>
+            <a:effectRef idx="0">
+              <a:schemeClr val="accent1"/>
+            </a:effectRef>
+            <a:fontRef idx="minor">
+              <a:schemeClr val="lt1"/>
+            </a:fontRef>
+          </p:style>
+          <p:txBody>
+            <a:bodyPr rtlCol="0" anchor="ctr"/>
+            <a:lstStyle/>
+            <a:p>
+              <a:pPr algn="ctr"/>
+              <a:endParaRPr lang="ko-KR" altLang="en-US" sz="2399" dirty="0"/>
+            </a:p>
+          </p:txBody>
+        </p:sp>
+        <p:sp>
+          <p:nvSpPr>
+            <p:cNvPr id="11" name="Rounded Rectangle 16">
+              <a:extLst>
+                <a:ext uri="{FF2B5EF4-FFF2-40B4-BE49-F238E27FC236}">
+                  <a16:creationId xmlns:a16="http://schemas.microsoft.com/office/drawing/2014/main" id="{F12C06CE-2BBE-46C2-B718-813794C58DF9}"/>
+                </a:ext>
+              </a:extLst>
+            </p:cNvPr>
+            <p:cNvSpPr/>
+            <p:nvPr userDrawn="1"/>
+          </p:nvSpPr>
+          <p:spPr>
+            <a:xfrm>
+              <a:off x="540767" y="1781251"/>
+              <a:ext cx="85794" cy="4320631"/>
+            </a:xfrm>
+            <a:prstGeom prst="roundRect">
+              <a:avLst>
+                <a:gd name="adj" fmla="val 50000"/>
+              </a:avLst>
+            </a:prstGeom>
+            <a:solidFill>
+              <a:schemeClr val="bg2">
+                <a:alpha val="41000"/>
+              </a:schemeClr>
+            </a:solidFill>
+            <a:ln>
+              <a:noFill/>
+            </a:ln>
+          </p:spPr>
+          <p:style>
+            <a:lnRef idx="2">
+              <a:schemeClr val="accent1">
+                <a:shade val="50000"/>
+              </a:schemeClr>
+            </a:lnRef>
+            <a:fillRef idx="1">
+              <a:schemeClr val="accent1"/>
+            </a:fillRef>
+            <a:effectRef idx="0">
+              <a:schemeClr val="accent1"/>
+            </a:effectRef>
+            <a:fontRef idx="minor">
+              <a:schemeClr val="lt1"/>
+            </a:fontRef>
+          </p:style>
+          <p:txBody>
+            <a:bodyPr rtlCol="0" anchor="ctr"/>
+            <a:lstStyle/>
+            <a:p>
+              <a:pPr algn="ctr"/>
+              <a:endParaRPr lang="ko-KR" altLang="en-US" sz="2399">
+                <a:solidFill>
+                  <a:schemeClr val="bg1"/>
+                </a:solidFill>
+              </a:endParaRPr>
+            </a:p>
+          </p:txBody>
+        </p:sp>
+        <p:sp>
+          <p:nvSpPr>
+            <p:cNvPr id="12" name="Half Frame 11">
+              <a:extLst>
+                <a:ext uri="{FF2B5EF4-FFF2-40B4-BE49-F238E27FC236}">
+                  <a16:creationId xmlns:a16="http://schemas.microsoft.com/office/drawing/2014/main" id="{66CDBB1E-AF3C-43FC-9F34-2DD691F81726}"/>
+                </a:ext>
+              </a:extLst>
+            </p:cNvPr>
+            <p:cNvSpPr/>
+            <p:nvPr userDrawn="1"/>
+          </p:nvSpPr>
+          <p:spPr>
+            <a:xfrm rot="5400000">
+              <a:off x="3762569" y="1912372"/>
+              <a:ext cx="669775" cy="238503"/>
+            </a:xfrm>
+            <a:prstGeom prst="halfFrame">
+              <a:avLst>
+                <a:gd name="adj1" fmla="val 23728"/>
+                <a:gd name="adj2" fmla="val 24642"/>
+              </a:avLst>
+            </a:prstGeom>
+            <a:solidFill>
+              <a:schemeClr val="bg2">
+                <a:alpha val="23000"/>
+              </a:schemeClr>
+            </a:solidFill>
+            <a:ln>
+              <a:noFill/>
+            </a:ln>
+          </p:spPr>
+          <p:style>
+            <a:lnRef idx="2">
+              <a:schemeClr val="accent1">
+                <a:shade val="50000"/>
+              </a:schemeClr>
+            </a:lnRef>
+            <a:fillRef idx="1">
+              <a:schemeClr val="accent1"/>
+            </a:fillRef>
+            <a:effectRef idx="0">
+              <a:schemeClr val="accent1"/>
+            </a:effectRef>
+            <a:fontRef idx="minor">
+              <a:schemeClr val="lt1"/>
+            </a:fontRef>
+          </p:style>
+          <p:txBody>
+            <a:bodyPr rtlCol="0" anchor="ctr"/>
+            <a:lstStyle/>
+            <a:p>
+              <a:pPr algn="ctr"/>
+              <a:endParaRPr lang="ko-KR" altLang="en-US" sz="2399">
+                <a:solidFill>
+                  <a:schemeClr val="tx1"/>
+                </a:solidFill>
+              </a:endParaRPr>
+            </a:p>
+          </p:txBody>
+        </p:sp>
+      </p:grpSp>
       <p:pic>
         <p:nvPicPr>
-          <p:cNvPr id="6" name="Picture 5"/>
+          <p:cNvPr id="13" name="Picture 12">
+            <a:extLst>
+              <a:ext uri="{FF2B5EF4-FFF2-40B4-BE49-F238E27FC236}">
+                <a16:creationId xmlns:a16="http://schemas.microsoft.com/office/drawing/2014/main" id="{CCC3A316-993C-4741-8826-E104F27650A3}"/>
+              </a:ext>
+            </a:extLst>
+          </p:cNvPr>
           <p:cNvPicPr>
             <a:picLocks noChangeAspect="1"/>
           </p:cNvPicPr>
           <p:nvPr/>
         </p:nvPicPr>
-        <p:blipFill>
-          <a:blip r:embed="rId2">
+        <p:blipFill rotWithShape="1">
+          <a:blip r:embed="rId3" cstate="print">
             <a:extLst>
               <a:ext uri="{28A0092B-C50C-407E-A947-70E740481C1C}">
                 <a14:useLocalDpi xmlns:a14="http://schemas.microsoft.com/office/drawing/2010/main" val="0"/>
               </a:ext>
             </a:extLst>
           </a:blip>
-          <a:stretch>
-            <a:fillRect/>
-          </a:stretch>
+          <a:srcRect/>
+          <a:stretch/>
         </p:blipFill>
         <p:spPr>
-          <a:xfrm>
-            <a:off x="4724912" y="1295958"/>
-            <a:ext cx="2742181" cy="2742181"/>
+          <a:xfrm flipH="1">
+            <a:off x="8824937" y="3276641"/>
+            <a:ext cx="2882677" cy="3119781"/>
           </a:xfrm>
           <a:prstGeom prst="rect">
             <a:avLst/>
@@ -35585,34 +35265,567 @@
       </p:pic>
       <p:sp>
         <p:nvSpPr>
-          <p:cNvPr id="8" name="Title 7"/>
+          <p:cNvPr id="15" name="Content Placeholder 4">
+            <a:extLst>
+              <a:ext uri="{FF2B5EF4-FFF2-40B4-BE49-F238E27FC236}">
+                <a16:creationId xmlns:a16="http://schemas.microsoft.com/office/drawing/2014/main" id="{B96A0DF8-27E7-4DC8-BBE3-7238AAAEB845}"/>
+              </a:ext>
+            </a:extLst>
+          </p:cNvPr>
+          <p:cNvSpPr txBox="1">
+            <a:spLocks/>
+          </p:cNvSpPr>
+          <p:nvPr/>
+        </p:nvSpPr>
+        <p:spPr>
+          <a:xfrm>
+            <a:off x="543073" y="1723769"/>
+            <a:ext cx="8281864" cy="4772370"/>
+          </a:xfrm>
+          <a:prstGeom prst="rect">
+            <a:avLst/>
+          </a:prstGeom>
+        </p:spPr>
+        <p:txBody>
+          <a:bodyPr vert="horz" lIns="108000" tIns="36000" rIns="108000" bIns="36000" rtlCol="0">
+            <a:normAutofit lnSpcReduction="10000"/>
+          </a:bodyPr>
+          <a:lstStyle>
+            <a:lvl1pPr marL="456915" indent="-456915" algn="l" defTabSz="1218438" rtl="0" eaLnBrk="1" latinLnBrk="1" hangingPunct="1">
+              <a:lnSpc>
+                <a:spcPct val="105000"/>
+              </a:lnSpc>
+              <a:spcBef>
+                <a:spcPts val="600"/>
+              </a:spcBef>
+              <a:spcAft>
+                <a:spcPts val="600"/>
+              </a:spcAft>
+              <a:buFont typeface="Wingdings" panose="05000000000000000000" pitchFamily="2" charset="2"/>
+              <a:buChar char="§"/>
+              <a:defRPr sz="3398" kern="1200">
+                <a:solidFill>
+                  <a:schemeClr val="tx1"/>
+                </a:solidFill>
+                <a:latin typeface="+mn-lt"/>
+                <a:ea typeface="+mn-ea"/>
+                <a:cs typeface="+mn-cs"/>
+              </a:defRPr>
+            </a:lvl1pPr>
+            <a:lvl2pPr marL="989981" indent="-380762" algn="l" defTabSz="1218438" rtl="0" eaLnBrk="1" latinLnBrk="1" hangingPunct="1">
+              <a:lnSpc>
+                <a:spcPct val="105000"/>
+              </a:lnSpc>
+              <a:spcBef>
+                <a:spcPts val="600"/>
+              </a:spcBef>
+              <a:spcAft>
+                <a:spcPts val="600"/>
+              </a:spcAft>
+              <a:buFont typeface="Wingdings" panose="05000000000000000000" pitchFamily="2" charset="2"/>
+              <a:buChar char="§"/>
+              <a:defRPr sz="3198" kern="1200">
+                <a:solidFill>
+                  <a:schemeClr val="tx1"/>
+                </a:solidFill>
+                <a:latin typeface="+mn-lt"/>
+                <a:ea typeface="+mn-ea"/>
+                <a:cs typeface="+mn-cs"/>
+              </a:defRPr>
+            </a:lvl2pPr>
+            <a:lvl3pPr marL="1523048" indent="-304610" algn="l" defTabSz="1218438" rtl="0" eaLnBrk="1" latinLnBrk="1" hangingPunct="1">
+              <a:lnSpc>
+                <a:spcPct val="105000"/>
+              </a:lnSpc>
+              <a:spcBef>
+                <a:spcPts val="600"/>
+              </a:spcBef>
+              <a:spcAft>
+                <a:spcPts val="600"/>
+              </a:spcAft>
+              <a:buFont typeface="Wingdings" panose="05000000000000000000" pitchFamily="2" charset="2"/>
+              <a:buChar char="§"/>
+              <a:defRPr sz="2998" kern="1200">
+                <a:solidFill>
+                  <a:schemeClr val="tx1"/>
+                </a:solidFill>
+                <a:latin typeface="+mn-lt"/>
+                <a:ea typeface="+mn-ea"/>
+                <a:cs typeface="+mn-cs"/>
+              </a:defRPr>
+            </a:lvl3pPr>
+            <a:lvl4pPr marL="2132267" indent="-304610" algn="l" defTabSz="1218438" rtl="0" eaLnBrk="1" latinLnBrk="1" hangingPunct="1">
+              <a:lnSpc>
+                <a:spcPct val="105000"/>
+              </a:lnSpc>
+              <a:spcBef>
+                <a:spcPts val="600"/>
+              </a:spcBef>
+              <a:spcAft>
+                <a:spcPts val="600"/>
+              </a:spcAft>
+              <a:buFont typeface="Wingdings" panose="05000000000000000000" pitchFamily="2" charset="2"/>
+              <a:buChar char="§"/>
+              <a:defRPr sz="2798" kern="1200">
+                <a:solidFill>
+                  <a:schemeClr val="tx1"/>
+                </a:solidFill>
+                <a:latin typeface="+mn-lt"/>
+                <a:ea typeface="+mn-ea"/>
+                <a:cs typeface="+mn-cs"/>
+              </a:defRPr>
+            </a:lvl4pPr>
+            <a:lvl5pPr marL="2741485" indent="-304610" algn="l" defTabSz="1218438" rtl="0" eaLnBrk="1" latinLnBrk="1" hangingPunct="1">
+              <a:lnSpc>
+                <a:spcPct val="105000"/>
+              </a:lnSpc>
+              <a:spcBef>
+                <a:spcPts val="600"/>
+              </a:spcBef>
+              <a:spcAft>
+                <a:spcPts val="600"/>
+              </a:spcAft>
+              <a:buFont typeface="Wingdings" panose="05000000000000000000" pitchFamily="2" charset="2"/>
+              <a:buChar char="§"/>
+              <a:defRPr sz="2598" kern="1200">
+                <a:solidFill>
+                  <a:schemeClr val="tx1"/>
+                </a:solidFill>
+                <a:latin typeface="+mn-lt"/>
+                <a:ea typeface="+mn-ea"/>
+                <a:cs typeface="+mn-cs"/>
+              </a:defRPr>
+            </a:lvl5pPr>
+            <a:lvl6pPr marL="3350704" indent="-304610" algn="l" defTabSz="1218438" rtl="0" eaLnBrk="1" latinLnBrk="1" hangingPunct="1">
+              <a:spcBef>
+                <a:spcPct val="20000"/>
+              </a:spcBef>
+              <a:buFont typeface="Arial" pitchFamily="34" charset="0"/>
+              <a:buChar char="•"/>
+              <a:defRPr sz="2665" kern="1200">
+                <a:solidFill>
+                  <a:schemeClr val="tx1"/>
+                </a:solidFill>
+                <a:latin typeface="+mn-lt"/>
+                <a:ea typeface="+mn-ea"/>
+                <a:cs typeface="+mn-cs"/>
+              </a:defRPr>
+            </a:lvl6pPr>
+            <a:lvl7pPr marL="3959924" indent="-304610" algn="l" defTabSz="1218438" rtl="0" eaLnBrk="1" latinLnBrk="1" hangingPunct="1">
+              <a:spcBef>
+                <a:spcPct val="20000"/>
+              </a:spcBef>
+              <a:buFont typeface="Arial" pitchFamily="34" charset="0"/>
+              <a:buChar char="•"/>
+              <a:defRPr sz="2665" kern="1200">
+                <a:solidFill>
+                  <a:schemeClr val="tx1"/>
+                </a:solidFill>
+                <a:latin typeface="+mn-lt"/>
+                <a:ea typeface="+mn-ea"/>
+                <a:cs typeface="+mn-cs"/>
+              </a:defRPr>
+            </a:lvl7pPr>
+            <a:lvl8pPr marL="4569143" indent="-304610" algn="l" defTabSz="1218438" rtl="0" eaLnBrk="1" latinLnBrk="1" hangingPunct="1">
+              <a:spcBef>
+                <a:spcPct val="20000"/>
+              </a:spcBef>
+              <a:buFont typeface="Arial" pitchFamily="34" charset="0"/>
+              <a:buChar char="•"/>
+              <a:defRPr sz="2665" kern="1200">
+                <a:solidFill>
+                  <a:schemeClr val="tx1"/>
+                </a:solidFill>
+                <a:latin typeface="+mn-lt"/>
+                <a:ea typeface="+mn-ea"/>
+                <a:cs typeface="+mn-cs"/>
+              </a:defRPr>
+            </a:lvl8pPr>
+            <a:lvl9pPr marL="5178362" indent="-304610" algn="l" defTabSz="1218438" rtl="0" eaLnBrk="1" latinLnBrk="1" hangingPunct="1">
+              <a:spcBef>
+                <a:spcPct val="20000"/>
+              </a:spcBef>
+              <a:buFont typeface="Arial" pitchFamily="34" charset="0"/>
+              <a:buChar char="•"/>
+              <a:defRPr sz="2665" kern="1200">
+                <a:solidFill>
+                  <a:schemeClr val="tx1"/>
+                </a:solidFill>
+                <a:latin typeface="+mn-lt"/>
+                <a:ea typeface="+mn-ea"/>
+                <a:cs typeface="+mn-cs"/>
+              </a:defRPr>
+            </a:lvl9pPr>
+          </a:lstStyle>
+          <a:p>
+            <a:pPr>
+              <a:lnSpc>
+                <a:spcPct val="100000"/>
+              </a:lnSpc>
+            </a:pPr>
+            <a:r>
+              <a:rPr lang="bg-BG" sz="3600" dirty="0">
+                <a:solidFill>
+                  <a:schemeClr val="bg2"/>
+                </a:solidFill>
+              </a:rPr>
+              <a:t>Наследяването ни позволява да </a:t>
+            </a:r>
+            <a:br>
+              <a:rPr lang="bg-BG" sz="3600" dirty="0">
+                <a:solidFill>
+                  <a:schemeClr val="bg2"/>
+                </a:solidFill>
+              </a:rPr>
+            </a:br>
+            <a:r>
+              <a:rPr lang="bg-BG" sz="3600" b="1" dirty="0" err="1">
+                <a:solidFill>
+                  <a:schemeClr val="bg1">
+                    <a:lumMod val="60000"/>
+                    <a:lumOff val="40000"/>
+                  </a:schemeClr>
+                </a:solidFill>
+              </a:rPr>
+              <a:t>преизползваме</a:t>
+            </a:r>
+            <a:r>
+              <a:rPr lang="bg-BG" sz="3600" b="1" dirty="0">
+                <a:solidFill>
+                  <a:schemeClr val="bg1">
+                    <a:lumMod val="60000"/>
+                    <a:lumOff val="40000"/>
+                  </a:schemeClr>
+                </a:solidFill>
+              </a:rPr>
+              <a:t> код</a:t>
+            </a:r>
+            <a:endParaRPr lang="en-US" sz="3600" b="1" dirty="0">
+              <a:solidFill>
+                <a:schemeClr val="bg1">
+                  <a:lumMod val="60000"/>
+                  <a:lumOff val="40000"/>
+                </a:schemeClr>
+              </a:solidFill>
+            </a:endParaRPr>
+          </a:p>
+          <a:p>
+            <a:pPr>
+              <a:lnSpc>
+                <a:spcPct val="100000"/>
+              </a:lnSpc>
+              <a:buClr>
+                <a:schemeClr val="bg2"/>
+              </a:buClr>
+            </a:pPr>
+            <a:r>
+              <a:rPr lang="bg-BG" sz="3600" b="1" dirty="0">
+                <a:solidFill>
+                  <a:schemeClr val="bg1">
+                    <a:lumMod val="60000"/>
+                    <a:lumOff val="40000"/>
+                  </a:schemeClr>
+                </a:solidFill>
+              </a:rPr>
+              <a:t>Наследяването</a:t>
+            </a:r>
+            <a:r>
+              <a:rPr lang="en-US" sz="3600" b="1" dirty="0">
+                <a:solidFill>
+                  <a:schemeClr val="bg2"/>
+                </a:solidFill>
+              </a:rPr>
+              <a:t> </a:t>
+            </a:r>
+            <a:r>
+              <a:rPr lang="bg-BG" sz="3600" dirty="0">
+                <a:solidFill>
+                  <a:schemeClr val="bg2"/>
+                </a:solidFill>
+              </a:rPr>
+              <a:t>води до </a:t>
+            </a:r>
+            <a:r>
+              <a:rPr lang="bg-BG" sz="3600" b="1" dirty="0">
+                <a:solidFill>
+                  <a:schemeClr val="bg1">
+                    <a:lumMod val="60000"/>
+                    <a:lumOff val="40000"/>
+                  </a:schemeClr>
+                </a:solidFill>
+              </a:rPr>
+              <a:t>йерархии</a:t>
+            </a:r>
+            <a:r>
+              <a:rPr lang="en-US" sz="3600" b="1" dirty="0">
+                <a:solidFill>
+                  <a:schemeClr val="bg2"/>
+                </a:solidFill>
+              </a:rPr>
+              <a:t> </a:t>
+            </a:r>
+          </a:p>
+          <a:p>
+            <a:pPr>
+              <a:lnSpc>
+                <a:spcPct val="100000"/>
+              </a:lnSpc>
+              <a:buClr>
+                <a:schemeClr val="bg2"/>
+              </a:buClr>
+            </a:pPr>
+            <a:r>
+              <a:rPr lang="bg-BG" sz="3600" b="1" dirty="0">
+                <a:solidFill>
+                  <a:schemeClr val="bg1">
+                    <a:lumMod val="60000"/>
+                    <a:lumOff val="40000"/>
+                  </a:schemeClr>
+                </a:solidFill>
+              </a:rPr>
+              <a:t>Подкласа наследява </a:t>
+            </a:r>
+            <a:r>
+              <a:rPr lang="bg-BG" sz="3600" dirty="0">
+                <a:solidFill>
+                  <a:schemeClr val="bg2"/>
+                </a:solidFill>
+              </a:rPr>
+              <a:t>членовете от</a:t>
+            </a:r>
+            <a:br>
+              <a:rPr lang="en-US" sz="3600" dirty="0">
+                <a:solidFill>
+                  <a:schemeClr val="bg2"/>
+                </a:solidFill>
+              </a:rPr>
+            </a:br>
+            <a:r>
+              <a:rPr lang="bg-BG" sz="3600" b="1" dirty="0">
+                <a:solidFill>
+                  <a:schemeClr val="bg1">
+                    <a:lumMod val="60000"/>
+                    <a:lumOff val="40000"/>
+                  </a:schemeClr>
+                </a:solidFill>
+              </a:rPr>
+              <a:t>суперкласа</a:t>
+            </a:r>
+            <a:r>
+              <a:rPr lang="en-US" sz="3600" dirty="0">
+                <a:solidFill>
+                  <a:schemeClr val="bg2"/>
+                </a:solidFill>
+              </a:rPr>
+              <a:t> </a:t>
+            </a:r>
+            <a:r>
+              <a:rPr lang="bg-BG" sz="3600" dirty="0">
+                <a:solidFill>
+                  <a:schemeClr val="bg2"/>
+                </a:solidFill>
+              </a:rPr>
+              <a:t>и може да </a:t>
+            </a:r>
+            <a:r>
+              <a:rPr lang="bg-BG" sz="3600" b="1" dirty="0">
+                <a:solidFill>
+                  <a:schemeClr val="bg1">
+                    <a:lumMod val="60000"/>
+                    <a:lumOff val="40000"/>
+                  </a:schemeClr>
+                </a:solidFill>
+              </a:rPr>
+              <a:t>презаписва</a:t>
+            </a:r>
+            <a:r>
+              <a:rPr lang="en-US" sz="3600" dirty="0">
+                <a:solidFill>
+                  <a:schemeClr val="bg2"/>
+                </a:solidFill>
+              </a:rPr>
+              <a:t> </a:t>
+            </a:r>
+            <a:br>
+              <a:rPr lang="bg-BG" sz="3600" dirty="0">
+                <a:solidFill>
+                  <a:schemeClr val="bg2"/>
+                </a:solidFill>
+              </a:rPr>
+            </a:br>
+            <a:r>
+              <a:rPr lang="bg-BG" sz="3600" dirty="0">
+                <a:solidFill>
+                  <a:schemeClr val="bg2"/>
+                </a:solidFill>
+              </a:rPr>
+              <a:t>методи</a:t>
+            </a:r>
+            <a:endParaRPr lang="en-US" sz="3600" b="1" dirty="0">
+              <a:solidFill>
+                <a:schemeClr val="bg1"/>
+              </a:solidFill>
+            </a:endParaRPr>
+          </a:p>
+          <a:p>
+            <a:pPr>
+              <a:lnSpc>
+                <a:spcPct val="100000"/>
+              </a:lnSpc>
+            </a:pPr>
+            <a:r>
+              <a:rPr lang="bg-BG" sz="3600" dirty="0">
+                <a:solidFill>
+                  <a:schemeClr val="bg2"/>
+                </a:solidFill>
+              </a:rPr>
+              <a:t>Следете за класове с </a:t>
+            </a:r>
+            <a:r>
+              <a:rPr lang="bg-BG" sz="3600" b="1" dirty="0">
+                <a:solidFill>
+                  <a:schemeClr val="bg1">
+                    <a:lumMod val="60000"/>
+                    <a:lumOff val="40000"/>
+                  </a:schemeClr>
+                </a:solidFill>
+              </a:rPr>
+              <a:t>еднаква роля</a:t>
+            </a:r>
+            <a:endParaRPr lang="en-US" sz="3600" b="1" dirty="0">
+              <a:solidFill>
+                <a:schemeClr val="bg1">
+                  <a:lumMod val="60000"/>
+                  <a:lumOff val="40000"/>
+                </a:schemeClr>
+              </a:solidFill>
+            </a:endParaRPr>
+          </a:p>
+          <a:p>
+            <a:pPr>
+              <a:lnSpc>
+                <a:spcPct val="100000"/>
+              </a:lnSpc>
+            </a:pPr>
+            <a:r>
+              <a:rPr lang="bg-BG" sz="3600" dirty="0">
+                <a:solidFill>
+                  <a:schemeClr val="bg2"/>
+                </a:solidFill>
+              </a:rPr>
+              <a:t>Обмислете</a:t>
+            </a:r>
+            <a:r>
+              <a:rPr lang="en-US" sz="3600" dirty="0">
+                <a:solidFill>
+                  <a:schemeClr val="bg2"/>
+                </a:solidFill>
+              </a:rPr>
+              <a:t> </a:t>
+            </a:r>
+            <a:r>
+              <a:rPr lang="bg-BG" sz="3600" b="1" dirty="0">
+                <a:solidFill>
+                  <a:schemeClr val="bg1">
+                    <a:lumMod val="60000"/>
+                    <a:lumOff val="40000"/>
+                  </a:schemeClr>
+                </a:solidFill>
+              </a:rPr>
+              <a:t>композиция</a:t>
+            </a:r>
+            <a:r>
+              <a:rPr lang="en-US" sz="3600" b="1" dirty="0">
+                <a:solidFill>
+                  <a:schemeClr val="bg1"/>
+                </a:solidFill>
+              </a:rPr>
+              <a:t> </a:t>
+            </a:r>
+            <a:r>
+              <a:rPr lang="bg-BG" sz="3600" dirty="0">
+                <a:solidFill>
+                  <a:schemeClr val="bg2"/>
+                </a:solidFill>
+              </a:rPr>
+              <a:t>и</a:t>
+            </a:r>
+            <a:r>
+              <a:rPr lang="en-US" sz="3600" dirty="0">
+                <a:solidFill>
+                  <a:schemeClr val="bg2"/>
+                </a:solidFill>
+              </a:rPr>
+              <a:t> </a:t>
+            </a:r>
+            <a:r>
+              <a:rPr lang="bg-BG" sz="3600" b="1" dirty="0">
+                <a:solidFill>
+                  <a:schemeClr val="bg1">
+                    <a:lumMod val="60000"/>
+                    <a:lumOff val="40000"/>
+                  </a:schemeClr>
+                </a:solidFill>
+              </a:rPr>
+              <a:t>делегиране</a:t>
+            </a:r>
+            <a:endParaRPr lang="en-US" sz="3600" dirty="0">
+              <a:solidFill>
+                <a:schemeClr val="bg1">
+                  <a:lumMod val="60000"/>
+                  <a:lumOff val="40000"/>
+                </a:schemeClr>
+              </a:solidFill>
+            </a:endParaRPr>
+          </a:p>
+        </p:txBody>
+      </p:sp>
+      <p:sp>
+        <p:nvSpPr>
+          <p:cNvPr id="16" name="Slide Number">
+            <a:extLst>
+              <a:ext uri="{FF2B5EF4-FFF2-40B4-BE49-F238E27FC236}">
+                <a16:creationId xmlns:a16="http://schemas.microsoft.com/office/drawing/2014/main" id="{94EBDCF4-856C-4D57-A806-911ECB7924DE}"/>
+              </a:ext>
+            </a:extLst>
+          </p:cNvPr>
           <p:cNvSpPr>
             <a:spLocks noGrp="1"/>
           </p:cNvSpPr>
           <p:nvPr>
-            <p:ph type="title" sz="quarter" idx="10"/>
+            <p:ph type="sldNum" sz="quarter" idx="5"/>
           </p:nvPr>
         </p:nvSpPr>
-        <p:spPr/>
-        <p:txBody>
-          <a:bodyPr/>
-          <a:lstStyle/>
-          <a:p>
-            <a:r>
-              <a:rPr lang="bg-BG" dirty="0"/>
-              <a:t>Ключовата дума </a:t>
-            </a:r>
-            <a:r>
-              <a:rPr lang="en-US" dirty="0"/>
-              <a:t>Throw</a:t>
-            </a:r>
+        <p:spPr>
+          <a:xfrm>
+            <a:off x="11753030" y="6507000"/>
+            <a:ext cx="367414" cy="297000"/>
+          </a:xfrm>
+          <a:prstGeom prst="rect">
+            <a:avLst/>
+          </a:prstGeom>
+        </p:spPr>
+        <p:txBody>
+          <a:bodyPr vert="horz" lIns="91440" tIns="45720" rIns="91440" bIns="45720" rtlCol="0" anchor="b"/>
+          <a:lstStyle>
+            <a:lvl1pPr algn="r">
+              <a:defRPr sz="1000"/>
+            </a:lvl1pPr>
+          </a:lstStyle>
+          <a:p>
+            <a:fld id="{2BF067CD-8E6B-4360-9AA8-C5DF2A48A6D1}" type="slidenum">
+              <a:rPr lang="en-US" noProof="0" smtClean="0"/>
+              <a:pPr/>
+              <a:t>36</a:t>
+            </a:fld>
+            <a:endParaRPr lang="en-US" noProof="0" dirty="0"/>
           </a:p>
         </p:txBody>
       </p:sp>
     </p:spTree>
     <p:extLst>
       <p:ext uri="{BB962C8B-B14F-4D97-AF65-F5344CB8AC3E}">
-        <p14:creationId xmlns:p14="http://schemas.microsoft.com/office/powerpoint/2010/main" val="2004212961"/>
+        <p14:creationId xmlns:p14="http://schemas.microsoft.com/office/powerpoint/2010/main" val="4149141802"/>
       </p:ext>
     </p:extLst>
   </p:cSld>
@@ -35625,506 +35838,6 @@
     </mc:Choice>
     <mc:Fallback xmlns="">
       <p:transition advClick="0" advTm="5000"/>
-    </mc:Fallback>
-  </mc:AlternateContent>
-</p:sld>
-</file>
-
-<file path=ppt/slides/slide37.xml><?xml version="1.0" encoding="utf-8"?>
-<p:sld xmlns:a="http://schemas.openxmlformats.org/drawingml/2006/main" xmlns:r="http://schemas.openxmlformats.org/officeDocument/2006/relationships" xmlns:p="http://schemas.openxmlformats.org/presentationml/2006/main">
-  <p:cSld>
-    <p:spTree>
-      <p:nvGrpSpPr>
-        <p:cNvPr id="1" name=""/>
-        <p:cNvGrpSpPr/>
-        <p:nvPr/>
-      </p:nvGrpSpPr>
-      <p:grpSpPr>
-        <a:xfrm>
-          <a:off x="0" y="0"/>
-          <a:ext cx="0" cy="0"/>
-          <a:chOff x="0" y="0"/>
-          <a:chExt cx="0" cy="0"/>
-        </a:xfrm>
-      </p:grpSpPr>
-      <p:sp>
-        <p:nvSpPr>
-          <p:cNvPr id="564227" name="Rectangle 3"/>
-          <p:cNvSpPr>
-            <a:spLocks noGrp="1" noChangeArrowheads="1"/>
-          </p:cNvSpPr>
-          <p:nvPr>
-            <p:ph type="body" sz="quarter" idx="10"/>
-          </p:nvPr>
-        </p:nvSpPr>
-        <p:spPr/>
-        <p:txBody>
-          <a:bodyPr>
-            <a:noAutofit/>
-          </a:bodyPr>
-          <a:lstStyle/>
-          <a:p>
-            <a:pPr>
-              <a:lnSpc>
-                <a:spcPct val="100000"/>
-              </a:lnSpc>
-              <a:spcBef>
-                <a:spcPts val="0"/>
-              </a:spcBef>
-              <a:buClr>
-                <a:schemeClr val="tx1"/>
-              </a:buClr>
-            </a:pPr>
-            <a:r>
-              <a:rPr lang="bg-BG" sz="3000" b="1" dirty="0">
-                <a:solidFill>
-                  <a:schemeClr val="bg1"/>
-                </a:solidFill>
-              </a:rPr>
-              <a:t>Хвърляне на изключение </a:t>
-            </a:r>
-            <a:r>
-              <a:rPr lang="bg-BG" sz="3000" dirty="0"/>
-              <a:t>със съобщение за грешка</a:t>
-            </a:r>
-            <a:r>
-              <a:rPr lang="en-US" sz="3000" dirty="0"/>
-              <a:t>:</a:t>
-            </a:r>
-          </a:p>
-          <a:p>
-            <a:pPr marL="0" indent="0">
-              <a:lnSpc>
-                <a:spcPct val="100000"/>
-              </a:lnSpc>
-              <a:spcBef>
-                <a:spcPts val="0"/>
-              </a:spcBef>
-              <a:buNone/>
-            </a:pPr>
-            <a:endParaRPr lang="bg-BG" sz="3000" dirty="0"/>
-          </a:p>
-          <a:p>
-            <a:pPr>
-              <a:lnSpc>
-                <a:spcPct val="100000"/>
-              </a:lnSpc>
-              <a:spcBef>
-                <a:spcPts val="0"/>
-              </a:spcBef>
-            </a:pPr>
-            <a:endParaRPr lang="bg-BG" sz="3000" dirty="0"/>
-          </a:p>
-          <a:p>
-            <a:pPr>
-              <a:lnSpc>
-                <a:spcPct val="100000"/>
-              </a:lnSpc>
-              <a:spcBef>
-                <a:spcPts val="0"/>
-              </a:spcBef>
-            </a:pPr>
-            <a:r>
-              <a:rPr lang="bg-BG" sz="3000" dirty="0"/>
-              <a:t>Изключенията приемат </a:t>
-            </a:r>
-            <a:r>
-              <a:rPr lang="bg-BG" sz="3000" b="1" dirty="0">
-                <a:solidFill>
-                  <a:schemeClr val="bg1"/>
-                </a:solidFill>
-              </a:rPr>
-              <a:t>съобщение</a:t>
-            </a:r>
-            <a:r>
-              <a:rPr lang="en-US" sz="3000" dirty="0"/>
-              <a:t> + </a:t>
-            </a:r>
-            <a:r>
-              <a:rPr lang="bg-BG" sz="3000" b="1" dirty="0">
-                <a:solidFill>
-                  <a:schemeClr val="bg1"/>
-                </a:solidFill>
-              </a:rPr>
-              <a:t>друго изключение </a:t>
-            </a:r>
-            <a:r>
-              <a:rPr lang="en-US" sz="3000" dirty="0"/>
-              <a:t>(</a:t>
-            </a:r>
-            <a:r>
-              <a:rPr lang="bg-BG" sz="3000" dirty="0"/>
-              <a:t>причина</a:t>
-            </a:r>
-            <a:r>
-              <a:rPr lang="en-US" sz="3000" dirty="0"/>
-              <a:t>):</a:t>
-            </a:r>
-          </a:p>
-          <a:p>
-            <a:pPr>
-              <a:lnSpc>
-                <a:spcPct val="100000"/>
-              </a:lnSpc>
-              <a:spcBef>
-                <a:spcPts val="0"/>
-              </a:spcBef>
-            </a:pPr>
-            <a:endParaRPr lang="en-US" sz="3000" dirty="0"/>
-          </a:p>
-          <a:p>
-            <a:pPr>
-              <a:lnSpc>
-                <a:spcPct val="100000"/>
-              </a:lnSpc>
-              <a:spcBef>
-                <a:spcPts val="0"/>
-              </a:spcBef>
-            </a:pPr>
-            <a:endParaRPr lang="en-US" sz="3000" dirty="0"/>
-          </a:p>
-          <a:p>
-            <a:pPr>
-              <a:lnSpc>
-                <a:spcPct val="100000"/>
-              </a:lnSpc>
-              <a:spcBef>
-                <a:spcPts val="0"/>
-              </a:spcBef>
-            </a:pPr>
-            <a:endParaRPr lang="en-US" sz="3000" dirty="0"/>
-          </a:p>
-          <a:p>
-            <a:pPr>
-              <a:lnSpc>
-                <a:spcPct val="100000"/>
-              </a:lnSpc>
-              <a:spcBef>
-                <a:spcPts val="0"/>
-              </a:spcBef>
-            </a:pPr>
-            <a:endParaRPr lang="en-US" sz="3000" dirty="0"/>
-          </a:p>
-          <a:p>
-            <a:pPr>
-              <a:lnSpc>
-                <a:spcPct val="100000"/>
-              </a:lnSpc>
-              <a:spcBef>
-                <a:spcPts val="0"/>
-              </a:spcBef>
-            </a:pPr>
-            <a:endParaRPr lang="en-US" sz="3000" dirty="0"/>
-          </a:p>
-          <a:p>
-            <a:pPr>
-              <a:lnSpc>
-                <a:spcPct val="100000"/>
-              </a:lnSpc>
-              <a:spcBef>
-                <a:spcPts val="0"/>
-              </a:spcBef>
-              <a:buClr>
-                <a:schemeClr val="tx1"/>
-              </a:buClr>
-            </a:pPr>
-            <a:r>
-              <a:rPr lang="bg-BG" sz="3000" dirty="0"/>
-              <a:t>Това се нарича </a:t>
-            </a:r>
-            <a:r>
-              <a:rPr lang="en-US" sz="3000" dirty="0"/>
-              <a:t>"</a:t>
-            </a:r>
-            <a:r>
-              <a:rPr lang="bg-BG" sz="3000" b="1" dirty="0">
-                <a:solidFill>
-                  <a:schemeClr val="bg1"/>
-                </a:solidFill>
-              </a:rPr>
-              <a:t>верига</a:t>
-            </a:r>
-            <a:r>
-              <a:rPr lang="en-US" sz="3000" dirty="0"/>
-              <a:t>" </a:t>
-            </a:r>
-            <a:r>
-              <a:rPr lang="bg-BG" sz="3000" dirty="0"/>
-              <a:t>от изключения</a:t>
-            </a:r>
-          </a:p>
-        </p:txBody>
-      </p:sp>
-      <p:sp>
-        <p:nvSpPr>
-          <p:cNvPr id="564226" name="Rectangle 2"/>
-          <p:cNvSpPr>
-            <a:spLocks noGrp="1" noChangeArrowheads="1"/>
-          </p:cNvSpPr>
-          <p:nvPr>
-            <p:ph type="title"/>
-          </p:nvPr>
-        </p:nvSpPr>
-        <p:spPr/>
-        <p:txBody>
-          <a:bodyPr/>
-          <a:lstStyle/>
-          <a:p>
-            <a:r>
-              <a:rPr lang="bg-BG" dirty="0"/>
-              <a:t>Ключовата дума </a:t>
-            </a:r>
-            <a:r>
-              <a:rPr lang="en-US" dirty="0"/>
-              <a:t>Throw</a:t>
-            </a:r>
-            <a:endParaRPr lang="bg-BG" dirty="0"/>
-          </a:p>
-        </p:txBody>
-      </p:sp>
-      <p:sp>
-        <p:nvSpPr>
-          <p:cNvPr id="564228" name="Rectangle 4"/>
-          <p:cNvSpPr>
-            <a:spLocks noChangeArrowheads="1"/>
-          </p:cNvSpPr>
-          <p:nvPr/>
-        </p:nvSpPr>
-        <p:spPr bwMode="auto">
-          <a:xfrm>
-            <a:off x="695400" y="1810945"/>
-            <a:ext cx="10512862" cy="605245"/>
-          </a:xfrm>
-          <a:prstGeom prst="rect">
-            <a:avLst/>
-          </a:prstGeom>
-          <a:solidFill>
-            <a:schemeClr val="accent6">
-              <a:lumMod val="75000"/>
-              <a:alpha val="15000"/>
-            </a:schemeClr>
-          </a:solidFill>
-          <a:ln w="12700">
-            <a:solidFill>
-              <a:schemeClr val="tx1">
-                <a:lumMod val="50000"/>
-              </a:schemeClr>
-            </a:solidFill>
-          </a:ln>
-        </p:spPr>
-        <p:txBody>
-          <a:bodyPr vert="horz" wrap="square" lIns="143926" tIns="107944" rIns="143926" bIns="107944" rtlCol="0">
-            <a:spAutoFit/>
-          </a:bodyPr>
-          <a:lstStyle/>
-          <a:p>
-            <a:pPr indent="-456641" defTabSz="1218072" latinLnBrk="1">
-              <a:lnSpc>
-                <a:spcPct val="105000"/>
-              </a:lnSpc>
-            </a:pPr>
-            <a:r>
-              <a:rPr lang="en-US" sz="2396" b="1" noProof="1">
-                <a:solidFill>
-                  <a:schemeClr val="bg1"/>
-                </a:solidFill>
-                <a:latin typeface="Consolas" pitchFamily="49" charset="0"/>
-                <a:cs typeface="Consolas" pitchFamily="49" charset="0"/>
-              </a:rPr>
-              <a:t>throw new ArgumentException</a:t>
-            </a:r>
-            <a:r>
-              <a:rPr lang="en-US" sz="2396" b="1" noProof="1">
-                <a:latin typeface="Consolas" pitchFamily="49" charset="0"/>
-                <a:cs typeface="Consolas" pitchFamily="49" charset="0"/>
-              </a:rPr>
-              <a:t>("Invalid amount!");</a:t>
-            </a:r>
-          </a:p>
-        </p:txBody>
-      </p:sp>
-      <p:sp>
-        <p:nvSpPr>
-          <p:cNvPr id="5" name="Rectangle 4"/>
-          <p:cNvSpPr>
-            <a:spLocks noChangeArrowheads="1"/>
-          </p:cNvSpPr>
-          <p:nvPr/>
-        </p:nvSpPr>
-        <p:spPr bwMode="auto">
-          <a:xfrm>
-            <a:off x="686607" y="3310679"/>
-            <a:ext cx="10512862" cy="2541489"/>
-          </a:xfrm>
-          <a:prstGeom prst="rect">
-            <a:avLst/>
-          </a:prstGeom>
-          <a:solidFill>
-            <a:schemeClr val="accent6">
-              <a:lumMod val="75000"/>
-              <a:alpha val="15000"/>
-            </a:schemeClr>
-          </a:solidFill>
-          <a:ln w="12700">
-            <a:solidFill>
-              <a:schemeClr val="tx1">
-                <a:lumMod val="50000"/>
-              </a:schemeClr>
-            </a:solidFill>
-          </a:ln>
-        </p:spPr>
-        <p:txBody>
-          <a:bodyPr vert="horz" wrap="square" lIns="143926" tIns="107944" rIns="143926" bIns="107944" rtlCol="0">
-            <a:spAutoFit/>
-          </a:bodyPr>
-          <a:lstStyle/>
-          <a:p>
-            <a:pPr indent="-456641" defTabSz="1218072" latinLnBrk="1">
-              <a:lnSpc>
-                <a:spcPct val="105000"/>
-              </a:lnSpc>
-            </a:pPr>
-            <a:r>
-              <a:rPr lang="en-US" sz="2396" b="1" noProof="1">
-                <a:latin typeface="Consolas" pitchFamily="49" charset="0"/>
-                <a:cs typeface="Consolas" pitchFamily="49" charset="0"/>
-              </a:rPr>
-              <a:t>try {</a:t>
-            </a:r>
-          </a:p>
-          <a:p>
-            <a:pPr indent="-456641" defTabSz="1218072" latinLnBrk="1">
-              <a:lnSpc>
-                <a:spcPct val="105000"/>
-              </a:lnSpc>
-            </a:pPr>
-            <a:r>
-              <a:rPr lang="en-US" sz="2396" b="1" noProof="1">
-                <a:latin typeface="Consolas" pitchFamily="49" charset="0"/>
-                <a:cs typeface="Consolas" pitchFamily="49" charset="0"/>
-              </a:rPr>
-              <a:t>  …</a:t>
-            </a:r>
-          </a:p>
-          <a:p>
-            <a:pPr indent="-456641" defTabSz="1218072" latinLnBrk="1">
-              <a:lnSpc>
-                <a:spcPct val="105000"/>
-              </a:lnSpc>
-            </a:pPr>
-            <a:r>
-              <a:rPr lang="en-US" sz="2396" b="1" noProof="1">
-                <a:latin typeface="Consolas" pitchFamily="49" charset="0"/>
-                <a:cs typeface="Consolas" pitchFamily="49" charset="0"/>
-              </a:rPr>
-              <a:t>}</a:t>
-            </a:r>
-          </a:p>
-          <a:p>
-            <a:pPr indent="-456641" defTabSz="1218072" latinLnBrk="1">
-              <a:lnSpc>
-                <a:spcPct val="105000"/>
-              </a:lnSpc>
-            </a:pPr>
-            <a:r>
-              <a:rPr lang="en-US" sz="2396" b="1" noProof="1">
-                <a:latin typeface="Consolas" pitchFamily="49" charset="0"/>
-                <a:cs typeface="Consolas" pitchFamily="49" charset="0"/>
-              </a:rPr>
-              <a:t>catch (SqlException sqlEx) {</a:t>
-            </a:r>
-          </a:p>
-          <a:p>
-            <a:pPr indent="-456641" defTabSz="1218072" latinLnBrk="1">
-              <a:lnSpc>
-                <a:spcPct val="105000"/>
-              </a:lnSpc>
-            </a:pPr>
-            <a:r>
-              <a:rPr lang="en-US" sz="2396" b="1" noProof="1">
-                <a:latin typeface="Consolas" pitchFamily="49" charset="0"/>
-                <a:cs typeface="Consolas" pitchFamily="49" charset="0"/>
-              </a:rPr>
-              <a:t>  </a:t>
-            </a:r>
-            <a:r>
-              <a:rPr lang="en-US" sz="2396" b="1" noProof="1">
-                <a:solidFill>
-                  <a:schemeClr val="bg1"/>
-                </a:solidFill>
-                <a:latin typeface="Consolas" pitchFamily="49" charset="0"/>
-                <a:cs typeface="Consolas" pitchFamily="49" charset="0"/>
-              </a:rPr>
-              <a:t>throw new InvalidOperationException</a:t>
-            </a:r>
-            <a:r>
-              <a:rPr lang="en-US" sz="2396" b="1" noProof="1">
-                <a:latin typeface="Consolas" pitchFamily="49" charset="0"/>
-                <a:cs typeface="Consolas" pitchFamily="49" charset="0"/>
-              </a:rPr>
-              <a:t>("Cannot save invoice.", sqlEx); }</a:t>
-            </a:r>
-          </a:p>
-        </p:txBody>
-      </p:sp>
-      <p:sp>
-        <p:nvSpPr>
-          <p:cNvPr id="8" name="Slide Number">
-            <a:extLst>
-              <a:ext uri="{FF2B5EF4-FFF2-40B4-BE49-F238E27FC236}">
-                <a16:creationId xmlns:a16="http://schemas.microsoft.com/office/drawing/2014/main" id="{A657388F-71C8-4E5C-92D9-EFC4092C8D27}"/>
-              </a:ext>
-            </a:extLst>
-          </p:cNvPr>
-          <p:cNvSpPr>
-            <a:spLocks noGrp="1"/>
-          </p:cNvSpPr>
-          <p:nvPr>
-            <p:ph type="sldNum" sz="quarter" idx="5"/>
-          </p:nvPr>
-        </p:nvSpPr>
-        <p:spPr>
-          <a:xfrm>
-            <a:off x="11753030" y="6507000"/>
-            <a:ext cx="367414" cy="297000"/>
-          </a:xfrm>
-          <a:prstGeom prst="rect">
-            <a:avLst/>
-          </a:prstGeom>
-        </p:spPr>
-        <p:txBody>
-          <a:bodyPr vert="horz" lIns="91440" tIns="45720" rIns="91440" bIns="45720" rtlCol="0" anchor="b"/>
-          <a:lstStyle>
-            <a:lvl1pPr algn="r">
-              <a:defRPr sz="1000"/>
-            </a:lvl1pPr>
-          </a:lstStyle>
-          <a:p>
-            <a:fld id="{2BF067CD-8E6B-4360-9AA8-C5DF2A48A6D1}" type="slidenum">
-              <a:rPr lang="en-US" noProof="0" smtClean="0"/>
-              <a:pPr/>
-              <a:t>37</a:t>
-            </a:fld>
-            <a:endParaRPr lang="en-US" noProof="0" dirty="0"/>
-          </a:p>
-        </p:txBody>
-      </p:sp>
-    </p:spTree>
-    <p:extLst>
-      <p:ext uri="{BB962C8B-B14F-4D97-AF65-F5344CB8AC3E}">
-        <p14:creationId xmlns:p14="http://schemas.microsoft.com/office/powerpoint/2010/main" val="1367985975"/>
-      </p:ext>
-    </p:extLst>
-  </p:cSld>
-  <p:clrMapOvr>
-    <a:masterClrMapping/>
-  </p:clrMapOvr>
-  <mc:AlternateContent xmlns:mc="http://schemas.openxmlformats.org/markup-compatibility/2006" xmlns:p14="http://schemas.microsoft.com/office/powerpoint/2010/main">
-    <mc:Choice Requires="p14">
-      <p:transition p14:dur="0"/>
-    </mc:Choice>
-    <mc:Fallback xmlns="">
-      <p:transition/>
     </mc:Fallback>
   </mc:AlternateContent>
   <p:timing>
@@ -36161,395 +35874,7 @@
                                           </p:stCondLst>
                                         </p:cTn>
                                         <p:tgtEl>
-                                          <p:spTgt spid="564227">
-                                            <p:txEl>
-                                              <p:pRg st="3" end="3"/>
-                                            </p:txEl>
-                                          </p:spTgt>
-                                        </p:tgtEl>
-                                        <p:attrNameLst>
-                                          <p:attrName>style.visibility</p:attrName>
-                                        </p:attrNameLst>
-                                      </p:cBhvr>
-                                      <p:to>
-                                        <p:strVal val="visible"/>
-                                      </p:to>
-                                    </p:set>
-                                  </p:childTnLst>
-                                </p:cTn>
-                              </p:par>
-                              <p:par>
-                                <p:cTn id="7" presetID="1" presetClass="entr" presetSubtype="0" fill="hold" grpId="0" nodeType="withEffect">
-                                  <p:stCondLst>
-                                    <p:cond delay="0"/>
-                                  </p:stCondLst>
-                                  <p:childTnLst>
-                                    <p:set>
-                                      <p:cBhvr>
-                                        <p:cTn id="8" dur="1" fill="hold">
-                                          <p:stCondLst>
-                                            <p:cond delay="0"/>
-                                          </p:stCondLst>
-                                        </p:cTn>
-                                        <p:tgtEl>
-                                          <p:spTgt spid="5"/>
-                                        </p:tgtEl>
-                                        <p:attrNameLst>
-                                          <p:attrName>style.visibility</p:attrName>
-                                        </p:attrNameLst>
-                                      </p:cBhvr>
-                                      <p:to>
-                                        <p:strVal val="visible"/>
-                                      </p:to>
-                                    </p:set>
-                                  </p:childTnLst>
-                                </p:cTn>
-                              </p:par>
-                            </p:childTnLst>
-                          </p:cTn>
-                        </p:par>
-                      </p:childTnLst>
-                    </p:cTn>
-                  </p:par>
-                  <p:par>
-                    <p:cTn id="9" fill="hold">
-                      <p:stCondLst>
-                        <p:cond delay="indefinite"/>
-                      </p:stCondLst>
-                      <p:childTnLst>
-                        <p:par>
-                          <p:cTn id="10" fill="hold">
-                            <p:stCondLst>
-                              <p:cond delay="0"/>
-                            </p:stCondLst>
-                            <p:childTnLst>
-                              <p:par>
-                                <p:cTn id="11" presetID="1" presetClass="entr" presetSubtype="0" fill="hold" nodeType="clickEffect">
-                                  <p:stCondLst>
-                                    <p:cond delay="0"/>
-                                  </p:stCondLst>
-                                  <p:childTnLst>
-                                    <p:set>
-                                      <p:cBhvr>
-                                        <p:cTn id="12" dur="1" fill="hold">
-                                          <p:stCondLst>
-                                            <p:cond delay="0"/>
-                                          </p:stCondLst>
-                                        </p:cTn>
-                                        <p:tgtEl>
-                                          <p:spTgt spid="564227">
-                                            <p:txEl>
-                                              <p:pRg st="9" end="9"/>
-                                            </p:txEl>
-                                          </p:spTgt>
-                                        </p:tgtEl>
-                                        <p:attrNameLst>
-                                          <p:attrName>style.visibility</p:attrName>
-                                        </p:attrNameLst>
-                                      </p:cBhvr>
-                                      <p:to>
-                                        <p:strVal val="visible"/>
-                                      </p:to>
-                                    </p:set>
-                                  </p:childTnLst>
-                                </p:cTn>
-                              </p:par>
-                            </p:childTnLst>
-                          </p:cTn>
-                        </p:par>
-                      </p:childTnLst>
-                    </p:cTn>
-                  </p:par>
-                </p:childTnLst>
-              </p:cTn>
-              <p:prevCondLst>
-                <p:cond evt="onPrev" delay="0">
-                  <p:tgtEl>
-                    <p:sldTgt/>
-                  </p:tgtEl>
-                </p:cond>
-              </p:prevCondLst>
-              <p:nextCondLst>
-                <p:cond evt="onNext" delay="0">
-                  <p:tgtEl>
-                    <p:sldTgt/>
-                  </p:tgtEl>
-                </p:cond>
-              </p:nextCondLst>
-            </p:seq>
-          </p:childTnLst>
-        </p:cTn>
-      </p:par>
-    </p:tnLst>
-    <p:bldLst>
-      <p:bldP spid="5" grpId="0" animBg="1"/>
-    </p:bldLst>
-  </p:timing>
-</p:sld>
-</file>
-
-<file path=ppt/slides/slide38.xml><?xml version="1.0" encoding="utf-8"?>
-<p:sld xmlns:a="http://schemas.openxmlformats.org/drawingml/2006/main" xmlns:r="http://schemas.openxmlformats.org/officeDocument/2006/relationships" xmlns:p="http://schemas.openxmlformats.org/presentationml/2006/main">
-  <p:cSld>
-    <p:spTree>
-      <p:nvGrpSpPr>
-        <p:cNvPr id="1" name=""/>
-        <p:cNvGrpSpPr/>
-        <p:nvPr/>
-      </p:nvGrpSpPr>
-      <p:grpSpPr>
-        <a:xfrm>
-          <a:off x="0" y="0"/>
-          <a:ext cx="0" cy="0"/>
-          <a:chOff x="0" y="0"/>
-          <a:chExt cx="0" cy="0"/>
-        </a:xfrm>
-      </p:grpSpPr>
-      <p:sp>
-        <p:nvSpPr>
-          <p:cNvPr id="562179" name="Rectangle 3"/>
-          <p:cNvSpPr>
-            <a:spLocks noGrp="1" noChangeArrowheads="1"/>
-          </p:cNvSpPr>
-          <p:nvPr>
-            <p:ph type="body" sz="quarter" idx="10"/>
-          </p:nvPr>
-        </p:nvSpPr>
-        <p:spPr/>
-        <p:txBody>
-          <a:bodyPr/>
-          <a:lstStyle/>
-          <a:p>
-            <a:pPr>
-              <a:lnSpc>
-                <a:spcPct val="100000"/>
-              </a:lnSpc>
-              <a:spcBef>
-                <a:spcPts val="1200"/>
-              </a:spcBef>
-            </a:pPr>
-            <a:r>
-              <a:rPr lang="bg-BG" sz="3599" dirty="0"/>
-              <a:t>Изключения се хвърлят с ключовата дума </a:t>
-            </a:r>
-            <a:r>
-              <a:rPr lang="en-US" sz="3599" b="1" dirty="0">
-                <a:solidFill>
-                  <a:schemeClr val="bg1"/>
-                </a:solidFill>
-                <a:latin typeface="Consolas" pitchFamily="49" charset="0"/>
-                <a:cs typeface="Consolas" pitchFamily="49" charset="0"/>
-              </a:rPr>
-              <a:t>throw</a:t>
-            </a:r>
-            <a:endParaRPr lang="en-US" sz="3599" dirty="0"/>
-          </a:p>
-          <a:p>
-            <a:pPr>
-              <a:lnSpc>
-                <a:spcPct val="100000"/>
-              </a:lnSpc>
-              <a:spcBef>
-                <a:spcPts val="1200"/>
-              </a:spcBef>
-            </a:pPr>
-            <a:r>
-              <a:rPr lang="bg-BG" sz="3599" dirty="0"/>
-              <a:t>Когато е хвърлено изключение</a:t>
-            </a:r>
-            <a:r>
-              <a:rPr lang="en-US" sz="3599" dirty="0"/>
-              <a:t>:</a:t>
-            </a:r>
-          </a:p>
-          <a:p>
-            <a:pPr lvl="1">
-              <a:lnSpc>
-                <a:spcPct val="100000"/>
-              </a:lnSpc>
-              <a:spcBef>
-                <a:spcPts val="1200"/>
-              </a:spcBef>
-            </a:pPr>
-            <a:r>
-              <a:rPr lang="bg-BG" sz="3399" dirty="0"/>
-              <a:t>Изпълнението на програмата приключва</a:t>
-            </a:r>
-            <a:endParaRPr lang="en-US" sz="3399" dirty="0"/>
-          </a:p>
-          <a:p>
-            <a:pPr lvl="1">
-              <a:lnSpc>
-                <a:spcPct val="100000"/>
-              </a:lnSpc>
-              <a:spcBef>
-                <a:spcPts val="1200"/>
-              </a:spcBef>
-            </a:pPr>
-            <a:r>
-              <a:rPr lang="bg-BG" sz="3399" dirty="0"/>
-              <a:t>Изключението се пренася по стека</a:t>
-            </a:r>
-            <a:endParaRPr lang="en-US" sz="3399" dirty="0"/>
-          </a:p>
-          <a:p>
-            <a:pPr lvl="2">
-              <a:lnSpc>
-                <a:spcPct val="100000"/>
-              </a:lnSpc>
-              <a:spcBef>
-                <a:spcPts val="1200"/>
-              </a:spcBef>
-            </a:pPr>
-            <a:r>
-              <a:rPr lang="bg-BG" sz="3199" dirty="0"/>
-              <a:t>Докато не достигне </a:t>
-            </a:r>
-            <a:r>
-              <a:rPr lang="en-US" sz="3199" b="1" dirty="0">
-                <a:solidFill>
-                  <a:schemeClr val="bg1"/>
-                </a:solidFill>
-                <a:latin typeface="Consolas" pitchFamily="49" charset="0"/>
-                <a:cs typeface="Consolas" pitchFamily="49" charset="0"/>
-              </a:rPr>
-              <a:t>catch</a:t>
-            </a:r>
-            <a:r>
-              <a:rPr lang="en-US" sz="3199" dirty="0">
-                <a:solidFill>
-                  <a:schemeClr val="tx2">
-                    <a:lumMod val="75000"/>
-                  </a:schemeClr>
-                </a:solidFill>
-              </a:rPr>
-              <a:t> </a:t>
-            </a:r>
-            <a:r>
-              <a:rPr lang="bg-BG" sz="3199" dirty="0"/>
-              <a:t>блок, който да предприеме действие</a:t>
-            </a:r>
-            <a:endParaRPr lang="en-US" sz="3199" dirty="0"/>
-          </a:p>
-        </p:txBody>
-      </p:sp>
-      <p:sp>
-        <p:nvSpPr>
-          <p:cNvPr id="562178" name="Rectangle 2"/>
-          <p:cNvSpPr>
-            <a:spLocks noGrp="1" noChangeArrowheads="1"/>
-          </p:cNvSpPr>
-          <p:nvPr>
-            <p:ph type="title"/>
-          </p:nvPr>
-        </p:nvSpPr>
-        <p:spPr/>
-        <p:txBody>
-          <a:bodyPr/>
-          <a:lstStyle/>
-          <a:p>
-            <a:r>
-              <a:rPr lang="bg-BG" dirty="0"/>
-              <a:t>Хвърляне на изключения</a:t>
-            </a:r>
-          </a:p>
-        </p:txBody>
-      </p:sp>
-      <p:sp>
-        <p:nvSpPr>
-          <p:cNvPr id="6" name="Slide Number">
-            <a:extLst>
-              <a:ext uri="{FF2B5EF4-FFF2-40B4-BE49-F238E27FC236}">
-                <a16:creationId xmlns:a16="http://schemas.microsoft.com/office/drawing/2014/main" id="{FC308A1E-14F3-45D8-8960-D4546995D480}"/>
-              </a:ext>
-            </a:extLst>
-          </p:cNvPr>
-          <p:cNvSpPr>
-            <a:spLocks noGrp="1"/>
-          </p:cNvSpPr>
-          <p:nvPr>
-            <p:ph type="sldNum" sz="quarter" idx="5"/>
-          </p:nvPr>
-        </p:nvSpPr>
-        <p:spPr>
-          <a:xfrm>
-            <a:off x="11753030" y="6507000"/>
-            <a:ext cx="367414" cy="297000"/>
-          </a:xfrm>
-          <a:prstGeom prst="rect">
-            <a:avLst/>
-          </a:prstGeom>
-        </p:spPr>
-        <p:txBody>
-          <a:bodyPr vert="horz" lIns="91440" tIns="45720" rIns="91440" bIns="45720" rtlCol="0" anchor="b"/>
-          <a:lstStyle>
-            <a:lvl1pPr algn="r">
-              <a:defRPr sz="1000"/>
-            </a:lvl1pPr>
-          </a:lstStyle>
-          <a:p>
-            <a:fld id="{2BF067CD-8E6B-4360-9AA8-C5DF2A48A6D1}" type="slidenum">
-              <a:rPr lang="en-US" noProof="0" smtClean="0"/>
-              <a:pPr/>
-              <a:t>38</a:t>
-            </a:fld>
-            <a:endParaRPr lang="en-US" noProof="0" dirty="0"/>
-          </a:p>
-        </p:txBody>
-      </p:sp>
-    </p:spTree>
-    <p:extLst>
-      <p:ext uri="{BB962C8B-B14F-4D97-AF65-F5344CB8AC3E}">
-        <p14:creationId xmlns:p14="http://schemas.microsoft.com/office/powerpoint/2010/main" val="2175878524"/>
-      </p:ext>
-    </p:extLst>
-  </p:cSld>
-  <p:clrMapOvr>
-    <a:masterClrMapping/>
-  </p:clrMapOvr>
-  <mc:AlternateContent xmlns:mc="http://schemas.openxmlformats.org/markup-compatibility/2006" xmlns:p14="http://schemas.microsoft.com/office/powerpoint/2010/main">
-    <mc:Choice Requires="p14">
-      <p:transition p14:dur="0"/>
-    </mc:Choice>
-    <mc:Fallback xmlns="">
-      <p:transition/>
-    </mc:Fallback>
-  </mc:AlternateContent>
-  <p:timing>
-    <p:tnLst>
-      <p:par>
-        <p:cTn id="1" dur="indefinite" restart="never" nodeType="tmRoot">
-          <p:childTnLst>
-            <p:seq concurrent="1" nextAc="seek">
-              <p:cTn id="2" dur="indefinite" nodeType="mainSeq">
-                <p:childTnLst>
-                  <p:par>
-                    <p:cTn id="3" fill="hold">
-                      <p:stCondLst>
-                        <p:cond delay="indefinite"/>
-                      </p:stCondLst>
-                      <p:childTnLst>
-                        <p:par>
-                          <p:cTn id="4" fill="hold">
-                            <p:stCondLst>
-                              <p:cond delay="0"/>
-                            </p:stCondLst>
-                            <p:childTnLst>
-                              <p:par>
-                                <p:cTn id="5" presetID="1" presetClass="entr" presetSubtype="0" fill="hold" nodeType="clickEffect">
-                                  <p:stCondLst>
-                                    <p:cond delay="0"/>
-                                  </p:stCondLst>
-                                  <p:childTnLst>
-                                    <p:set>
-                                      <p:cBhvr>
-                                        <p:cTn id="6" dur="1" fill="hold">
-                                          <p:stCondLst>
-                                            <p:cond delay="0"/>
-                                          </p:stCondLst>
-                                        </p:cTn>
-                                        <p:tgtEl>
-                                          <p:spTgt spid="562179">
+                                          <p:spTgt spid="15">
                                             <p:txEl>
                                               <p:pRg st="1" end="1"/>
                                             </p:txEl>
@@ -36598,7 +35923,7 @@
                                           </p:stCondLst>
                                         </p:cTn>
                                         <p:tgtEl>
-                                          <p:spTgt spid="562179">
+                                          <p:spTgt spid="15">
                                             <p:txEl>
                                               <p:pRg st="2" end="2"/>
                                             </p:txEl>
@@ -36647,7 +35972,7 @@
                                           </p:stCondLst>
                                         </p:cTn>
                                         <p:tgtEl>
-                                          <p:spTgt spid="562179">
+                                          <p:spTgt spid="15">
                                             <p:txEl>
                                               <p:pRg st="3" end="3"/>
                                             </p:txEl>
@@ -36664,21 +35989,39 @@
                                   </p:childTnLst>
                                 </p:cTn>
                               </p:par>
+                            </p:childTnLst>
+                          </p:cTn>
+                        </p:par>
+                      </p:childTnLst>
+                    </p:cTn>
+                  </p:par>
+                  <p:par>
+                    <p:cTn id="15" fill="hold">
+                      <p:stCondLst>
+                        <p:cond delay="indefinite"/>
+                      </p:stCondLst>
+                      <p:childTnLst>
+                        <p:par>
+                          <p:cTn id="16" fill="hold">
+                            <p:stCondLst>
+                              <p:cond delay="0"/>
+                            </p:stCondLst>
+                            <p:childTnLst>
                               <p:par>
-                                <p:cTn id="15" presetID="1" presetClass="entr" presetSubtype="0" fill="hold" nodeType="withEffect">
+                                <p:cTn id="17" presetID="1" presetClass="entr" presetSubtype="0" fill="hold" nodeType="clickEffect">
                                   <p:stCondLst>
                                     <p:cond delay="0"/>
                                   </p:stCondLst>
                                   <p:childTnLst>
                                     <p:set>
                                       <p:cBhvr>
-                                        <p:cTn id="16" dur="1" fill="hold">
+                                        <p:cTn id="18" dur="1" fill="hold">
                                           <p:stCondLst>
                                             <p:cond delay="0"/>
                                           </p:stCondLst>
                                         </p:cTn>
                                         <p:tgtEl>
-                                          <p:spTgt spid="562179">
+                                          <p:spTgt spid="15">
                                             <p:txEl>
                                               <p:pRg st="4" end="4"/>
                                             </p:txEl>
@@ -36726,7 +36069,7 @@
 </p:sld>
 </file>
 
-<file path=ppt/slides/slide39.xml><?xml version="1.0" encoding="utf-8"?>
+<file path=ppt/slides/slide37.xml><?xml version="1.0" encoding="utf-8"?>
 <p:sld xmlns:a="http://schemas.openxmlformats.org/drawingml/2006/main" xmlns:r="http://schemas.openxmlformats.org/officeDocument/2006/relationships" xmlns:p="http://schemas.openxmlformats.org/presentationml/2006/main">
   <p:cSld>
     <p:spTree>
@@ -36745,9 +36088,94 @@
       </p:grpSpPr>
       <p:sp>
         <p:nvSpPr>
-          <p:cNvPr id="637955" name="Rectangle 3"/>
+          <p:cNvPr id="5" name="Slide Title">
+            <a:extLst>
+              <a:ext uri="{FF2B5EF4-FFF2-40B4-BE49-F238E27FC236}">
+                <a16:creationId xmlns:a16="http://schemas.microsoft.com/office/drawing/2014/main" id="{FA0703FC-0F8F-4C80-A615-E4B381EC0E0C}"/>
+              </a:ext>
+            </a:extLst>
+          </p:cNvPr>
           <p:cNvSpPr>
-            <a:spLocks noGrp="1" noChangeArrowheads="1"/>
+            <a:spLocks noGrp="1"/>
+          </p:cNvSpPr>
+          <p:nvPr>
+            <p:ph type="title"/>
+          </p:nvPr>
+        </p:nvSpPr>
+        <p:spPr/>
+        <p:txBody>
+          <a:bodyPr/>
+          <a:lstStyle/>
+          <a:p>
+            <a:r>
+              <a:rPr lang="bg-BG" sz="8800" dirty="0">
+                <a:solidFill>
+                  <a:srgbClr val="234465"/>
+                </a:solidFill>
+              </a:rPr>
+              <a:t>Въпроси</a:t>
+            </a:r>
+            <a:r>
+              <a:rPr lang="en-US" sz="8800" dirty="0">
+                <a:solidFill>
+                  <a:srgbClr val="234465"/>
+                </a:solidFill>
+              </a:rPr>
+              <a:t>?</a:t>
+            </a:r>
+            <a:endParaRPr lang="en-US" sz="8800" dirty="0"/>
+          </a:p>
+        </p:txBody>
+      </p:sp>
+    </p:spTree>
+    <p:extLst>
+      <p:ext uri="{BB962C8B-B14F-4D97-AF65-F5344CB8AC3E}">
+        <p14:creationId xmlns:p14="http://schemas.microsoft.com/office/powerpoint/2010/main" val="3140127689"/>
+      </p:ext>
+    </p:extLst>
+  </p:cSld>
+  <p:clrMapOvr>
+    <a:masterClrMapping/>
+  </p:clrMapOvr>
+  <mc:AlternateContent xmlns:mc="http://schemas.openxmlformats.org/markup-compatibility/2006" xmlns:p14="http://schemas.microsoft.com/office/powerpoint/2010/main">
+    <mc:Choice Requires="p14">
+      <p:transition spd="slow" p14:dur="2000" advClick="0" advTm="5000"/>
+    </mc:Choice>
+    <mc:Fallback xmlns="">
+      <p:transition spd="slow" advClick="0" advTm="5000"/>
+    </mc:Fallback>
+  </mc:AlternateContent>
+</p:sld>
+</file>
+
+<file path=ppt/slides/slide38.xml><?xml version="1.0" encoding="utf-8"?>
+<p:sld xmlns:a="http://schemas.openxmlformats.org/drawingml/2006/main" xmlns:r="http://schemas.openxmlformats.org/officeDocument/2006/relationships" xmlns:p="http://schemas.openxmlformats.org/presentationml/2006/main">
+  <p:cSld>
+    <p:spTree>
+      <p:nvGrpSpPr>
+        <p:cNvPr id="1" name=""/>
+        <p:cNvGrpSpPr/>
+        <p:nvPr/>
+      </p:nvGrpSpPr>
+      <p:grpSpPr>
+        <a:xfrm>
+          <a:off x="0" y="0"/>
+          <a:ext cx="0" cy="0"/>
+          <a:chOff x="0" y="0"/>
+          <a:chExt cx="0" cy="0"/>
+        </a:xfrm>
+      </p:grpSpPr>
+      <p:sp>
+        <p:nvSpPr>
+          <p:cNvPr id="2" name="Slide Body">
+            <a:extLst>
+              <a:ext uri="{FF2B5EF4-FFF2-40B4-BE49-F238E27FC236}">
+                <a16:creationId xmlns:a16="http://schemas.microsoft.com/office/drawing/2014/main" id="{980F49B1-E4BE-4389-A747-7AB9B71AD920}"/>
+              </a:ext>
+            </a:extLst>
+          </p:cNvPr>
+          <p:cNvSpPr>
+            <a:spLocks noGrp="1"/>
           </p:cNvSpPr>
           <p:nvPr>
             <p:ph type="body" sz="quarter" idx="10"/>
@@ -36755,37 +36183,191 @@
         </p:nvSpPr>
         <p:spPr>
           <a:xfrm>
-            <a:off x="193538" y="1144241"/>
-            <a:ext cx="11801748" cy="5568904"/>
+            <a:off x="190402" y="1269001"/>
+            <a:ext cx="11818096" cy="5455890"/>
           </a:xfrm>
         </p:spPr>
         <p:txBody>
-          <a:bodyPr>
-            <a:normAutofit/>
-          </a:bodyPr>
+          <a:bodyPr/>
           <a:lstStyle/>
           <a:p>
             <a:pPr>
               <a:lnSpc>
-                <a:spcPct val="100000"/>
+                <a:spcPct val="120000"/>
               </a:lnSpc>
             </a:pPr>
             <a:r>
-              <a:rPr lang="bg-BG" sz="3600" dirty="0"/>
-              <a:t>Изключенията могат да бъдат хвърляни повторно</a:t>
-            </a:r>
-            <a:r>
-              <a:rPr lang="en-US" sz="3600" dirty="0"/>
-              <a:t>:</a:t>
-            </a:r>
-          </a:p>
-        </p:txBody>
-      </p:sp>
-      <p:sp>
-        <p:nvSpPr>
-          <p:cNvPr id="637954" name="Rectangle 2"/>
+              <a:rPr lang="bg-BG" dirty="0"/>
+              <a:t>Този курс</a:t>
+            </a:r>
+            <a:r>
+              <a:rPr lang="en-US" dirty="0"/>
+              <a:t> (</a:t>
+            </a:r>
+            <a:r>
+              <a:rPr lang="bg-BG" dirty="0"/>
+              <a:t>презентации, примери, демонстрационен код, упражнения, домашни, видео и други активи</a:t>
+            </a:r>
+            <a:r>
+              <a:rPr lang="en-US" dirty="0"/>
+              <a:t>) </a:t>
+            </a:r>
+            <a:r>
+              <a:rPr lang="bg-BG" dirty="0"/>
+              <a:t>представлява</a:t>
+            </a:r>
+            <a:r>
+              <a:rPr lang="en-US" dirty="0"/>
+              <a:t> </a:t>
+            </a:r>
+            <a:r>
+              <a:rPr lang="bg-BG" b="1" dirty="0"/>
+              <a:t>защитено авторско съдържание</a:t>
+            </a:r>
+            <a:endParaRPr lang="en-US" dirty="0"/>
+          </a:p>
+          <a:p>
+            <a:pPr>
+              <a:lnSpc>
+                <a:spcPct val="120000"/>
+              </a:lnSpc>
+            </a:pPr>
+            <a:r>
+              <a:rPr lang="bg-BG" dirty="0"/>
+              <a:t>Нерегламентирано копиране</a:t>
+            </a:r>
+            <a:r>
+              <a:rPr lang="en-US" dirty="0"/>
+              <a:t>,</a:t>
+            </a:r>
+            <a:r>
+              <a:rPr lang="bg-BG" dirty="0"/>
+              <a:t> разпространение или използване е незаконно</a:t>
+            </a:r>
+          </a:p>
+          <a:p>
+            <a:pPr>
+              <a:lnSpc>
+                <a:spcPct val="120000"/>
+              </a:lnSpc>
+            </a:pPr>
+            <a:r>
+              <a:rPr lang="en-US" dirty="0"/>
+              <a:t>© </a:t>
+            </a:r>
+            <a:r>
+              <a:rPr lang="bg-BG" dirty="0" err="1"/>
+              <a:t>СофтУни</a:t>
+            </a:r>
+            <a:r>
+              <a:rPr lang="en-US" dirty="0"/>
+              <a:t> – </a:t>
+            </a:r>
+            <a:r>
+              <a:rPr lang="en-US" dirty="0">
+                <a:hlinkClick r:id="rId3"/>
+              </a:rPr>
+              <a:t>https://softuni.org</a:t>
+            </a:r>
+            <a:endParaRPr lang="en-US" dirty="0"/>
+          </a:p>
+          <a:p>
+            <a:pPr>
+              <a:lnSpc>
+                <a:spcPct val="120000"/>
+              </a:lnSpc>
+            </a:pPr>
+            <a:r>
+              <a:rPr lang="en-US" dirty="0"/>
+              <a:t>© </a:t>
+            </a:r>
+            <a:r>
+              <a:rPr lang="bg-BG" dirty="0"/>
+              <a:t>Софтуерен университет</a:t>
+            </a:r>
+            <a:r>
+              <a:rPr lang="en-US" dirty="0"/>
+              <a:t> – </a:t>
+            </a:r>
+            <a:r>
+              <a:rPr lang="en-US" dirty="0">
+                <a:hlinkClick r:id="rId4"/>
+              </a:rPr>
+              <a:t>https://softuni.bg</a:t>
+            </a:r>
+            <a:endParaRPr lang="bg-BG" dirty="0"/>
+          </a:p>
+          <a:p>
+            <a:pPr>
+              <a:lnSpc>
+                <a:spcPct val="120000"/>
+              </a:lnSpc>
+            </a:pPr>
+            <a:endParaRPr lang="bg-BG" dirty="0"/>
+          </a:p>
+          <a:p>
+            <a:pPr marL="0" indent="0">
+              <a:lnSpc>
+                <a:spcPct val="120000"/>
+              </a:lnSpc>
+              <a:buNone/>
+            </a:pPr>
+            <a:endParaRPr lang="bg-BG" dirty="0"/>
+          </a:p>
+        </p:txBody>
+      </p:sp>
+      <p:pic>
+        <p:nvPicPr>
+          <p:cNvPr id="6" name="Picture License" descr="License">
+            <a:extLst>
+              <a:ext uri="{FF2B5EF4-FFF2-40B4-BE49-F238E27FC236}">
+                <a16:creationId xmlns:a16="http://schemas.microsoft.com/office/drawing/2014/main" id="{A10A2585-858C-4B1E-8846-27CF1C15729E}"/>
+              </a:ext>
+            </a:extLst>
+          </p:cNvPr>
+          <p:cNvPicPr>
+            <a:picLocks noChangeAspect="1"/>
+          </p:cNvPicPr>
+          <p:nvPr/>
+        </p:nvPicPr>
+        <p:blipFill>
+          <a:blip r:embed="rId5">
+            <a:clrChange>
+              <a:clrFrom>
+                <a:srgbClr val="FFFFFF"/>
+              </a:clrFrom>
+              <a:clrTo>
+                <a:srgbClr val="FFFFFF">
+                  <a:alpha val="0"/>
+                </a:srgbClr>
+              </a:clrTo>
+            </a:clrChange>
+          </a:blip>
+          <a:stretch>
+            <a:fillRect/>
+          </a:stretch>
+        </p:blipFill>
+        <p:spPr>
+          <a:xfrm>
+            <a:off x="9745023" y="4445455"/>
+            <a:ext cx="1930977" cy="2043545"/>
+          </a:xfrm>
+          <a:prstGeom prst="rect">
+            <a:avLst/>
+          </a:prstGeom>
+        </p:spPr>
+      </p:pic>
+      <p:sp>
+        <p:nvSpPr>
+          <p:cNvPr id="3" name="Slide Title">
+            <a:extLst>
+              <a:ext uri="{FF2B5EF4-FFF2-40B4-BE49-F238E27FC236}">
+                <a16:creationId xmlns:a16="http://schemas.microsoft.com/office/drawing/2014/main" id="{E5F1FB41-80C3-4816-BC47-CCC50632E6E8}"/>
+              </a:ext>
+            </a:extLst>
+          </p:cNvPr>
           <p:cNvSpPr>
-            <a:spLocks noGrp="1" noChangeArrowheads="1"/>
+            <a:spLocks noGrp="1"/>
           </p:cNvSpPr>
           <p:nvPr>
             <p:ph type="title"/>
@@ -36798,293 +36380,17 @@
           <a:p>
             <a:r>
               <a:rPr lang="bg-BG" dirty="0"/>
-              <a:t>Повторно хвърляне на</a:t>
-            </a:r>
-            <a:r>
-              <a:rPr lang="en-US" dirty="0"/>
-              <a:t> </a:t>
-            </a:r>
-            <a:r>
-              <a:rPr lang="bg-BG" dirty="0"/>
-              <a:t>изключения</a:t>
-            </a:r>
-          </a:p>
-        </p:txBody>
-      </p:sp>
-      <p:sp>
-        <p:nvSpPr>
-          <p:cNvPr id="4" name="Rectangle 3"/>
-          <p:cNvSpPr>
-            <a:spLocks noChangeArrowheads="1"/>
-          </p:cNvSpPr>
-          <p:nvPr/>
-        </p:nvSpPr>
-        <p:spPr bwMode="auto">
-          <a:xfrm>
-            <a:off x="695400" y="1894899"/>
-            <a:ext cx="8293058" cy="2928738"/>
-          </a:xfrm>
-          <a:prstGeom prst="rect">
-            <a:avLst/>
-          </a:prstGeom>
-          <a:solidFill>
-            <a:schemeClr val="accent6">
-              <a:lumMod val="75000"/>
-              <a:alpha val="15000"/>
-            </a:schemeClr>
-          </a:solidFill>
-          <a:ln w="12700">
-            <a:solidFill>
-              <a:schemeClr val="tx1">
-                <a:lumMod val="50000"/>
-              </a:schemeClr>
-            </a:solidFill>
-          </a:ln>
-        </p:spPr>
-        <p:txBody>
-          <a:bodyPr vert="horz" wrap="square" lIns="143926" tIns="107944" rIns="143926" bIns="107944" rtlCol="0">
-            <a:spAutoFit/>
-          </a:bodyPr>
-          <a:lstStyle/>
-          <a:p>
-            <a:pPr indent="-456641" defTabSz="1218072" latinLnBrk="1">
-              <a:lnSpc>
-                <a:spcPct val="105000"/>
-              </a:lnSpc>
-            </a:pPr>
-            <a:r>
-              <a:rPr lang="en-US" sz="2396" b="1" noProof="1">
-                <a:latin typeface="Consolas" pitchFamily="49" charset="0"/>
-                <a:cs typeface="Consolas" pitchFamily="49" charset="0"/>
-              </a:rPr>
-              <a:t>try {</a:t>
-            </a:r>
-          </a:p>
-          <a:p>
-            <a:pPr indent="-456641" defTabSz="1218072" latinLnBrk="1">
-              <a:lnSpc>
-                <a:spcPct val="105000"/>
-              </a:lnSpc>
-            </a:pPr>
-            <a:r>
-              <a:rPr lang="en-US" sz="2396" b="1" noProof="1">
-                <a:latin typeface="Consolas" pitchFamily="49" charset="0"/>
-                <a:cs typeface="Consolas" pitchFamily="49" charset="0"/>
-              </a:rPr>
-              <a:t>  Int32.Parse(str);</a:t>
-            </a:r>
-          </a:p>
-          <a:p>
-            <a:pPr indent="-456641" defTabSz="1218072" latinLnBrk="1">
-              <a:lnSpc>
-                <a:spcPct val="105000"/>
-              </a:lnSpc>
-            </a:pPr>
-            <a:r>
-              <a:rPr lang="en-US" sz="2396" b="1" noProof="1">
-                <a:latin typeface="Consolas" pitchFamily="49" charset="0"/>
-                <a:cs typeface="Consolas" pitchFamily="49" charset="0"/>
-              </a:rPr>
-              <a:t>}</a:t>
-            </a:r>
-          </a:p>
-          <a:p>
-            <a:pPr indent="-456641" defTabSz="1218072" latinLnBrk="1">
-              <a:lnSpc>
-                <a:spcPct val="105000"/>
-              </a:lnSpc>
-            </a:pPr>
-            <a:r>
-              <a:rPr lang="en-US" sz="2396" b="1" noProof="1">
-                <a:latin typeface="Consolas" pitchFamily="49" charset="0"/>
-                <a:cs typeface="Consolas" pitchFamily="49" charset="0"/>
-              </a:rPr>
-              <a:t>catch (FormatException fe) {</a:t>
-            </a:r>
-          </a:p>
-          <a:p>
-            <a:pPr indent="-456641" defTabSz="1218072" latinLnBrk="1">
-              <a:lnSpc>
-                <a:spcPct val="105000"/>
-              </a:lnSpc>
-            </a:pPr>
-            <a:r>
-              <a:rPr lang="en-US" sz="2396" b="1" noProof="1">
-                <a:latin typeface="Consolas" pitchFamily="49" charset="0"/>
-                <a:cs typeface="Consolas" pitchFamily="49" charset="0"/>
-              </a:rPr>
-              <a:t>  Console.WriteLine("Parse failed!");</a:t>
-            </a:r>
-          </a:p>
-          <a:p>
-            <a:pPr indent="-456641" defTabSz="1218072" latinLnBrk="1">
-              <a:lnSpc>
-                <a:spcPct val="105000"/>
-              </a:lnSpc>
-            </a:pPr>
-            <a:r>
-              <a:rPr lang="en-US" sz="2396" b="1" noProof="1">
-                <a:latin typeface="Consolas" pitchFamily="49" charset="0"/>
-                <a:cs typeface="Consolas" pitchFamily="49" charset="0"/>
-              </a:rPr>
-              <a:t>  </a:t>
-            </a:r>
-            <a:r>
-              <a:rPr lang="en-US" sz="2396" b="1" noProof="1">
-                <a:solidFill>
-                  <a:schemeClr val="bg1"/>
-                </a:solidFill>
-                <a:latin typeface="Consolas" pitchFamily="49" charset="0"/>
-                <a:cs typeface="Consolas" pitchFamily="49" charset="0"/>
-              </a:rPr>
-              <a:t>throw fe</a:t>
-            </a:r>
-            <a:r>
-              <a:rPr lang="en-US" sz="2396" b="1" noProof="1">
-                <a:latin typeface="Consolas" pitchFamily="49" charset="0"/>
-                <a:cs typeface="Consolas" pitchFamily="49" charset="0"/>
-              </a:rPr>
-              <a:t>; </a:t>
-            </a:r>
-            <a:r>
-              <a:rPr lang="en-US" sz="2396" b="1" i="1" noProof="1">
-                <a:solidFill>
-                  <a:schemeClr val="accent2"/>
-                </a:solidFill>
-                <a:latin typeface="Consolas" pitchFamily="49" charset="0"/>
-                <a:cs typeface="Consolas" pitchFamily="49" charset="0"/>
-              </a:rPr>
-              <a:t>// Re-throw the caught exception</a:t>
-            </a:r>
-          </a:p>
-          <a:p>
-            <a:pPr indent="-456641" defTabSz="1218072" latinLnBrk="1">
-              <a:lnSpc>
-                <a:spcPct val="105000"/>
-              </a:lnSpc>
-            </a:pPr>
-            <a:r>
-              <a:rPr lang="en-US" sz="2396" b="1" noProof="1">
-                <a:latin typeface="Consolas" pitchFamily="49" charset="0"/>
-                <a:cs typeface="Consolas" pitchFamily="49" charset="0"/>
-              </a:rPr>
-              <a:t>}</a:t>
-            </a:r>
-          </a:p>
-        </p:txBody>
-      </p:sp>
-      <p:sp>
-        <p:nvSpPr>
-          <p:cNvPr id="5" name="Rectangle 4"/>
-          <p:cNvSpPr>
-            <a:spLocks noChangeArrowheads="1"/>
-          </p:cNvSpPr>
-          <p:nvPr/>
-        </p:nvSpPr>
-        <p:spPr bwMode="auto">
-          <a:xfrm>
-            <a:off x="705980" y="5108461"/>
-            <a:ext cx="8293059" cy="1379743"/>
-          </a:xfrm>
-          <a:prstGeom prst="rect">
-            <a:avLst/>
-          </a:prstGeom>
-          <a:solidFill>
-            <a:schemeClr val="accent6">
-              <a:lumMod val="75000"/>
-              <a:alpha val="15000"/>
-            </a:schemeClr>
-          </a:solidFill>
-          <a:ln w="12700">
-            <a:solidFill>
-              <a:schemeClr val="tx1">
-                <a:lumMod val="50000"/>
-              </a:schemeClr>
-            </a:solidFill>
-          </a:ln>
-        </p:spPr>
-        <p:txBody>
-          <a:bodyPr vert="horz" wrap="square" lIns="143926" tIns="107944" rIns="143926" bIns="107944" rtlCol="0">
-            <a:spAutoFit/>
-          </a:bodyPr>
-          <a:lstStyle/>
-          <a:p>
-            <a:pPr indent="-456641" defTabSz="1218072" latinLnBrk="1">
-              <a:lnSpc>
-                <a:spcPct val="105000"/>
-              </a:lnSpc>
-            </a:pPr>
-            <a:r>
-              <a:rPr lang="en-US" sz="2396" b="1" noProof="1">
-                <a:latin typeface="Consolas" pitchFamily="49" charset="0"/>
-                <a:cs typeface="Consolas" pitchFamily="49" charset="0"/>
-              </a:rPr>
-              <a:t>catch (FormatException) {</a:t>
-            </a:r>
-          </a:p>
-          <a:p>
-            <a:pPr indent="-456641" defTabSz="1218072" latinLnBrk="1">
-              <a:lnSpc>
-                <a:spcPct val="105000"/>
-              </a:lnSpc>
-            </a:pPr>
-            <a:r>
-              <a:rPr lang="en-US" sz="2396" b="1" noProof="1">
-                <a:latin typeface="Consolas" pitchFamily="49" charset="0"/>
-                <a:cs typeface="Consolas" pitchFamily="49" charset="0"/>
-              </a:rPr>
-              <a:t>  </a:t>
-            </a:r>
-            <a:r>
-              <a:rPr lang="en-US" sz="2396" b="1" noProof="1">
-                <a:solidFill>
-                  <a:schemeClr val="bg1"/>
-                </a:solidFill>
-                <a:latin typeface="Consolas" pitchFamily="49" charset="0"/>
-                <a:cs typeface="Consolas" pitchFamily="49" charset="0"/>
-              </a:rPr>
-              <a:t>throw</a:t>
-            </a:r>
-            <a:r>
-              <a:rPr lang="en-US" sz="2396" b="1" noProof="1">
-                <a:latin typeface="Consolas" pitchFamily="49" charset="0"/>
-                <a:cs typeface="Consolas" pitchFamily="49" charset="0"/>
-              </a:rPr>
-              <a:t>; </a:t>
-            </a:r>
-            <a:r>
-              <a:rPr lang="en-US" sz="2396" b="1" i="1" noProof="1">
-                <a:solidFill>
-                  <a:schemeClr val="accent2"/>
-                </a:solidFill>
-                <a:latin typeface="Consolas" pitchFamily="49" charset="0"/>
-                <a:cs typeface="Consolas" pitchFamily="49" charset="0"/>
-              </a:rPr>
-              <a:t>// Re-throws the last caught exception</a:t>
-            </a:r>
-          </a:p>
-          <a:p>
-            <a:pPr indent="-456641" defTabSz="1218072" latinLnBrk="1">
-              <a:lnSpc>
-                <a:spcPct val="105000"/>
-              </a:lnSpc>
-            </a:pPr>
-            <a:r>
-              <a:rPr lang="en-US" sz="2396" b="1" noProof="1">
-                <a:latin typeface="Consolas" pitchFamily="49" charset="0"/>
-                <a:cs typeface="Consolas" pitchFamily="49" charset="0"/>
-              </a:rPr>
-              <a:t>}</a:t>
-            </a:r>
-          </a:p>
-        </p:txBody>
-      </p:sp>
-      <p:sp>
-        <p:nvSpPr>
-          <p:cNvPr id="8" name="Slide Number">
+              <a:t>Лиценз</a:t>
+            </a:r>
+          </a:p>
+        </p:txBody>
+      </p:sp>
+      <p:sp>
+        <p:nvSpPr>
+          <p:cNvPr id="7" name="Slide Number">
             <a:extLst>
               <a:ext uri="{FF2B5EF4-FFF2-40B4-BE49-F238E27FC236}">
-                <a16:creationId xmlns:a16="http://schemas.microsoft.com/office/drawing/2014/main" id="{8E3D46F5-4699-4449-802B-825CCD15B66B}"/>
+                <a16:creationId xmlns:a16="http://schemas.microsoft.com/office/drawing/2014/main" id="{0B20C9FE-51B9-4CA1-A3B4-E16FBFC084A5}"/>
               </a:ext>
             </a:extLst>
           </p:cNvPr>
@@ -37115,7 +36421,7 @@
             <a:fld id="{2BF067CD-8E6B-4360-9AA8-C5DF2A48A6D1}" type="slidenum">
               <a:rPr lang="en-US" noProof="0" smtClean="0"/>
               <a:pPr/>
-              <a:t>39</a:t>
+              <a:t>38</a:t>
             </a:fld>
             <a:endParaRPr lang="en-US" noProof="0" dirty="0"/>
           </a:p>
@@ -37124,7 +36430,7 @@
     </p:spTree>
     <p:extLst>
       <p:ext uri="{BB962C8B-B14F-4D97-AF65-F5344CB8AC3E}">
-        <p14:creationId xmlns:p14="http://schemas.microsoft.com/office/powerpoint/2010/main" val="2344223079"/>
+        <p14:creationId xmlns:p14="http://schemas.microsoft.com/office/powerpoint/2010/main" val="229369013"/>
       </p:ext>
     </p:extLst>
   </p:cSld>
@@ -37133,90 +36439,12 @@
   </p:clrMapOvr>
   <mc:AlternateContent xmlns:mc="http://schemas.openxmlformats.org/markup-compatibility/2006" xmlns:p14="http://schemas.microsoft.com/office/powerpoint/2010/main">
     <mc:Choice Requires="p14">
-      <p:transition p14:dur="0"/>
+      <p:transition spd="slow" p14:dur="2000" advClick="0" advTm="5000"/>
     </mc:Choice>
     <mc:Fallback xmlns="">
-      <p:transition/>
+      <p:transition spd="slow" advClick="0" advTm="5000"/>
     </mc:Fallback>
   </mc:AlternateContent>
-  <p:timing>
-    <p:tnLst>
-      <p:par>
-        <p:cTn id="1" dur="indefinite" restart="never" nodeType="tmRoot">
-          <p:childTnLst>
-            <p:seq concurrent="1" nextAc="seek">
-              <p:cTn id="2" dur="indefinite" nodeType="mainSeq">
-                <p:childTnLst>
-                  <p:par>
-                    <p:cTn id="3" fill="hold">
-                      <p:stCondLst>
-                        <p:cond delay="indefinite"/>
-                      </p:stCondLst>
-                      <p:childTnLst>
-                        <p:par>
-                          <p:cTn id="4" fill="hold">
-                            <p:stCondLst>
-                              <p:cond delay="0"/>
-                            </p:stCondLst>
-                            <p:childTnLst>
-                              <p:par>
-                                <p:cTn id="5" presetID="1" presetClass="entr" presetSubtype="0" fill="hold" grpId="0" nodeType="clickEffect">
-                                  <p:stCondLst>
-                                    <p:cond delay="0"/>
-                                  </p:stCondLst>
-                                  <p:childTnLst>
-                                    <p:set>
-                                      <p:cBhvr>
-                                        <p:cTn id="6" dur="1" fill="hold">
-                                          <p:stCondLst>
-                                            <p:cond delay="0"/>
-                                          </p:stCondLst>
-                                        </p:cTn>
-                                        <p:tgtEl>
-                                          <p:spTgt spid="5"/>
-                                        </p:tgtEl>
-                                        <p:attrNameLst>
-                                          <p:attrName>style.visibility</p:attrName>
-                                        </p:attrNameLst>
-                                      </p:cBhvr>
-                                      <p:to>
-                                        <p:strVal val="visible"/>
-                                      </p:to>
-                                    </p:set>
-                                  </p:childTnLst>
-                                </p:cTn>
-                              </p:par>
-                            </p:childTnLst>
-                          </p:cTn>
-                        </p:par>
-                      </p:childTnLst>
-                    </p:cTn>
-                  </p:par>
-                </p:childTnLst>
-              </p:cTn>
-              <p:prevCondLst>
-                <p:cond evt="onPrev" delay="0">
-                  <p:tgtEl>
-                    <p:sldTgt/>
-                  </p:tgtEl>
-                </p:cond>
-              </p:prevCondLst>
-              <p:nextCondLst>
-                <p:cond evt="onNext" delay="0">
-                  <p:tgtEl>
-                    <p:sldTgt/>
-                  </p:tgtEl>
-                </p:cond>
-              </p:nextCondLst>
-            </p:seq>
-          </p:childTnLst>
-        </p:cTn>
-      </p:par>
-    </p:tnLst>
-    <p:bldLst>
-      <p:bldP spid="5" grpId="0" animBg="1"/>
-    </p:bldLst>
-  </p:timing>
 </p:sld>
 </file>
 
@@ -38279,4834 +37507,6 @@
       <p:bldP spid="11" grpId="0" animBg="1"/>
     </p:bldLst>
   </p:timing>
-</p:sld>
-</file>
-
-<file path=ppt/slides/slide40.xml><?xml version="1.0" encoding="utf-8"?>
-<p:sld xmlns:a="http://schemas.openxmlformats.org/drawingml/2006/main" xmlns:r="http://schemas.openxmlformats.org/officeDocument/2006/relationships" xmlns:p="http://schemas.openxmlformats.org/presentationml/2006/main">
-  <p:cSld>
-    <p:spTree>
-      <p:nvGrpSpPr>
-        <p:cNvPr id="1" name=""/>
-        <p:cNvGrpSpPr/>
-        <p:nvPr/>
-      </p:nvGrpSpPr>
-      <p:grpSpPr>
-        <a:xfrm>
-          <a:off x="0" y="0"/>
-          <a:ext cx="0" cy="0"/>
-          <a:chOff x="0" y="0"/>
-          <a:chExt cx="0" cy="0"/>
-        </a:xfrm>
-      </p:grpSpPr>
-      <p:sp>
-        <p:nvSpPr>
-          <p:cNvPr id="566274" name="Rectangle 2"/>
-          <p:cNvSpPr>
-            <a:spLocks noGrp="1" noChangeArrowheads="1"/>
-          </p:cNvSpPr>
-          <p:nvPr>
-            <p:ph type="title"/>
-          </p:nvPr>
-        </p:nvSpPr>
-        <p:spPr/>
-        <p:txBody>
-          <a:bodyPr/>
-          <a:lstStyle/>
-          <a:p>
-            <a:r>
-              <a:rPr lang="bg-BG" sz="3799" dirty="0"/>
-              <a:t>Хвърляне на изключения </a:t>
-            </a:r>
-            <a:r>
-              <a:rPr lang="en-US" sz="3799" dirty="0"/>
-              <a:t>– </a:t>
-            </a:r>
-            <a:r>
-              <a:rPr lang="bg-BG" sz="3799" dirty="0"/>
-              <a:t>пример</a:t>
-            </a:r>
-          </a:p>
-        </p:txBody>
-      </p:sp>
-      <p:sp>
-        <p:nvSpPr>
-          <p:cNvPr id="566275" name="Rectangle 3"/>
-          <p:cNvSpPr>
-            <a:spLocks noChangeArrowheads="1"/>
-          </p:cNvSpPr>
-          <p:nvPr/>
-        </p:nvSpPr>
-        <p:spPr bwMode="auto">
-          <a:xfrm>
-            <a:off x="1102301" y="1328182"/>
-            <a:ext cx="9987398" cy="5294987"/>
-          </a:xfrm>
-          <a:prstGeom prst="rect">
-            <a:avLst/>
-          </a:prstGeom>
-          <a:solidFill>
-            <a:schemeClr val="accent6">
-              <a:lumMod val="75000"/>
-              <a:alpha val="15000"/>
-            </a:schemeClr>
-          </a:solidFill>
-          <a:ln w="12700">
-            <a:solidFill>
-              <a:schemeClr val="tx1">
-                <a:lumMod val="50000"/>
-              </a:schemeClr>
-            </a:solidFill>
-          </a:ln>
-        </p:spPr>
-        <p:txBody>
-          <a:bodyPr vert="horz" wrap="square" lIns="143926" tIns="107944" rIns="143926" bIns="107944" rtlCol="0">
-            <a:spAutoFit/>
-          </a:bodyPr>
-          <a:lstStyle/>
-          <a:p>
-            <a:pPr indent="-456641" defTabSz="1218072" latinLnBrk="1"/>
-            <a:r>
-              <a:rPr lang="bg-BG" sz="2199" b="1" noProof="1">
-                <a:latin typeface="Consolas" pitchFamily="49" charset="0"/>
-                <a:cs typeface="Consolas" pitchFamily="49" charset="0"/>
-              </a:rPr>
-              <a:t>public static double Sqrt(double </a:t>
-            </a:r>
-            <a:r>
-              <a:rPr lang="en-US" sz="2199" b="1" noProof="1">
-                <a:latin typeface="Consolas" pitchFamily="49" charset="0"/>
-                <a:cs typeface="Consolas" pitchFamily="49" charset="0"/>
-              </a:rPr>
-              <a:t>v</a:t>
-            </a:r>
-            <a:r>
-              <a:rPr lang="bg-BG" sz="2199" b="1" noProof="1">
-                <a:latin typeface="Consolas" pitchFamily="49" charset="0"/>
-                <a:cs typeface="Consolas" pitchFamily="49" charset="0"/>
-              </a:rPr>
-              <a:t>alue)</a:t>
-            </a:r>
-            <a:r>
-              <a:rPr lang="en-US" sz="2199" b="1" noProof="1">
-                <a:latin typeface="Consolas" pitchFamily="49" charset="0"/>
-                <a:cs typeface="Consolas" pitchFamily="49" charset="0"/>
-              </a:rPr>
-              <a:t> {</a:t>
-            </a:r>
-            <a:endParaRPr lang="bg-BG" sz="2199" b="1" noProof="1">
-              <a:latin typeface="Consolas" pitchFamily="49" charset="0"/>
-              <a:cs typeface="Consolas" pitchFamily="49" charset="0"/>
-            </a:endParaRPr>
-          </a:p>
-          <a:p>
-            <a:pPr indent="-456641" defTabSz="1218072" latinLnBrk="1"/>
-            <a:r>
-              <a:rPr lang="en-US" sz="2199" b="1" noProof="1">
-                <a:latin typeface="Consolas" pitchFamily="49" charset="0"/>
-                <a:cs typeface="Consolas" pitchFamily="49" charset="0"/>
-              </a:rPr>
-              <a:t>  </a:t>
-            </a:r>
-            <a:r>
-              <a:rPr lang="bg-BG" sz="2199" b="1" noProof="1">
-                <a:latin typeface="Consolas" pitchFamily="49" charset="0"/>
-                <a:cs typeface="Consolas" pitchFamily="49" charset="0"/>
-              </a:rPr>
-              <a:t>if (</a:t>
-            </a:r>
-            <a:r>
-              <a:rPr lang="en-US" sz="2199" b="1" noProof="1">
-                <a:latin typeface="Consolas" pitchFamily="49" charset="0"/>
-                <a:cs typeface="Consolas" pitchFamily="49" charset="0"/>
-              </a:rPr>
-              <a:t>v</a:t>
-            </a:r>
-            <a:r>
-              <a:rPr lang="bg-BG" sz="2199" b="1" noProof="1">
-                <a:latin typeface="Consolas" pitchFamily="49" charset="0"/>
-                <a:cs typeface="Consolas" pitchFamily="49" charset="0"/>
-              </a:rPr>
-              <a:t>alue &lt; 0)</a:t>
-            </a:r>
-          </a:p>
-          <a:p>
-            <a:pPr indent="-456641" defTabSz="1218072" latinLnBrk="1"/>
-            <a:r>
-              <a:rPr lang="en-US" sz="2199" b="1" noProof="1">
-                <a:latin typeface="Consolas" pitchFamily="49" charset="0"/>
-                <a:cs typeface="Consolas" pitchFamily="49" charset="0"/>
-              </a:rPr>
-              <a:t>    </a:t>
-            </a:r>
-            <a:r>
-              <a:rPr lang="bg-BG" sz="2199" b="1" noProof="1">
-                <a:latin typeface="Consolas" pitchFamily="49" charset="0"/>
-                <a:cs typeface="Consolas" pitchFamily="49" charset="0"/>
-              </a:rPr>
-              <a:t>throw new System.ArgumentOutOfRangeException(</a:t>
-            </a:r>
-            <a:r>
-              <a:rPr lang="en-US" sz="2199" b="1" noProof="1">
-                <a:latin typeface="Consolas" pitchFamily="49" charset="0"/>
-                <a:cs typeface="Consolas" pitchFamily="49" charset="0"/>
-              </a:rPr>
-              <a:t>"value",</a:t>
-            </a:r>
-            <a:endParaRPr lang="bg-BG" sz="2199" b="1" noProof="1">
-              <a:latin typeface="Consolas" pitchFamily="49" charset="0"/>
-              <a:cs typeface="Consolas" pitchFamily="49" charset="0"/>
-            </a:endParaRPr>
-          </a:p>
-          <a:p>
-            <a:pPr indent="-456641" defTabSz="1218072" latinLnBrk="1"/>
-            <a:r>
-              <a:rPr lang="en-US" sz="2199" b="1" noProof="1">
-                <a:latin typeface="Consolas" pitchFamily="49" charset="0"/>
-                <a:cs typeface="Consolas" pitchFamily="49" charset="0"/>
-              </a:rPr>
-              <a:t>      </a:t>
-            </a:r>
-            <a:r>
-              <a:rPr lang="bg-BG" sz="2199" b="1" noProof="1">
-                <a:latin typeface="Consolas" pitchFamily="49" charset="0"/>
-                <a:cs typeface="Consolas" pitchFamily="49" charset="0"/>
-              </a:rPr>
-              <a:t>"Sqrt for negative numbers is undefined!");</a:t>
-            </a:r>
-          </a:p>
-          <a:p>
-            <a:pPr indent="-456641" defTabSz="1218072" latinLnBrk="1"/>
-            <a:r>
-              <a:rPr lang="en-US" sz="2199" b="1" noProof="1">
-                <a:latin typeface="Consolas" pitchFamily="49" charset="0"/>
-                <a:cs typeface="Consolas" pitchFamily="49" charset="0"/>
-              </a:rPr>
-              <a:t>  </a:t>
-            </a:r>
-            <a:r>
-              <a:rPr lang="bg-BG" sz="2199" b="1" noProof="1">
-                <a:latin typeface="Consolas" pitchFamily="49" charset="0"/>
-                <a:cs typeface="Consolas" pitchFamily="49" charset="0"/>
-              </a:rPr>
-              <a:t>return Math.Sqrt(</a:t>
-            </a:r>
-            <a:r>
-              <a:rPr lang="en-US" sz="2199" b="1" noProof="1">
-                <a:latin typeface="Consolas" pitchFamily="49" charset="0"/>
-                <a:cs typeface="Consolas" pitchFamily="49" charset="0"/>
-              </a:rPr>
-              <a:t>v</a:t>
-            </a:r>
-            <a:r>
-              <a:rPr lang="bg-BG" sz="2199" b="1" noProof="1">
-                <a:latin typeface="Consolas" pitchFamily="49" charset="0"/>
-                <a:cs typeface="Consolas" pitchFamily="49" charset="0"/>
-              </a:rPr>
-              <a:t>alue);</a:t>
-            </a:r>
-          </a:p>
-          <a:p>
-            <a:pPr indent="-456641" defTabSz="1218072" latinLnBrk="1"/>
-            <a:r>
-              <a:rPr lang="bg-BG" sz="2199" b="1" noProof="1">
-                <a:latin typeface="Consolas" pitchFamily="49" charset="0"/>
-                <a:cs typeface="Consolas" pitchFamily="49" charset="0"/>
-              </a:rPr>
-              <a:t>}</a:t>
-            </a:r>
-          </a:p>
-          <a:p>
-            <a:pPr indent="-456641" defTabSz="1218072" latinLnBrk="1"/>
-            <a:r>
-              <a:rPr lang="bg-BG" sz="2199" b="1" noProof="1">
-                <a:latin typeface="Consolas" pitchFamily="49" charset="0"/>
-                <a:cs typeface="Consolas" pitchFamily="49" charset="0"/>
-              </a:rPr>
-              <a:t>static void Main()</a:t>
-            </a:r>
-            <a:r>
-              <a:rPr lang="en-US" sz="2199" b="1" noProof="1">
-                <a:latin typeface="Consolas" pitchFamily="49" charset="0"/>
-                <a:cs typeface="Consolas" pitchFamily="49" charset="0"/>
-              </a:rPr>
-              <a:t> {</a:t>
-            </a:r>
-            <a:endParaRPr lang="bg-BG" sz="2199" b="1" noProof="1">
-              <a:latin typeface="Consolas" pitchFamily="49" charset="0"/>
-              <a:cs typeface="Consolas" pitchFamily="49" charset="0"/>
-            </a:endParaRPr>
-          </a:p>
-          <a:p>
-            <a:pPr indent="-456641" defTabSz="1218072" latinLnBrk="1"/>
-            <a:r>
-              <a:rPr lang="en-US" sz="2199" b="1" noProof="1">
-                <a:latin typeface="Consolas" pitchFamily="49" charset="0"/>
-                <a:cs typeface="Consolas" pitchFamily="49" charset="0"/>
-              </a:rPr>
-              <a:t>  </a:t>
-            </a:r>
-            <a:r>
-              <a:rPr lang="bg-BG" sz="2199" b="1" noProof="1">
-                <a:latin typeface="Consolas" pitchFamily="49" charset="0"/>
-                <a:cs typeface="Consolas" pitchFamily="49" charset="0"/>
-              </a:rPr>
-              <a:t>try</a:t>
-            </a:r>
-            <a:r>
-              <a:rPr lang="en-US" sz="2199" b="1" noProof="1">
-                <a:latin typeface="Consolas" pitchFamily="49" charset="0"/>
-                <a:cs typeface="Consolas" pitchFamily="49" charset="0"/>
-              </a:rPr>
-              <a:t> {</a:t>
-            </a:r>
-            <a:endParaRPr lang="bg-BG" sz="2199" b="1" noProof="1">
-              <a:latin typeface="Consolas" pitchFamily="49" charset="0"/>
-              <a:cs typeface="Consolas" pitchFamily="49" charset="0"/>
-            </a:endParaRPr>
-          </a:p>
-          <a:p>
-            <a:pPr indent="-456641" defTabSz="1218072" latinLnBrk="1"/>
-            <a:r>
-              <a:rPr lang="en-US" sz="2199" b="1" noProof="1">
-                <a:latin typeface="Consolas" pitchFamily="49" charset="0"/>
-                <a:cs typeface="Consolas" pitchFamily="49" charset="0"/>
-              </a:rPr>
-              <a:t>    </a:t>
-            </a:r>
-            <a:r>
-              <a:rPr lang="bg-BG" sz="2199" b="1" noProof="1">
-                <a:latin typeface="Consolas" pitchFamily="49" charset="0"/>
-                <a:cs typeface="Consolas" pitchFamily="49" charset="0"/>
-              </a:rPr>
-              <a:t>Sqrt(-1);</a:t>
-            </a:r>
-          </a:p>
-          <a:p>
-            <a:pPr indent="-456641" defTabSz="1218072" latinLnBrk="1"/>
-            <a:r>
-              <a:rPr lang="en-US" sz="2199" b="1" noProof="1">
-                <a:latin typeface="Consolas" pitchFamily="49" charset="0"/>
-                <a:cs typeface="Consolas" pitchFamily="49" charset="0"/>
-              </a:rPr>
-              <a:t>  </a:t>
-            </a:r>
-            <a:r>
-              <a:rPr lang="bg-BG" sz="2199" b="1" noProof="1">
-                <a:latin typeface="Consolas" pitchFamily="49" charset="0"/>
-                <a:cs typeface="Consolas" pitchFamily="49" charset="0"/>
-              </a:rPr>
-              <a:t>}</a:t>
-            </a:r>
-          </a:p>
-          <a:p>
-            <a:pPr indent="-456641" defTabSz="1218072" latinLnBrk="1"/>
-            <a:r>
-              <a:rPr lang="en-US" sz="2199" b="1" noProof="1">
-                <a:latin typeface="Consolas" pitchFamily="49" charset="0"/>
-                <a:cs typeface="Consolas" pitchFamily="49" charset="0"/>
-              </a:rPr>
-              <a:t>  </a:t>
-            </a:r>
-            <a:r>
-              <a:rPr lang="bg-BG" sz="2199" b="1" noProof="1">
-                <a:latin typeface="Consolas" pitchFamily="49" charset="0"/>
-                <a:cs typeface="Consolas" pitchFamily="49" charset="0"/>
-              </a:rPr>
-              <a:t>catch (ArgumentOutOfRangeException ex)</a:t>
-            </a:r>
-            <a:r>
-              <a:rPr lang="en-US" sz="2199" b="1" noProof="1">
-                <a:latin typeface="Consolas" pitchFamily="49" charset="0"/>
-                <a:cs typeface="Consolas" pitchFamily="49" charset="0"/>
-              </a:rPr>
-              <a:t> {</a:t>
-            </a:r>
-            <a:endParaRPr lang="bg-BG" sz="2199" b="1" noProof="1">
-              <a:latin typeface="Consolas" pitchFamily="49" charset="0"/>
-              <a:cs typeface="Consolas" pitchFamily="49" charset="0"/>
-            </a:endParaRPr>
-          </a:p>
-          <a:p>
-            <a:pPr indent="-456641" defTabSz="1218072" latinLnBrk="1"/>
-            <a:r>
-              <a:rPr lang="en-US" sz="2199" b="1" noProof="1">
-                <a:latin typeface="Consolas" pitchFamily="49" charset="0"/>
-                <a:cs typeface="Consolas" pitchFamily="49" charset="0"/>
-              </a:rPr>
-              <a:t>    </a:t>
-            </a:r>
-            <a:r>
-              <a:rPr lang="bg-BG" sz="2199" b="1" noProof="1">
-                <a:latin typeface="Consolas" pitchFamily="49" charset="0"/>
-                <a:cs typeface="Consolas" pitchFamily="49" charset="0"/>
-              </a:rPr>
-              <a:t>Console.Error.WriteLine("Error: " + ex.Message);</a:t>
-            </a:r>
-          </a:p>
-          <a:p>
-            <a:pPr indent="-456641" defTabSz="1218072" latinLnBrk="1"/>
-            <a:r>
-              <a:rPr lang="en-US" sz="2199" b="1" noProof="1">
-                <a:latin typeface="Consolas" pitchFamily="49" charset="0"/>
-                <a:cs typeface="Consolas" pitchFamily="49" charset="0"/>
-              </a:rPr>
-              <a:t>    </a:t>
-            </a:r>
-            <a:r>
-              <a:rPr lang="bg-BG" sz="2199" b="1" noProof="1">
-                <a:latin typeface="Consolas" pitchFamily="49" charset="0"/>
-                <a:cs typeface="Consolas" pitchFamily="49" charset="0"/>
-              </a:rPr>
-              <a:t>throw;</a:t>
-            </a:r>
-          </a:p>
-          <a:p>
-            <a:pPr indent="-456641" defTabSz="1218072" latinLnBrk="1"/>
-            <a:r>
-              <a:rPr lang="en-US" sz="2199" b="1" noProof="1">
-                <a:latin typeface="Consolas" pitchFamily="49" charset="0"/>
-                <a:cs typeface="Consolas" pitchFamily="49" charset="0"/>
-              </a:rPr>
-              <a:t>  </a:t>
-            </a:r>
-            <a:r>
-              <a:rPr lang="bg-BG" sz="2199" b="1" noProof="1">
-                <a:latin typeface="Consolas" pitchFamily="49" charset="0"/>
-                <a:cs typeface="Consolas" pitchFamily="49" charset="0"/>
-              </a:rPr>
-              <a:t>}</a:t>
-            </a:r>
-          </a:p>
-          <a:p>
-            <a:pPr indent="-456641" defTabSz="1218072" latinLnBrk="1"/>
-            <a:r>
-              <a:rPr lang="bg-BG" sz="2199" b="1" noProof="1">
-                <a:latin typeface="Consolas" pitchFamily="49" charset="0"/>
-                <a:cs typeface="Consolas" pitchFamily="49" charset="0"/>
-              </a:rPr>
-              <a:t>}</a:t>
-            </a:r>
-          </a:p>
-        </p:txBody>
-      </p:sp>
-      <p:sp>
-        <p:nvSpPr>
-          <p:cNvPr id="6" name="Slide Number">
-            <a:extLst>
-              <a:ext uri="{FF2B5EF4-FFF2-40B4-BE49-F238E27FC236}">
-                <a16:creationId xmlns:a16="http://schemas.microsoft.com/office/drawing/2014/main" id="{F141187D-8CCC-4422-898B-053BA3C733AE}"/>
-              </a:ext>
-            </a:extLst>
-          </p:cNvPr>
-          <p:cNvSpPr>
-            <a:spLocks noGrp="1"/>
-          </p:cNvSpPr>
-          <p:nvPr>
-            <p:ph type="sldNum" sz="quarter" idx="5"/>
-          </p:nvPr>
-        </p:nvSpPr>
-        <p:spPr>
-          <a:xfrm>
-            <a:off x="11753030" y="6507000"/>
-            <a:ext cx="367414" cy="297000"/>
-          </a:xfrm>
-          <a:prstGeom prst="rect">
-            <a:avLst/>
-          </a:prstGeom>
-        </p:spPr>
-        <p:txBody>
-          <a:bodyPr vert="horz" lIns="91440" tIns="45720" rIns="91440" bIns="45720" rtlCol="0" anchor="b"/>
-          <a:lstStyle>
-            <a:lvl1pPr algn="r">
-              <a:defRPr sz="1000"/>
-            </a:lvl1pPr>
-          </a:lstStyle>
-          <a:p>
-            <a:fld id="{2BF067CD-8E6B-4360-9AA8-C5DF2A48A6D1}" type="slidenum">
-              <a:rPr lang="en-US" noProof="0" smtClean="0"/>
-              <a:pPr/>
-              <a:t>40</a:t>
-            </a:fld>
-            <a:endParaRPr lang="en-US" noProof="0" dirty="0"/>
-          </a:p>
-        </p:txBody>
-      </p:sp>
-    </p:spTree>
-    <p:extLst>
-      <p:ext uri="{BB962C8B-B14F-4D97-AF65-F5344CB8AC3E}">
-        <p14:creationId xmlns:p14="http://schemas.microsoft.com/office/powerpoint/2010/main" val="754746909"/>
-      </p:ext>
-    </p:extLst>
-  </p:cSld>
-  <p:clrMapOvr>
-    <a:masterClrMapping/>
-  </p:clrMapOvr>
-  <mc:AlternateContent xmlns:mc="http://schemas.openxmlformats.org/markup-compatibility/2006" xmlns:p14="http://schemas.microsoft.com/office/powerpoint/2010/main">
-    <mc:Choice Requires="p14">
-      <p:transition p14:dur="0"/>
-    </mc:Choice>
-    <mc:Fallback xmlns="">
-      <p:transition/>
-    </mc:Fallback>
-  </mc:AlternateContent>
-  <p:timing>
-    <p:tnLst>
-      <p:par>
-        <p:cTn id="1" dur="indefinite" restart="never" nodeType="tmRoot">
-          <p:childTnLst>
-            <p:seq concurrent="1" nextAc="seek">
-              <p:cTn id="2" dur="indefinite" nodeType="mainSeq">
-                <p:childTnLst>
-                  <p:par>
-                    <p:cTn id="3" fill="hold">
-                      <p:stCondLst>
-                        <p:cond delay="indefinite"/>
-                      </p:stCondLst>
-                      <p:childTnLst>
-                        <p:par>
-                          <p:cTn id="4" fill="hold">
-                            <p:stCondLst>
-                              <p:cond delay="0"/>
-                            </p:stCondLst>
-                            <p:childTnLst>
-                              <p:par>
-                                <p:cTn id="5" presetID="1" presetClass="entr" presetSubtype="0" fill="hold" nodeType="clickEffect">
-                                  <p:stCondLst>
-                                    <p:cond delay="0"/>
-                                  </p:stCondLst>
-                                  <p:childTnLst>
-                                    <p:set>
-                                      <p:cBhvr>
-                                        <p:cTn id="6" dur="1" fill="hold">
-                                          <p:stCondLst>
-                                            <p:cond delay="0"/>
-                                          </p:stCondLst>
-                                        </p:cTn>
-                                        <p:tgtEl>
-                                          <p:spTgt spid="566275">
-                                            <p:txEl>
-                                              <p:pRg st="6" end="6"/>
-                                            </p:txEl>
-                                          </p:spTgt>
-                                        </p:tgtEl>
-                                        <p:attrNameLst>
-                                          <p:attrName>style.visibility</p:attrName>
-                                        </p:attrNameLst>
-                                      </p:cBhvr>
-                                      <p:to>
-                                        <p:strVal val="visible"/>
-                                      </p:to>
-                                    </p:set>
-                                  </p:childTnLst>
-                                </p:cTn>
-                              </p:par>
-                              <p:par>
-                                <p:cTn id="7" presetID="1" presetClass="entr" presetSubtype="0" fill="hold" nodeType="withEffect">
-                                  <p:stCondLst>
-                                    <p:cond delay="0"/>
-                                  </p:stCondLst>
-                                  <p:childTnLst>
-                                    <p:set>
-                                      <p:cBhvr>
-                                        <p:cTn id="8" dur="1" fill="hold">
-                                          <p:stCondLst>
-                                            <p:cond delay="0"/>
-                                          </p:stCondLst>
-                                        </p:cTn>
-                                        <p:tgtEl>
-                                          <p:spTgt spid="566275">
-                                            <p:txEl>
-                                              <p:pRg st="14" end="14"/>
-                                            </p:txEl>
-                                          </p:spTgt>
-                                        </p:tgtEl>
-                                        <p:attrNameLst>
-                                          <p:attrName>style.visibility</p:attrName>
-                                        </p:attrNameLst>
-                                      </p:cBhvr>
-                                      <p:to>
-                                        <p:strVal val="visible"/>
-                                      </p:to>
-                                    </p:set>
-                                  </p:childTnLst>
-                                </p:cTn>
-                              </p:par>
-                            </p:childTnLst>
-                          </p:cTn>
-                        </p:par>
-                      </p:childTnLst>
-                    </p:cTn>
-                  </p:par>
-                  <p:par>
-                    <p:cTn id="9" fill="hold">
-                      <p:stCondLst>
-                        <p:cond delay="indefinite"/>
-                      </p:stCondLst>
-                      <p:childTnLst>
-                        <p:par>
-                          <p:cTn id="10" fill="hold">
-                            <p:stCondLst>
-                              <p:cond delay="0"/>
-                            </p:stCondLst>
-                            <p:childTnLst>
-                              <p:par>
-                                <p:cTn id="11" presetID="1" presetClass="entr" presetSubtype="0" fill="hold" nodeType="clickEffect">
-                                  <p:stCondLst>
-                                    <p:cond delay="0"/>
-                                  </p:stCondLst>
-                                  <p:childTnLst>
-                                    <p:set>
-                                      <p:cBhvr>
-                                        <p:cTn id="12" dur="1" fill="hold">
-                                          <p:stCondLst>
-                                            <p:cond delay="0"/>
-                                          </p:stCondLst>
-                                        </p:cTn>
-                                        <p:tgtEl>
-                                          <p:spTgt spid="566275">
-                                            <p:txEl>
-                                              <p:pRg st="7" end="7"/>
-                                            </p:txEl>
-                                          </p:spTgt>
-                                        </p:tgtEl>
-                                        <p:attrNameLst>
-                                          <p:attrName>style.visibility</p:attrName>
-                                        </p:attrNameLst>
-                                      </p:cBhvr>
-                                      <p:to>
-                                        <p:strVal val="visible"/>
-                                      </p:to>
-                                    </p:set>
-                                  </p:childTnLst>
-                                </p:cTn>
-                              </p:par>
-                              <p:par>
-                                <p:cTn id="13" presetID="1" presetClass="entr" presetSubtype="0" fill="hold" nodeType="withEffect">
-                                  <p:stCondLst>
-                                    <p:cond delay="0"/>
-                                  </p:stCondLst>
-                                  <p:childTnLst>
-                                    <p:set>
-                                      <p:cBhvr>
-                                        <p:cTn id="14" dur="1" fill="hold">
-                                          <p:stCondLst>
-                                            <p:cond delay="0"/>
-                                          </p:stCondLst>
-                                        </p:cTn>
-                                        <p:tgtEl>
-                                          <p:spTgt spid="566275">
-                                            <p:txEl>
-                                              <p:pRg st="9" end="9"/>
-                                            </p:txEl>
-                                          </p:spTgt>
-                                        </p:tgtEl>
-                                        <p:attrNameLst>
-                                          <p:attrName>style.visibility</p:attrName>
-                                        </p:attrNameLst>
-                                      </p:cBhvr>
-                                      <p:to>
-                                        <p:strVal val="visible"/>
-                                      </p:to>
-                                    </p:set>
-                                  </p:childTnLst>
-                                </p:cTn>
-                              </p:par>
-                              <p:par>
-                                <p:cTn id="15" presetID="1" presetClass="entr" presetSubtype="0" fill="hold" nodeType="withEffect">
-                                  <p:stCondLst>
-                                    <p:cond delay="0"/>
-                                  </p:stCondLst>
-                                  <p:childTnLst>
-                                    <p:set>
-                                      <p:cBhvr>
-                                        <p:cTn id="16" dur="1" fill="hold">
-                                          <p:stCondLst>
-                                            <p:cond delay="0"/>
-                                          </p:stCondLst>
-                                        </p:cTn>
-                                        <p:tgtEl>
-                                          <p:spTgt spid="566275">
-                                            <p:txEl>
-                                              <p:pRg st="10" end="10"/>
-                                            </p:txEl>
-                                          </p:spTgt>
-                                        </p:tgtEl>
-                                        <p:attrNameLst>
-                                          <p:attrName>style.visibility</p:attrName>
-                                        </p:attrNameLst>
-                                      </p:cBhvr>
-                                      <p:to>
-                                        <p:strVal val="visible"/>
-                                      </p:to>
-                                    </p:set>
-                                  </p:childTnLst>
-                                </p:cTn>
-                              </p:par>
-                              <p:par>
-                                <p:cTn id="17" presetID="1" presetClass="entr" presetSubtype="0" fill="hold" nodeType="withEffect">
-                                  <p:stCondLst>
-                                    <p:cond delay="0"/>
-                                  </p:stCondLst>
-                                  <p:childTnLst>
-                                    <p:set>
-                                      <p:cBhvr>
-                                        <p:cTn id="18" dur="1" fill="hold">
-                                          <p:stCondLst>
-                                            <p:cond delay="0"/>
-                                          </p:stCondLst>
-                                        </p:cTn>
-                                        <p:tgtEl>
-                                          <p:spTgt spid="566275">
-                                            <p:txEl>
-                                              <p:pRg st="13" end="13"/>
-                                            </p:txEl>
-                                          </p:spTgt>
-                                        </p:tgtEl>
-                                        <p:attrNameLst>
-                                          <p:attrName>style.visibility</p:attrName>
-                                        </p:attrNameLst>
-                                      </p:cBhvr>
-                                      <p:to>
-                                        <p:strVal val="visible"/>
-                                      </p:to>
-                                    </p:set>
-                                  </p:childTnLst>
-                                </p:cTn>
-                              </p:par>
-                            </p:childTnLst>
-                          </p:cTn>
-                        </p:par>
-                      </p:childTnLst>
-                    </p:cTn>
-                  </p:par>
-                  <p:par>
-                    <p:cTn id="19" fill="hold">
-                      <p:stCondLst>
-                        <p:cond delay="indefinite"/>
-                      </p:stCondLst>
-                      <p:childTnLst>
-                        <p:par>
-                          <p:cTn id="20" fill="hold">
-                            <p:stCondLst>
-                              <p:cond delay="0"/>
-                            </p:stCondLst>
-                            <p:childTnLst>
-                              <p:par>
-                                <p:cTn id="21" presetID="1" presetClass="entr" presetSubtype="0" fill="hold" nodeType="clickEffect">
-                                  <p:stCondLst>
-                                    <p:cond delay="0"/>
-                                  </p:stCondLst>
-                                  <p:childTnLst>
-                                    <p:set>
-                                      <p:cBhvr>
-                                        <p:cTn id="22" dur="1" fill="hold">
-                                          <p:stCondLst>
-                                            <p:cond delay="0"/>
-                                          </p:stCondLst>
-                                        </p:cTn>
-                                        <p:tgtEl>
-                                          <p:spTgt spid="566275">
-                                            <p:txEl>
-                                              <p:pRg st="8" end="8"/>
-                                            </p:txEl>
-                                          </p:spTgt>
-                                        </p:tgtEl>
-                                        <p:attrNameLst>
-                                          <p:attrName>style.visibility</p:attrName>
-                                        </p:attrNameLst>
-                                      </p:cBhvr>
-                                      <p:to>
-                                        <p:strVal val="visible"/>
-                                      </p:to>
-                                    </p:set>
-                                  </p:childTnLst>
-                                </p:cTn>
-                              </p:par>
-                            </p:childTnLst>
-                          </p:cTn>
-                        </p:par>
-                      </p:childTnLst>
-                    </p:cTn>
-                  </p:par>
-                  <p:par>
-                    <p:cTn id="23" fill="hold">
-                      <p:stCondLst>
-                        <p:cond delay="indefinite"/>
-                      </p:stCondLst>
-                      <p:childTnLst>
-                        <p:par>
-                          <p:cTn id="24" fill="hold">
-                            <p:stCondLst>
-                              <p:cond delay="0"/>
-                            </p:stCondLst>
-                            <p:childTnLst>
-                              <p:par>
-                                <p:cTn id="25" presetID="1" presetClass="entr" presetSubtype="0" fill="hold" nodeType="clickEffect">
-                                  <p:stCondLst>
-                                    <p:cond delay="0"/>
-                                  </p:stCondLst>
-                                  <p:childTnLst>
-                                    <p:set>
-                                      <p:cBhvr>
-                                        <p:cTn id="26" dur="1" fill="hold">
-                                          <p:stCondLst>
-                                            <p:cond delay="0"/>
-                                          </p:stCondLst>
-                                        </p:cTn>
-                                        <p:tgtEl>
-                                          <p:spTgt spid="566275">
-                                            <p:txEl>
-                                              <p:pRg st="11" end="11"/>
-                                            </p:txEl>
-                                          </p:spTgt>
-                                        </p:tgtEl>
-                                        <p:attrNameLst>
-                                          <p:attrName>style.visibility</p:attrName>
-                                        </p:attrNameLst>
-                                      </p:cBhvr>
-                                      <p:to>
-                                        <p:strVal val="visible"/>
-                                      </p:to>
-                                    </p:set>
-                                  </p:childTnLst>
-                                </p:cTn>
-                              </p:par>
-                              <p:par>
-                                <p:cTn id="27" presetID="1" presetClass="entr" presetSubtype="0" fill="hold" nodeType="withEffect">
-                                  <p:stCondLst>
-                                    <p:cond delay="0"/>
-                                  </p:stCondLst>
-                                  <p:childTnLst>
-                                    <p:set>
-                                      <p:cBhvr>
-                                        <p:cTn id="28" dur="1" fill="hold">
-                                          <p:stCondLst>
-                                            <p:cond delay="0"/>
-                                          </p:stCondLst>
-                                        </p:cTn>
-                                        <p:tgtEl>
-                                          <p:spTgt spid="566275">
-                                            <p:txEl>
-                                              <p:pRg st="12" end="12"/>
-                                            </p:txEl>
-                                          </p:spTgt>
-                                        </p:tgtEl>
-                                        <p:attrNameLst>
-                                          <p:attrName>style.visibility</p:attrName>
-                                        </p:attrNameLst>
-                                      </p:cBhvr>
-                                      <p:to>
-                                        <p:strVal val="visible"/>
-                                      </p:to>
-                                    </p:set>
-                                  </p:childTnLst>
-                                </p:cTn>
-                              </p:par>
-                            </p:childTnLst>
-                          </p:cTn>
-                        </p:par>
-                      </p:childTnLst>
-                    </p:cTn>
-                  </p:par>
-                </p:childTnLst>
-              </p:cTn>
-              <p:prevCondLst>
-                <p:cond evt="onPrev" delay="0">
-                  <p:tgtEl>
-                    <p:sldTgt/>
-                  </p:tgtEl>
-                </p:cond>
-              </p:prevCondLst>
-              <p:nextCondLst>
-                <p:cond evt="onNext" delay="0">
-                  <p:tgtEl>
-                    <p:sldTgt/>
-                  </p:tgtEl>
-                </p:cond>
-              </p:nextCondLst>
-            </p:seq>
-          </p:childTnLst>
-        </p:cTn>
-      </p:par>
-    </p:tnLst>
-  </p:timing>
-</p:sld>
-</file>
-
-<file path=ppt/slides/slide41.xml><?xml version="1.0" encoding="utf-8"?>
-<p:sld xmlns:a="http://schemas.openxmlformats.org/drawingml/2006/main" xmlns:r="http://schemas.openxmlformats.org/officeDocument/2006/relationships" xmlns:p="http://schemas.openxmlformats.org/presentationml/2006/main">
-  <p:cSld>
-    <p:spTree>
-      <p:nvGrpSpPr>
-        <p:cNvPr id="1" name=""/>
-        <p:cNvGrpSpPr/>
-        <p:nvPr/>
-      </p:nvGrpSpPr>
-      <p:grpSpPr>
-        <a:xfrm>
-          <a:off x="0" y="0"/>
-          <a:ext cx="0" cy="0"/>
-          <a:chOff x="0" y="0"/>
-          <a:chExt cx="0" cy="0"/>
-        </a:xfrm>
-      </p:grpSpPr>
-      <p:sp>
-        <p:nvSpPr>
-          <p:cNvPr id="3" name="Content Placeholder 2"/>
-          <p:cNvSpPr>
-            <a:spLocks noGrp="1"/>
-          </p:cNvSpPr>
-          <p:nvPr>
-            <p:ph type="body" sz="quarter" idx="10"/>
-          </p:nvPr>
-        </p:nvSpPr>
-        <p:spPr/>
-        <p:txBody>
-          <a:bodyPr>
-            <a:normAutofit/>
-          </a:bodyPr>
-          <a:lstStyle/>
-          <a:p>
-            <a:r>
-              <a:rPr lang="bg-BG" dirty="0"/>
-              <a:t>Собствените изключения наследяват </a:t>
-            </a:r>
-            <a:r>
-              <a:rPr lang="en-US" dirty="0"/>
-              <a:t>exception </a:t>
-            </a:r>
-            <a:r>
-              <a:rPr lang="bg-BG" dirty="0"/>
-              <a:t>класа</a:t>
-            </a:r>
-            <a:r>
-              <a:rPr lang="en-US" dirty="0"/>
-              <a:t>(e. g. </a:t>
-            </a:r>
-            <a:r>
-              <a:rPr lang="en-US" b="1" noProof="1">
-                <a:solidFill>
-                  <a:schemeClr val="bg1"/>
-                </a:solidFill>
-                <a:latin typeface="Consolas" panose="020B0609020204030204" pitchFamily="49" charset="0"/>
-                <a:cs typeface="Consolas" panose="020B0609020204030204" pitchFamily="49" charset="0"/>
-              </a:rPr>
-              <a:t>System.Exception</a:t>
-            </a:r>
-            <a:r>
-              <a:rPr lang="en-US" dirty="0"/>
-              <a:t>)</a:t>
-            </a:r>
-            <a:endParaRPr lang="bg-BG" dirty="0"/>
-          </a:p>
-          <a:p>
-            <a:endParaRPr lang="en-US" dirty="0"/>
-          </a:p>
-          <a:p>
-            <a:pPr marL="0" indent="0">
-              <a:buNone/>
-            </a:pPr>
-            <a:endParaRPr lang="en-US" dirty="0"/>
-          </a:p>
-          <a:p>
-            <a:pPr marL="0" indent="0">
-              <a:buNone/>
-            </a:pPr>
-            <a:endParaRPr lang="en-US" dirty="0"/>
-          </a:p>
-          <a:p>
-            <a:pPr>
-              <a:lnSpc>
-                <a:spcPct val="150000"/>
-              </a:lnSpc>
-              <a:spcBef>
-                <a:spcPts val="2399"/>
-              </a:spcBef>
-            </a:pPr>
-            <a:r>
-              <a:rPr lang="bg-BG" dirty="0"/>
-              <a:t>Хвърлят се както всички останали изключения</a:t>
-            </a:r>
-            <a:endParaRPr lang="en-US" dirty="0"/>
-          </a:p>
-        </p:txBody>
-      </p:sp>
-      <p:sp>
-        <p:nvSpPr>
-          <p:cNvPr id="4" name="Title 3"/>
-          <p:cNvSpPr>
-            <a:spLocks noGrp="1"/>
-          </p:cNvSpPr>
-          <p:nvPr>
-            <p:ph type="title"/>
-          </p:nvPr>
-        </p:nvSpPr>
-        <p:spPr/>
-        <p:txBody>
-          <a:bodyPr/>
-          <a:lstStyle/>
-          <a:p>
-            <a:r>
-              <a:rPr lang="bg-BG" dirty="0"/>
-              <a:t>Създаване на собствени изключения</a:t>
-            </a:r>
-            <a:endParaRPr lang="en-US" dirty="0"/>
-          </a:p>
-        </p:txBody>
-      </p:sp>
-      <p:sp>
-        <p:nvSpPr>
-          <p:cNvPr id="5" name="Rectangle 4"/>
-          <p:cNvSpPr>
-            <a:spLocks noChangeArrowheads="1"/>
-          </p:cNvSpPr>
-          <p:nvPr/>
-        </p:nvSpPr>
-        <p:spPr bwMode="auto">
-          <a:xfrm>
-            <a:off x="729696" y="2484247"/>
-            <a:ext cx="10584944" cy="2298729"/>
-          </a:xfrm>
-          <a:prstGeom prst="rect">
-            <a:avLst/>
-          </a:prstGeom>
-          <a:solidFill>
-            <a:schemeClr val="accent6">
-              <a:lumMod val="75000"/>
-              <a:alpha val="15000"/>
-            </a:schemeClr>
-          </a:solidFill>
-          <a:ln w="12700">
-            <a:solidFill>
-              <a:schemeClr val="tx1">
-                <a:lumMod val="50000"/>
-              </a:schemeClr>
-            </a:solidFill>
-          </a:ln>
-        </p:spPr>
-        <p:txBody>
-          <a:bodyPr vert="horz" wrap="square" lIns="143926" tIns="107944" rIns="143926" bIns="107944" rtlCol="0">
-            <a:spAutoFit/>
-          </a:bodyPr>
-          <a:lstStyle/>
-          <a:p>
-            <a:pPr indent="-456641" defTabSz="1218072" latinLnBrk="1">
-              <a:lnSpc>
-                <a:spcPct val="105000"/>
-              </a:lnSpc>
-            </a:pPr>
-            <a:r>
-              <a:rPr lang="en-US" sz="2599" b="1" noProof="1">
-                <a:latin typeface="Consolas" pitchFamily="49" charset="0"/>
-                <a:cs typeface="Consolas" pitchFamily="49" charset="0"/>
-              </a:rPr>
-              <a:t>public class PrinterException : </a:t>
-            </a:r>
-            <a:r>
-              <a:rPr lang="en-US" sz="2599" b="1" noProof="1">
-                <a:solidFill>
-                  <a:schemeClr val="bg1"/>
-                </a:solidFill>
-                <a:latin typeface="Consolas" pitchFamily="49" charset="0"/>
-                <a:cs typeface="Consolas" pitchFamily="49" charset="0"/>
-              </a:rPr>
-              <a:t>Exception</a:t>
-            </a:r>
-          </a:p>
-          <a:p>
-            <a:pPr indent="-456641" defTabSz="1218072" latinLnBrk="1">
-              <a:lnSpc>
-                <a:spcPct val="105000"/>
-              </a:lnSpc>
-            </a:pPr>
-            <a:r>
-              <a:rPr lang="en-US" sz="2599" b="1" noProof="1">
-                <a:latin typeface="Consolas" pitchFamily="49" charset="0"/>
-                <a:cs typeface="Consolas" pitchFamily="49" charset="0"/>
-              </a:rPr>
-              <a:t>{</a:t>
-            </a:r>
-          </a:p>
-          <a:p>
-            <a:pPr indent="-456641" defTabSz="1218072" latinLnBrk="1">
-              <a:lnSpc>
-                <a:spcPct val="105000"/>
-              </a:lnSpc>
-            </a:pPr>
-            <a:r>
-              <a:rPr lang="en-US" sz="2599" b="1" noProof="1">
-                <a:latin typeface="Consolas" pitchFamily="49" charset="0"/>
-                <a:cs typeface="Consolas" pitchFamily="49" charset="0"/>
-              </a:rPr>
-              <a:t>  public PrinterException(string msg)</a:t>
-            </a:r>
-          </a:p>
-          <a:p>
-            <a:pPr indent="-456641" defTabSz="1218072" latinLnBrk="1">
-              <a:lnSpc>
-                <a:spcPct val="105000"/>
-              </a:lnSpc>
-            </a:pPr>
-            <a:r>
-              <a:rPr lang="en-US" sz="2599" b="1" noProof="1">
-                <a:latin typeface="Consolas" pitchFamily="49" charset="0"/>
-                <a:cs typeface="Consolas" pitchFamily="49" charset="0"/>
-              </a:rPr>
-              <a:t>    : </a:t>
-            </a:r>
-            <a:r>
-              <a:rPr lang="en-US" sz="2599" b="1" noProof="1">
-                <a:solidFill>
-                  <a:schemeClr val="bg1"/>
-                </a:solidFill>
-                <a:latin typeface="Consolas" pitchFamily="49" charset="0"/>
-                <a:cs typeface="Consolas" pitchFamily="49" charset="0"/>
-              </a:rPr>
-              <a:t>base(msg)</a:t>
-            </a:r>
-            <a:r>
-              <a:rPr lang="en-US" sz="2599" b="1" noProof="1">
-                <a:latin typeface="Consolas" pitchFamily="49" charset="0"/>
-                <a:cs typeface="Consolas" pitchFamily="49" charset="0"/>
-              </a:rPr>
-              <a:t> { … }</a:t>
-            </a:r>
-          </a:p>
-          <a:p>
-            <a:pPr indent="-456641" defTabSz="1218072" latinLnBrk="1">
-              <a:lnSpc>
-                <a:spcPct val="105000"/>
-              </a:lnSpc>
-            </a:pPr>
-            <a:r>
-              <a:rPr lang="en-US" sz="2599" b="1" noProof="1">
-                <a:latin typeface="Consolas" pitchFamily="49" charset="0"/>
-                <a:cs typeface="Consolas" pitchFamily="49" charset="0"/>
-              </a:rPr>
-              <a:t>}</a:t>
-            </a:r>
-          </a:p>
-        </p:txBody>
-      </p:sp>
-      <p:sp>
-        <p:nvSpPr>
-          <p:cNvPr id="7" name="Rectangle 6"/>
-          <p:cNvSpPr>
-            <a:spLocks noChangeArrowheads="1"/>
-          </p:cNvSpPr>
-          <p:nvPr/>
-        </p:nvSpPr>
-        <p:spPr bwMode="auto">
-          <a:xfrm>
-            <a:off x="729699" y="5633427"/>
-            <a:ext cx="10584943" cy="637983"/>
-          </a:xfrm>
-          <a:prstGeom prst="rect">
-            <a:avLst/>
-          </a:prstGeom>
-          <a:solidFill>
-            <a:schemeClr val="accent6">
-              <a:lumMod val="75000"/>
-              <a:alpha val="15000"/>
-            </a:schemeClr>
-          </a:solidFill>
-          <a:ln w="12700">
-            <a:solidFill>
-              <a:schemeClr val="tx1">
-                <a:lumMod val="50000"/>
-              </a:schemeClr>
-            </a:solidFill>
-          </a:ln>
-        </p:spPr>
-        <p:txBody>
-          <a:bodyPr vert="horz" wrap="square" lIns="143926" tIns="107944" rIns="143926" bIns="107944" rtlCol="0">
-            <a:spAutoFit/>
-          </a:bodyPr>
-          <a:lstStyle/>
-          <a:p>
-            <a:pPr indent="-456641" defTabSz="1218072" latinLnBrk="1">
-              <a:lnSpc>
-                <a:spcPct val="105000"/>
-              </a:lnSpc>
-            </a:pPr>
-            <a:r>
-              <a:rPr lang="en-US" sz="2599" b="1" noProof="1">
-                <a:latin typeface="Consolas" pitchFamily="49" charset="0"/>
-                <a:cs typeface="Consolas" pitchFamily="49" charset="0"/>
-              </a:rPr>
-              <a:t>throw new </a:t>
-            </a:r>
-            <a:r>
-              <a:rPr lang="en-US" sz="2599" b="1" noProof="1">
-                <a:solidFill>
-                  <a:schemeClr val="bg1"/>
-                </a:solidFill>
-                <a:latin typeface="Consolas" pitchFamily="49" charset="0"/>
-                <a:cs typeface="Consolas" pitchFamily="49" charset="0"/>
-              </a:rPr>
-              <a:t>PrinterException</a:t>
-            </a:r>
-            <a:r>
-              <a:rPr lang="en-US" sz="2599" b="1" noProof="1">
-                <a:latin typeface="Consolas" pitchFamily="49" charset="0"/>
-                <a:cs typeface="Consolas" pitchFamily="49" charset="0"/>
-              </a:rPr>
-              <a:t>("Printer is out of paper!");</a:t>
-            </a:r>
-          </a:p>
-        </p:txBody>
-      </p:sp>
-      <p:sp>
-        <p:nvSpPr>
-          <p:cNvPr id="9" name="Slide Number">
-            <a:extLst>
-              <a:ext uri="{FF2B5EF4-FFF2-40B4-BE49-F238E27FC236}">
-                <a16:creationId xmlns:a16="http://schemas.microsoft.com/office/drawing/2014/main" id="{81A7B791-5D5D-4347-B60A-49F3D8F9C804}"/>
-              </a:ext>
-            </a:extLst>
-          </p:cNvPr>
-          <p:cNvSpPr>
-            <a:spLocks noGrp="1"/>
-          </p:cNvSpPr>
-          <p:nvPr>
-            <p:ph type="sldNum" sz="quarter" idx="5"/>
-          </p:nvPr>
-        </p:nvSpPr>
-        <p:spPr>
-          <a:xfrm>
-            <a:off x="11753030" y="6507000"/>
-            <a:ext cx="367414" cy="297000"/>
-          </a:xfrm>
-          <a:prstGeom prst="rect">
-            <a:avLst/>
-          </a:prstGeom>
-        </p:spPr>
-        <p:txBody>
-          <a:bodyPr vert="horz" lIns="91440" tIns="45720" rIns="91440" bIns="45720" rtlCol="0" anchor="b"/>
-          <a:lstStyle>
-            <a:lvl1pPr algn="r">
-              <a:defRPr sz="1000"/>
-            </a:lvl1pPr>
-          </a:lstStyle>
-          <a:p>
-            <a:fld id="{2BF067CD-8E6B-4360-9AA8-C5DF2A48A6D1}" type="slidenum">
-              <a:rPr lang="en-US" noProof="0" smtClean="0"/>
-              <a:pPr/>
-              <a:t>41</a:t>
-            </a:fld>
-            <a:endParaRPr lang="en-US" noProof="0" dirty="0"/>
-          </a:p>
-        </p:txBody>
-      </p:sp>
-    </p:spTree>
-    <p:extLst>
-      <p:ext uri="{BB962C8B-B14F-4D97-AF65-F5344CB8AC3E}">
-        <p14:creationId xmlns:p14="http://schemas.microsoft.com/office/powerpoint/2010/main" val="192032364"/>
-      </p:ext>
-    </p:extLst>
-  </p:cSld>
-  <p:clrMapOvr>
-    <a:masterClrMapping/>
-  </p:clrMapOvr>
-  <mc:AlternateContent xmlns:mc="http://schemas.openxmlformats.org/markup-compatibility/2006" xmlns:p14="http://schemas.microsoft.com/office/powerpoint/2010/main">
-    <mc:Choice Requires="p14">
-      <p:transition p14:dur="0" advClick="0" advTm="5000"/>
-    </mc:Choice>
-    <mc:Fallback xmlns="">
-      <p:transition advClick="0" advTm="5000"/>
-    </mc:Fallback>
-  </mc:AlternateContent>
-  <p:timing>
-    <p:tnLst>
-      <p:par>
-        <p:cTn id="1" dur="indefinite" restart="never" nodeType="tmRoot">
-          <p:childTnLst>
-            <p:seq concurrent="1" nextAc="seek">
-              <p:cTn id="2" dur="indefinite" nodeType="mainSeq">
-                <p:childTnLst>
-                  <p:par>
-                    <p:cTn id="3" fill="hold">
-                      <p:stCondLst>
-                        <p:cond delay="indefinite"/>
-                      </p:stCondLst>
-                      <p:childTnLst>
-                        <p:par>
-                          <p:cTn id="4" fill="hold">
-                            <p:stCondLst>
-                              <p:cond delay="0"/>
-                            </p:stCondLst>
-                            <p:childTnLst>
-                              <p:par>
-                                <p:cTn id="5" presetID="1" presetClass="entr" presetSubtype="0" fill="hold" nodeType="clickEffect">
-                                  <p:stCondLst>
-                                    <p:cond delay="0"/>
-                                  </p:stCondLst>
-                                  <p:childTnLst>
-                                    <p:set>
-                                      <p:cBhvr>
-                                        <p:cTn id="6" dur="1" fill="hold">
-                                          <p:stCondLst>
-                                            <p:cond delay="0"/>
-                                          </p:stCondLst>
-                                        </p:cTn>
-                                        <p:tgtEl>
-                                          <p:spTgt spid="3">
-                                            <p:txEl>
-                                              <p:pRg st="4" end="4"/>
-                                            </p:txEl>
-                                          </p:spTgt>
-                                        </p:tgtEl>
-                                        <p:attrNameLst>
-                                          <p:attrName>style.visibility</p:attrName>
-                                        </p:attrNameLst>
-                                      </p:cBhvr>
-                                      <p:to>
-                                        <p:strVal val="visible"/>
-                                      </p:to>
-                                    </p:set>
-                                  </p:childTnLst>
-                                </p:cTn>
-                              </p:par>
-                              <p:par>
-                                <p:cTn id="7" presetID="1" presetClass="entr" presetSubtype="0" fill="hold" grpId="0" nodeType="withEffect">
-                                  <p:stCondLst>
-                                    <p:cond delay="0"/>
-                                  </p:stCondLst>
-                                  <p:childTnLst>
-                                    <p:set>
-                                      <p:cBhvr>
-                                        <p:cTn id="8" dur="1" fill="hold">
-                                          <p:stCondLst>
-                                            <p:cond delay="0"/>
-                                          </p:stCondLst>
-                                        </p:cTn>
-                                        <p:tgtEl>
-                                          <p:spTgt spid="7"/>
-                                        </p:tgtEl>
-                                        <p:attrNameLst>
-                                          <p:attrName>style.visibility</p:attrName>
-                                        </p:attrNameLst>
-                                      </p:cBhvr>
-                                      <p:to>
-                                        <p:strVal val="visible"/>
-                                      </p:to>
-                                    </p:set>
-                                  </p:childTnLst>
-                                </p:cTn>
-                              </p:par>
-                            </p:childTnLst>
-                          </p:cTn>
-                        </p:par>
-                      </p:childTnLst>
-                    </p:cTn>
-                  </p:par>
-                </p:childTnLst>
-              </p:cTn>
-              <p:prevCondLst>
-                <p:cond evt="onPrev" delay="0">
-                  <p:tgtEl>
-                    <p:sldTgt/>
-                  </p:tgtEl>
-                </p:cond>
-              </p:prevCondLst>
-              <p:nextCondLst>
-                <p:cond evt="onNext" delay="0">
-                  <p:tgtEl>
-                    <p:sldTgt/>
-                  </p:tgtEl>
-                </p:cond>
-              </p:nextCondLst>
-            </p:seq>
-          </p:childTnLst>
-        </p:cTn>
-      </p:par>
-    </p:tnLst>
-    <p:bldLst>
-      <p:bldP spid="7" grpId="0" animBg="1"/>
-    </p:bldLst>
-  </p:timing>
-</p:sld>
-</file>
-
-<file path=ppt/slides/slide42.xml><?xml version="1.0" encoding="utf-8"?>
-<p:sld xmlns:a="http://schemas.openxmlformats.org/drawingml/2006/main" xmlns:r="http://schemas.openxmlformats.org/officeDocument/2006/relationships" xmlns:p="http://schemas.openxmlformats.org/presentationml/2006/main">
-  <p:cSld>
-    <p:spTree>
-      <p:nvGrpSpPr>
-        <p:cNvPr id="1" name=""/>
-        <p:cNvGrpSpPr/>
-        <p:nvPr/>
-      </p:nvGrpSpPr>
-      <p:grpSpPr>
-        <a:xfrm>
-          <a:off x="0" y="0"/>
-          <a:ext cx="0" cy="0"/>
-          <a:chOff x="0" y="0"/>
-          <a:chExt cx="0" cy="0"/>
-        </a:xfrm>
-      </p:grpSpPr>
-      <p:sp>
-        <p:nvSpPr>
-          <p:cNvPr id="3" name="Text Placeholder 2"/>
-          <p:cNvSpPr>
-            <a:spLocks noGrp="1"/>
-          </p:cNvSpPr>
-          <p:nvPr>
-            <p:ph type="body" sz="quarter" idx="10"/>
-          </p:nvPr>
-        </p:nvSpPr>
-        <p:spPr/>
-        <p:txBody>
-          <a:bodyPr>
-            <a:normAutofit fontScale="92500" lnSpcReduction="10000"/>
-          </a:bodyPr>
-          <a:lstStyle/>
-          <a:p>
-            <a:pPr>
-              <a:buClr>
-                <a:schemeClr val="tx1"/>
-              </a:buClr>
-            </a:pPr>
-            <a:r>
-              <a:rPr lang="bg-BG" sz="3200" b="1" dirty="0">
-                <a:solidFill>
-                  <a:schemeClr val="bg1"/>
-                </a:solidFill>
-              </a:rPr>
-              <a:t>Прочете</a:t>
-            </a:r>
-            <a:r>
-              <a:rPr lang="en-US" sz="3200" dirty="0"/>
-              <a:t> </a:t>
-            </a:r>
-            <a:r>
-              <a:rPr lang="bg-BG" sz="3200" dirty="0"/>
-              <a:t>всички редове от </a:t>
-            </a:r>
-            <a:r>
-              <a:rPr lang="bg-BG" sz="3200" b="1" dirty="0">
-                <a:solidFill>
-                  <a:schemeClr val="bg1"/>
-                </a:solidFill>
-              </a:rPr>
-              <a:t>файл</a:t>
-            </a:r>
-            <a:r>
-              <a:rPr lang="en-US" sz="3200" dirty="0"/>
-              <a:t> </a:t>
-            </a:r>
-            <a:r>
-              <a:rPr lang="bg-BG" sz="3200" dirty="0"/>
-              <a:t>и</a:t>
-            </a:r>
-            <a:r>
-              <a:rPr lang="en-US" sz="3200" dirty="0"/>
-              <a:t> </a:t>
-            </a:r>
-            <a:r>
-              <a:rPr lang="bg-BG" sz="3200" b="1" dirty="0">
-                <a:solidFill>
-                  <a:schemeClr val="bg1"/>
-                </a:solidFill>
-              </a:rPr>
-              <a:t>сумирайте</a:t>
-            </a:r>
-            <a:r>
-              <a:rPr lang="en-US" sz="3200" dirty="0"/>
-              <a:t> </a:t>
-            </a:r>
-            <a:r>
-              <a:rPr lang="bg-BG" sz="3200" b="1" dirty="0">
-                <a:solidFill>
-                  <a:schemeClr val="bg1"/>
-                </a:solidFill>
-              </a:rPr>
-              <a:t>числата</a:t>
-            </a:r>
-          </a:p>
-          <a:p>
-            <a:r>
-              <a:rPr lang="bg-BG" sz="3200" dirty="0"/>
-              <a:t>Използвайте</a:t>
-            </a:r>
-            <a:r>
-              <a:rPr lang="en-US" sz="3200" dirty="0"/>
-              <a:t> </a:t>
-            </a:r>
-            <a:r>
-              <a:rPr lang="en-US" sz="3200" b="1" dirty="0">
-                <a:solidFill>
-                  <a:schemeClr val="bg1"/>
-                </a:solidFill>
-              </a:rPr>
-              <a:t>class</a:t>
-            </a:r>
-            <a:r>
-              <a:rPr lang="en-US" sz="3200" dirty="0"/>
-              <a:t> </a:t>
-            </a:r>
-            <a:r>
-              <a:rPr lang="en-US" sz="3200" b="1" noProof="1">
-                <a:solidFill>
-                  <a:schemeClr val="bg1"/>
-                </a:solidFill>
-                <a:latin typeface="Consolas" panose="020B0609020204030204" pitchFamily="49" charset="0"/>
-              </a:rPr>
-              <a:t>MyFileReader</a:t>
-            </a:r>
-            <a:r>
-              <a:rPr lang="en-US" sz="3200" dirty="0"/>
-              <a:t> </a:t>
-            </a:r>
-          </a:p>
-          <a:p>
-            <a:r>
-              <a:rPr lang="bg-BG" sz="3200" dirty="0"/>
-              <a:t>Ако </a:t>
-            </a:r>
-            <a:r>
-              <a:rPr lang="bg-BG" sz="3200" b="1" dirty="0">
-                <a:solidFill>
-                  <a:schemeClr val="bg1"/>
-                </a:solidFill>
-              </a:rPr>
-              <a:t>пътят към файла</a:t>
-            </a:r>
-            <a:r>
-              <a:rPr lang="en-US" sz="3200" dirty="0"/>
-              <a:t> </a:t>
-            </a:r>
-            <a:r>
-              <a:rPr lang="bg-BG" sz="3200" dirty="0"/>
-              <a:t>е</a:t>
-            </a:r>
-            <a:r>
-              <a:rPr lang="en-US" sz="3200" dirty="0"/>
-              <a:t> null </a:t>
-            </a:r>
-            <a:r>
-              <a:rPr lang="bg-BG" sz="3200" dirty="0"/>
-              <a:t>или</a:t>
-            </a:r>
-            <a:r>
-              <a:rPr lang="en-US" sz="3200" dirty="0"/>
-              <a:t> </a:t>
-            </a:r>
-            <a:r>
-              <a:rPr lang="bg-BG" sz="3200" dirty="0"/>
-              <a:t>празен, хвърлете изключение </a:t>
-            </a:r>
-            <a:r>
-              <a:rPr lang="en-US" sz="3200" dirty="0"/>
-              <a:t> </a:t>
-            </a:r>
-            <a:r>
-              <a:rPr lang="bg-BG" sz="3200" dirty="0"/>
-              <a:t>(</a:t>
-            </a:r>
-            <a:r>
-              <a:rPr lang="en-US" sz="3200" b="1" noProof="1">
-                <a:solidFill>
-                  <a:schemeClr val="bg1"/>
-                </a:solidFill>
-                <a:latin typeface="Consolas" panose="020B0609020204030204" pitchFamily="49" charset="0"/>
-              </a:rPr>
-              <a:t>throw new ArgumentException</a:t>
-            </a:r>
-            <a:r>
-              <a:rPr lang="bg-BG" sz="3200" dirty="0"/>
-              <a:t>) със съобщение</a:t>
-            </a:r>
-            <a:r>
-              <a:rPr lang="en-US" sz="3200" dirty="0">
-                <a:latin typeface="Consolas" panose="020B0609020204030204" pitchFamily="49" charset="0"/>
-              </a:rPr>
-              <a:t>"Invalid Path or File Name."</a:t>
-            </a:r>
-            <a:r>
-              <a:rPr lang="en-US" sz="3200" dirty="0"/>
-              <a:t> </a:t>
-            </a:r>
-            <a:endParaRPr lang="bg-BG" sz="3200" dirty="0"/>
-          </a:p>
-          <a:p>
-            <a:r>
-              <a:rPr lang="bg-BG" sz="3200" dirty="0"/>
-              <a:t>Ако някоя стойност във файла </a:t>
-            </a:r>
-            <a:r>
-              <a:rPr lang="bg-BG" sz="3200" b="1" dirty="0">
-                <a:solidFill>
-                  <a:schemeClr val="bg1"/>
-                </a:solidFill>
-              </a:rPr>
-              <a:t>не може да се конвертира,</a:t>
-            </a:r>
-            <a:r>
-              <a:rPr lang="en-US" sz="3200" dirty="0"/>
-              <a:t> </a:t>
-            </a:r>
-            <a:r>
-              <a:rPr lang="bg-BG" sz="3200" dirty="0"/>
-              <a:t>хвърлете изключение (</a:t>
-            </a:r>
-            <a:r>
-              <a:rPr lang="en-US" sz="3200" b="1" noProof="1">
-                <a:solidFill>
-                  <a:schemeClr val="bg1"/>
-                </a:solidFill>
-                <a:latin typeface="Consolas" panose="020B0609020204030204" pitchFamily="49" charset="0"/>
-              </a:rPr>
-              <a:t>throw</a:t>
-            </a:r>
-            <a:r>
-              <a:rPr lang="en-US" sz="3200" b="1" noProof="1">
-                <a:latin typeface="Consolas" panose="020B0609020204030204" pitchFamily="49" charset="0"/>
-              </a:rPr>
-              <a:t> </a:t>
-            </a:r>
-            <a:r>
-              <a:rPr lang="en-US" sz="3200" b="1" noProof="1">
-                <a:solidFill>
-                  <a:schemeClr val="bg1"/>
-                </a:solidFill>
-                <a:latin typeface="Consolas" panose="020B0609020204030204" pitchFamily="49" charset="0"/>
-              </a:rPr>
-              <a:t>new</a:t>
-            </a:r>
-            <a:r>
-              <a:rPr lang="en-US" sz="3200" b="1" noProof="1">
-                <a:latin typeface="Consolas" panose="020B0609020204030204" pitchFamily="49" charset="0"/>
-              </a:rPr>
-              <a:t> </a:t>
-            </a:r>
-            <a:r>
-              <a:rPr lang="en-US" sz="3200" b="1" noProof="1">
-                <a:solidFill>
-                  <a:schemeClr val="bg1"/>
-                </a:solidFill>
-                <a:latin typeface="Consolas" panose="020B0609020204030204" pitchFamily="49" charset="0"/>
-              </a:rPr>
-              <a:t>ArgumentException</a:t>
-            </a:r>
-            <a:r>
-              <a:rPr lang="bg-BG" sz="3200" dirty="0"/>
-              <a:t>)</a:t>
-            </a:r>
-            <a:r>
-              <a:rPr lang="en-US" sz="3200" dirty="0"/>
-              <a:t> </a:t>
-            </a:r>
-            <a:r>
-              <a:rPr lang="bg-BG" sz="3200" dirty="0"/>
-              <a:t>със съобщение </a:t>
-            </a:r>
-            <a:r>
-              <a:rPr lang="en-US" sz="3200" dirty="0">
-                <a:latin typeface="Consolas" panose="020B0609020204030204" pitchFamily="49" charset="0"/>
-              </a:rPr>
-              <a:t>"Error: On the line {line number} of the file the value was not in the correct format." </a:t>
-            </a:r>
-          </a:p>
-          <a:p>
-            <a:r>
-              <a:rPr lang="bg-BG" sz="3200" dirty="0"/>
-              <a:t>Ако всичко е </a:t>
-            </a:r>
-            <a:r>
-              <a:rPr lang="bg-BG" sz="3200" b="1" dirty="0">
-                <a:solidFill>
-                  <a:schemeClr val="bg1"/>
-                </a:solidFill>
-              </a:rPr>
-              <a:t>успешно</a:t>
-            </a:r>
-            <a:r>
-              <a:rPr lang="en-US" sz="3200" dirty="0"/>
-              <a:t>, </a:t>
-            </a:r>
-            <a:r>
-              <a:rPr lang="bg-BG" sz="3200" b="1" dirty="0">
-                <a:solidFill>
-                  <a:schemeClr val="bg1"/>
-                </a:solidFill>
-              </a:rPr>
-              <a:t>отпечатайте</a:t>
-            </a:r>
-            <a:r>
-              <a:rPr lang="en-US" sz="3200" dirty="0"/>
-              <a:t>: </a:t>
-            </a:r>
-            <a:r>
-              <a:rPr lang="en-US" sz="3200" dirty="0">
-                <a:latin typeface="Consolas" panose="020B0609020204030204" pitchFamily="49" charset="0"/>
-              </a:rPr>
-              <a:t>"The sum of all correct numbers is: {numbers sum}"</a:t>
-            </a:r>
-          </a:p>
-        </p:txBody>
-      </p:sp>
-      <p:sp>
-        <p:nvSpPr>
-          <p:cNvPr id="4" name="Title 3"/>
-          <p:cNvSpPr>
-            <a:spLocks noGrp="1"/>
-          </p:cNvSpPr>
-          <p:nvPr>
-            <p:ph type="title"/>
-          </p:nvPr>
-        </p:nvSpPr>
-        <p:spPr/>
-        <p:txBody>
-          <a:bodyPr/>
-          <a:lstStyle/>
-          <a:p>
-            <a:r>
-              <a:rPr lang="bg-BG" sz="4000" dirty="0"/>
-              <a:t>Задача</a:t>
-            </a:r>
-            <a:r>
-              <a:rPr lang="en-US" sz="4000" dirty="0"/>
-              <a:t>: </a:t>
-            </a:r>
-            <a:r>
-              <a:rPr lang="bg-BG" sz="4000" dirty="0"/>
-              <a:t>Следа от изключения</a:t>
-            </a:r>
-            <a:endParaRPr lang="en-US" dirty="0"/>
-          </a:p>
-        </p:txBody>
-      </p:sp>
-      <p:sp>
-        <p:nvSpPr>
-          <p:cNvPr id="5" name="Slide Number">
-            <a:extLst>
-              <a:ext uri="{FF2B5EF4-FFF2-40B4-BE49-F238E27FC236}">
-                <a16:creationId xmlns:a16="http://schemas.microsoft.com/office/drawing/2014/main" id="{F5FD7408-E9AD-4CEC-A517-AA761AD7A51D}"/>
-              </a:ext>
-            </a:extLst>
-          </p:cNvPr>
-          <p:cNvSpPr>
-            <a:spLocks noGrp="1"/>
-          </p:cNvSpPr>
-          <p:nvPr>
-            <p:ph type="sldNum" sz="quarter" idx="5"/>
-          </p:nvPr>
-        </p:nvSpPr>
-        <p:spPr>
-          <a:xfrm>
-            <a:off x="11753030" y="6507000"/>
-            <a:ext cx="367414" cy="297000"/>
-          </a:xfrm>
-          <a:prstGeom prst="rect">
-            <a:avLst/>
-          </a:prstGeom>
-        </p:spPr>
-        <p:txBody>
-          <a:bodyPr vert="horz" lIns="91440" tIns="45720" rIns="91440" bIns="45720" rtlCol="0" anchor="b"/>
-          <a:lstStyle>
-            <a:lvl1pPr algn="r">
-              <a:defRPr sz="1000"/>
-            </a:lvl1pPr>
-          </a:lstStyle>
-          <a:p>
-            <a:fld id="{2BF067CD-8E6B-4360-9AA8-C5DF2A48A6D1}" type="slidenum">
-              <a:rPr lang="en-US" noProof="0" smtClean="0"/>
-              <a:pPr/>
-              <a:t>42</a:t>
-            </a:fld>
-            <a:endParaRPr lang="en-US" noProof="0" dirty="0"/>
-          </a:p>
-        </p:txBody>
-      </p:sp>
-    </p:spTree>
-    <p:extLst>
-      <p:ext uri="{BB962C8B-B14F-4D97-AF65-F5344CB8AC3E}">
-        <p14:creationId xmlns:p14="http://schemas.microsoft.com/office/powerpoint/2010/main" val="593937631"/>
-      </p:ext>
-    </p:extLst>
-  </p:cSld>
-  <p:clrMapOvr>
-    <a:masterClrMapping/>
-  </p:clrMapOvr>
-  <mc:AlternateContent xmlns:mc="http://schemas.openxmlformats.org/markup-compatibility/2006" xmlns:p14="http://schemas.microsoft.com/office/powerpoint/2010/main">
-    <mc:Choice Requires="p14">
-      <p:transition spd="slow" p14:dur="2000" advClick="0" advTm="5000"/>
-    </mc:Choice>
-    <mc:Fallback xmlns="">
-      <p:transition spd="slow" advClick="0" advTm="5000"/>
-    </mc:Fallback>
-  </mc:AlternateContent>
-  <p:timing>
-    <p:tnLst>
-      <p:par>
-        <p:cTn id="1" dur="indefinite" restart="never" nodeType="tmRoot">
-          <p:childTnLst>
-            <p:seq concurrent="1" nextAc="seek">
-              <p:cTn id="2" dur="indefinite" nodeType="mainSeq">
-                <p:childTnLst>
-                  <p:par>
-                    <p:cTn id="3" fill="hold">
-                      <p:stCondLst>
-                        <p:cond delay="indefinite"/>
-                      </p:stCondLst>
-                      <p:childTnLst>
-                        <p:par>
-                          <p:cTn id="4" fill="hold">
-                            <p:stCondLst>
-                              <p:cond delay="0"/>
-                            </p:stCondLst>
-                            <p:childTnLst>
-                              <p:par>
-                                <p:cTn id="5" presetID="1" presetClass="entr" presetSubtype="0" fill="hold" nodeType="clickEffect">
-                                  <p:stCondLst>
-                                    <p:cond delay="0"/>
-                                  </p:stCondLst>
-                                  <p:childTnLst>
-                                    <p:set>
-                                      <p:cBhvr>
-                                        <p:cTn id="6" dur="1" fill="hold">
-                                          <p:stCondLst>
-                                            <p:cond delay="0"/>
-                                          </p:stCondLst>
-                                        </p:cTn>
-                                        <p:tgtEl>
-                                          <p:spTgt spid="3">
-                                            <p:txEl>
-                                              <p:pRg st="2" end="2"/>
-                                            </p:txEl>
-                                          </p:spTgt>
-                                        </p:tgtEl>
-                                        <p:attrNameLst>
-                                          <p:attrName>style.visibility</p:attrName>
-                                        </p:attrNameLst>
-                                      </p:cBhvr>
-                                      <p:to>
-                                        <p:strVal val="visible"/>
-                                      </p:to>
-                                    </p:set>
-                                  </p:childTnLst>
-                                </p:cTn>
-                              </p:par>
-                            </p:childTnLst>
-                          </p:cTn>
-                        </p:par>
-                      </p:childTnLst>
-                    </p:cTn>
-                  </p:par>
-                  <p:par>
-                    <p:cTn id="7" fill="hold">
-                      <p:stCondLst>
-                        <p:cond delay="indefinite"/>
-                      </p:stCondLst>
-                      <p:childTnLst>
-                        <p:par>
-                          <p:cTn id="8" fill="hold">
-                            <p:stCondLst>
-                              <p:cond delay="0"/>
-                            </p:stCondLst>
-                            <p:childTnLst>
-                              <p:par>
-                                <p:cTn id="9" presetID="1" presetClass="entr" presetSubtype="0" fill="hold" nodeType="clickEffect">
-                                  <p:stCondLst>
-                                    <p:cond delay="0"/>
-                                  </p:stCondLst>
-                                  <p:childTnLst>
-                                    <p:set>
-                                      <p:cBhvr>
-                                        <p:cTn id="10" dur="1" fill="hold">
-                                          <p:stCondLst>
-                                            <p:cond delay="0"/>
-                                          </p:stCondLst>
-                                        </p:cTn>
-                                        <p:tgtEl>
-                                          <p:spTgt spid="3">
-                                            <p:txEl>
-                                              <p:pRg st="3" end="3"/>
-                                            </p:txEl>
-                                          </p:spTgt>
-                                        </p:tgtEl>
-                                        <p:attrNameLst>
-                                          <p:attrName>style.visibility</p:attrName>
-                                        </p:attrNameLst>
-                                      </p:cBhvr>
-                                      <p:to>
-                                        <p:strVal val="visible"/>
-                                      </p:to>
-                                    </p:set>
-                                  </p:childTnLst>
-                                </p:cTn>
-                              </p:par>
-                            </p:childTnLst>
-                          </p:cTn>
-                        </p:par>
-                      </p:childTnLst>
-                    </p:cTn>
-                  </p:par>
-                  <p:par>
-                    <p:cTn id="11" fill="hold">
-                      <p:stCondLst>
-                        <p:cond delay="indefinite"/>
-                      </p:stCondLst>
-                      <p:childTnLst>
-                        <p:par>
-                          <p:cTn id="12" fill="hold">
-                            <p:stCondLst>
-                              <p:cond delay="0"/>
-                            </p:stCondLst>
-                            <p:childTnLst>
-                              <p:par>
-                                <p:cTn id="13" presetID="1" presetClass="entr" presetSubtype="0" fill="hold" nodeType="clickEffect">
-                                  <p:stCondLst>
-                                    <p:cond delay="0"/>
-                                  </p:stCondLst>
-                                  <p:childTnLst>
-                                    <p:set>
-                                      <p:cBhvr>
-                                        <p:cTn id="14" dur="1" fill="hold">
-                                          <p:stCondLst>
-                                            <p:cond delay="0"/>
-                                          </p:stCondLst>
-                                        </p:cTn>
-                                        <p:tgtEl>
-                                          <p:spTgt spid="3">
-                                            <p:txEl>
-                                              <p:pRg st="4" end="4"/>
-                                            </p:txEl>
-                                          </p:spTgt>
-                                        </p:tgtEl>
-                                        <p:attrNameLst>
-                                          <p:attrName>style.visibility</p:attrName>
-                                        </p:attrNameLst>
-                                      </p:cBhvr>
-                                      <p:to>
-                                        <p:strVal val="visible"/>
-                                      </p:to>
-                                    </p:set>
-                                  </p:childTnLst>
-                                </p:cTn>
-                              </p:par>
-                            </p:childTnLst>
-                          </p:cTn>
-                        </p:par>
-                      </p:childTnLst>
-                    </p:cTn>
-                  </p:par>
-                </p:childTnLst>
-              </p:cTn>
-              <p:prevCondLst>
-                <p:cond evt="onPrev" delay="0">
-                  <p:tgtEl>
-                    <p:sldTgt/>
-                  </p:tgtEl>
-                </p:cond>
-              </p:prevCondLst>
-              <p:nextCondLst>
-                <p:cond evt="onNext" delay="0">
-                  <p:tgtEl>
-                    <p:sldTgt/>
-                  </p:tgtEl>
-                </p:cond>
-              </p:nextCondLst>
-            </p:seq>
-          </p:childTnLst>
-        </p:cTn>
-      </p:par>
-    </p:tnLst>
-  </p:timing>
-</p:sld>
-</file>
-
-<file path=ppt/slides/slide43.xml><?xml version="1.0" encoding="utf-8"?>
-<p:sld xmlns:a="http://schemas.openxmlformats.org/drawingml/2006/main" xmlns:r="http://schemas.openxmlformats.org/officeDocument/2006/relationships" xmlns:p="http://schemas.openxmlformats.org/presentationml/2006/main">
-  <p:cSld>
-    <p:spTree>
-      <p:nvGrpSpPr>
-        <p:cNvPr id="1" name=""/>
-        <p:cNvGrpSpPr/>
-        <p:nvPr/>
-      </p:nvGrpSpPr>
-      <p:grpSpPr>
-        <a:xfrm>
-          <a:off x="0" y="0"/>
-          <a:ext cx="0" cy="0"/>
-          <a:chOff x="0" y="0"/>
-          <a:chExt cx="0" cy="0"/>
-        </a:xfrm>
-      </p:grpSpPr>
-      <p:sp>
-        <p:nvSpPr>
-          <p:cNvPr id="4" name="Title 3"/>
-          <p:cNvSpPr>
-            <a:spLocks noGrp="1"/>
-          </p:cNvSpPr>
-          <p:nvPr>
-            <p:ph type="title"/>
-          </p:nvPr>
-        </p:nvSpPr>
-        <p:spPr/>
-        <p:txBody>
-          <a:bodyPr/>
-          <a:lstStyle/>
-          <a:p>
-            <a:r>
-              <a:rPr lang="bg-BG" sz="4000" dirty="0"/>
-              <a:t>Решение</a:t>
-            </a:r>
-            <a:r>
-              <a:rPr lang="en-US" sz="4000" dirty="0"/>
-              <a:t>: </a:t>
-            </a:r>
-            <a:r>
-              <a:rPr lang="bg-BG" sz="4000" dirty="0"/>
-              <a:t>Следа от изключения</a:t>
-            </a:r>
-            <a:r>
-              <a:rPr lang="en-US" sz="4000" dirty="0"/>
-              <a:t>(1)</a:t>
-            </a:r>
-            <a:endParaRPr lang="en-US" dirty="0"/>
-          </a:p>
-        </p:txBody>
-      </p:sp>
-      <p:sp>
-        <p:nvSpPr>
-          <p:cNvPr id="5" name="Rectangle 4"/>
-          <p:cNvSpPr>
-            <a:spLocks noChangeArrowheads="1"/>
-          </p:cNvSpPr>
-          <p:nvPr/>
-        </p:nvSpPr>
-        <p:spPr bwMode="auto">
-          <a:xfrm>
-            <a:off x="220472" y="1143024"/>
-            <a:ext cx="11770528" cy="5480976"/>
-          </a:xfrm>
-          <a:prstGeom prst="rect">
-            <a:avLst/>
-          </a:prstGeom>
-          <a:solidFill>
-            <a:schemeClr val="accent6">
-              <a:lumMod val="75000"/>
-              <a:alpha val="15000"/>
-            </a:schemeClr>
-          </a:solidFill>
-          <a:ln w="12700">
-            <a:solidFill>
-              <a:schemeClr val="tx1">
-                <a:lumMod val="50000"/>
-              </a:schemeClr>
-            </a:solidFill>
-          </a:ln>
-        </p:spPr>
-        <p:txBody>
-          <a:bodyPr vert="horz" wrap="square" lIns="143926" tIns="107944" rIns="143926" bIns="107944" rtlCol="0">
-            <a:spAutoFit/>
-          </a:bodyPr>
-          <a:lstStyle/>
-          <a:p>
-            <a:pPr indent="-456641" defTabSz="1218072" latinLnBrk="1">
-              <a:lnSpc>
-                <a:spcPct val="90000"/>
-              </a:lnSpc>
-            </a:pPr>
-            <a:r>
-              <a:rPr lang="en-US" sz="2400" b="1" noProof="1">
-                <a:latin typeface="Consolas" pitchFamily="49" charset="0"/>
-                <a:cs typeface="Consolas" pitchFamily="49" charset="0"/>
-              </a:rPr>
-              <a:t>public class MyFileReader {</a:t>
-            </a:r>
-          </a:p>
-          <a:p>
-            <a:pPr indent="-456641" defTabSz="1218072" latinLnBrk="1">
-              <a:lnSpc>
-                <a:spcPct val="90000"/>
-              </a:lnSpc>
-            </a:pPr>
-            <a:endParaRPr lang="en-US" sz="1000" b="1" noProof="1">
-              <a:latin typeface="Consolas" pitchFamily="49" charset="0"/>
-              <a:cs typeface="Consolas" pitchFamily="49" charset="0"/>
-            </a:endParaRPr>
-          </a:p>
-          <a:p>
-            <a:pPr indent="-456641" defTabSz="1218072" latinLnBrk="1">
-              <a:lnSpc>
-                <a:spcPct val="90000"/>
-              </a:lnSpc>
-            </a:pPr>
-            <a:r>
-              <a:rPr lang="en-US" sz="2400" b="1" noProof="1">
-                <a:latin typeface="Consolas" pitchFamily="49" charset="0"/>
-                <a:cs typeface="Consolas" pitchFamily="49" charset="0"/>
-              </a:rPr>
-              <a:t>  private string path;</a:t>
-            </a:r>
-            <a:endParaRPr lang="en-US" sz="1000" b="1" noProof="1">
-              <a:latin typeface="Consolas" pitchFamily="49" charset="0"/>
-              <a:cs typeface="Consolas" pitchFamily="49" charset="0"/>
-            </a:endParaRPr>
-          </a:p>
-          <a:p>
-            <a:pPr indent="-456641" defTabSz="1218072" latinLnBrk="1">
-              <a:lnSpc>
-                <a:spcPct val="90000"/>
-              </a:lnSpc>
-            </a:pPr>
-            <a:r>
-              <a:rPr lang="en-US" sz="2400" b="1" noProof="1">
-                <a:latin typeface="Consolas" pitchFamily="49" charset="0"/>
-                <a:cs typeface="Consolas" pitchFamily="49" charset="0"/>
-              </a:rPr>
-              <a:t>  public MyFileReader(string path)</a:t>
-            </a:r>
-          </a:p>
-          <a:p>
-            <a:pPr indent="-456641" defTabSz="1218072" latinLnBrk="1">
-              <a:lnSpc>
-                <a:spcPct val="90000"/>
-              </a:lnSpc>
-            </a:pPr>
-            <a:r>
-              <a:rPr lang="en-US" sz="2400" b="1" noProof="1">
-                <a:latin typeface="Consolas" pitchFamily="49" charset="0"/>
-                <a:cs typeface="Consolas" pitchFamily="49" charset="0"/>
-              </a:rPr>
-              <a:t>  {</a:t>
-            </a:r>
-          </a:p>
-          <a:p>
-            <a:pPr indent="-456641" defTabSz="1218072" latinLnBrk="1">
-              <a:lnSpc>
-                <a:spcPct val="90000"/>
-              </a:lnSpc>
-            </a:pPr>
-            <a:r>
-              <a:rPr lang="en-US" sz="2400" b="1" noProof="1">
-                <a:latin typeface="Consolas" pitchFamily="49" charset="0"/>
-                <a:cs typeface="Consolas" pitchFamily="49" charset="0"/>
-              </a:rPr>
-              <a:t>    this.Path = path;</a:t>
-            </a:r>
-          </a:p>
-          <a:p>
-            <a:pPr indent="-456641" defTabSz="1218072" latinLnBrk="1">
-              <a:lnSpc>
-                <a:spcPct val="90000"/>
-              </a:lnSpc>
-            </a:pPr>
-            <a:r>
-              <a:rPr lang="en-US" sz="2400" b="1" noProof="1">
-                <a:latin typeface="Consolas" pitchFamily="49" charset="0"/>
-                <a:cs typeface="Consolas" pitchFamily="49" charset="0"/>
-              </a:rPr>
-              <a:t>  }</a:t>
-            </a:r>
-          </a:p>
-          <a:p>
-            <a:pPr indent="-456641" defTabSz="1218072" latinLnBrk="1">
-              <a:lnSpc>
-                <a:spcPct val="90000"/>
-              </a:lnSpc>
-            </a:pPr>
-            <a:endParaRPr lang="en-US" sz="1000" b="1" noProof="1">
-              <a:latin typeface="Consolas" pitchFamily="49" charset="0"/>
-              <a:cs typeface="Consolas" pitchFamily="49" charset="0"/>
-            </a:endParaRPr>
-          </a:p>
-          <a:p>
-            <a:pPr indent="-456641" defTabSz="1218072" latinLnBrk="1">
-              <a:lnSpc>
-                <a:spcPct val="90000"/>
-              </a:lnSpc>
-            </a:pPr>
-            <a:r>
-              <a:rPr lang="en-US" sz="2400" b="1" noProof="1">
-                <a:latin typeface="Consolas" pitchFamily="49" charset="0"/>
-                <a:cs typeface="Consolas" pitchFamily="49" charset="0"/>
-              </a:rPr>
-              <a:t>  public string Path</a:t>
-            </a:r>
-          </a:p>
-          <a:p>
-            <a:pPr indent="-456641" defTabSz="1218072" latinLnBrk="1">
-              <a:lnSpc>
-                <a:spcPct val="90000"/>
-              </a:lnSpc>
-            </a:pPr>
-            <a:r>
-              <a:rPr lang="en-US" sz="2400" b="1" noProof="1">
-                <a:latin typeface="Consolas" pitchFamily="49" charset="0"/>
-                <a:cs typeface="Consolas" pitchFamily="49" charset="0"/>
-              </a:rPr>
-              <a:t>  {</a:t>
-            </a:r>
-          </a:p>
-          <a:p>
-            <a:pPr indent="-456641" defTabSz="1218072" latinLnBrk="1">
-              <a:lnSpc>
-                <a:spcPct val="90000"/>
-              </a:lnSpc>
-            </a:pPr>
-            <a:r>
-              <a:rPr lang="en-US" sz="2400" b="1" noProof="1">
-                <a:latin typeface="Consolas" pitchFamily="49" charset="0"/>
-                <a:cs typeface="Consolas" pitchFamily="49" charset="0"/>
-              </a:rPr>
-              <a:t>    get { return path; }</a:t>
-            </a:r>
-          </a:p>
-          <a:p>
-            <a:pPr indent="-456641" defTabSz="1218072" latinLnBrk="1">
-              <a:lnSpc>
-                <a:spcPct val="90000"/>
-              </a:lnSpc>
-            </a:pPr>
-            <a:r>
-              <a:rPr lang="en-US" sz="2400" b="1" noProof="1">
-                <a:latin typeface="Consolas" pitchFamily="49" charset="0"/>
-                <a:cs typeface="Consolas" pitchFamily="49" charset="0"/>
-              </a:rPr>
-              <a:t>    set {</a:t>
-            </a:r>
-          </a:p>
-          <a:p>
-            <a:pPr indent="-456641" defTabSz="1218072" latinLnBrk="1">
-              <a:lnSpc>
-                <a:spcPct val="90000"/>
-              </a:lnSpc>
-            </a:pPr>
-            <a:r>
-              <a:rPr lang="en-US" sz="2400" b="1" noProof="1">
-                <a:latin typeface="Consolas" pitchFamily="49" charset="0"/>
-                <a:cs typeface="Consolas" pitchFamily="49" charset="0"/>
-              </a:rPr>
-              <a:t>      if (string.IsNullOrEmpty(value)) {</a:t>
-            </a:r>
-          </a:p>
-          <a:p>
-            <a:pPr indent="-456641" defTabSz="1218072" latinLnBrk="1">
-              <a:lnSpc>
-                <a:spcPct val="90000"/>
-              </a:lnSpc>
-            </a:pPr>
-            <a:r>
-              <a:rPr lang="en-US" sz="2400" b="1" noProof="1">
-                <a:latin typeface="Consolas" pitchFamily="49" charset="0"/>
-                <a:cs typeface="Consolas" pitchFamily="49" charset="0"/>
-              </a:rPr>
-              <a:t>        throw new ArgumentException("Invalid Path or File Name."); }</a:t>
-            </a:r>
-          </a:p>
-          <a:p>
-            <a:pPr indent="-456641" defTabSz="1218072" latinLnBrk="1">
-              <a:lnSpc>
-                <a:spcPct val="90000"/>
-              </a:lnSpc>
-            </a:pPr>
-            <a:r>
-              <a:rPr lang="en-US" sz="2400" b="1" noProof="1">
-                <a:latin typeface="Consolas" pitchFamily="49" charset="0"/>
-                <a:cs typeface="Consolas" pitchFamily="49" charset="0"/>
-              </a:rPr>
-              <a:t>      path = value;</a:t>
-            </a:r>
-          </a:p>
-          <a:p>
-            <a:pPr indent="-456641" defTabSz="1218072" latinLnBrk="1">
-              <a:lnSpc>
-                <a:spcPct val="90000"/>
-              </a:lnSpc>
-            </a:pPr>
-            <a:r>
-              <a:rPr lang="en-US" sz="2400" b="1" noProof="1">
-                <a:latin typeface="Consolas" pitchFamily="49" charset="0"/>
-                <a:cs typeface="Consolas" pitchFamily="49" charset="0"/>
-              </a:rPr>
-              <a:t>    }</a:t>
-            </a:r>
-          </a:p>
-          <a:p>
-            <a:pPr indent="-456641" defTabSz="1218072" latinLnBrk="1">
-              <a:lnSpc>
-                <a:spcPct val="90000"/>
-              </a:lnSpc>
-            </a:pPr>
-            <a:r>
-              <a:rPr lang="en-US" sz="2400" b="1" noProof="1">
-                <a:latin typeface="Consolas" pitchFamily="49" charset="0"/>
-                <a:cs typeface="Consolas" pitchFamily="49" charset="0"/>
-              </a:rPr>
-              <a:t>  }</a:t>
-            </a:r>
-          </a:p>
-        </p:txBody>
-      </p:sp>
-      <p:sp>
-        <p:nvSpPr>
-          <p:cNvPr id="7" name="Slide Number">
-            <a:extLst>
-              <a:ext uri="{FF2B5EF4-FFF2-40B4-BE49-F238E27FC236}">
-                <a16:creationId xmlns:a16="http://schemas.microsoft.com/office/drawing/2014/main" id="{915A7463-3400-44EC-B71F-1A04998BF5DA}"/>
-              </a:ext>
-            </a:extLst>
-          </p:cNvPr>
-          <p:cNvSpPr>
-            <a:spLocks noGrp="1"/>
-          </p:cNvSpPr>
-          <p:nvPr>
-            <p:ph type="sldNum" sz="quarter" idx="5"/>
-          </p:nvPr>
-        </p:nvSpPr>
-        <p:spPr>
-          <a:xfrm>
-            <a:off x="11753030" y="6507000"/>
-            <a:ext cx="367414" cy="297000"/>
-          </a:xfrm>
-          <a:prstGeom prst="rect">
-            <a:avLst/>
-          </a:prstGeom>
-        </p:spPr>
-        <p:txBody>
-          <a:bodyPr vert="horz" lIns="91440" tIns="45720" rIns="91440" bIns="45720" rtlCol="0" anchor="b"/>
-          <a:lstStyle>
-            <a:lvl1pPr algn="r">
-              <a:defRPr sz="1000"/>
-            </a:lvl1pPr>
-          </a:lstStyle>
-          <a:p>
-            <a:fld id="{2BF067CD-8E6B-4360-9AA8-C5DF2A48A6D1}" type="slidenum">
-              <a:rPr lang="en-US" noProof="0" smtClean="0"/>
-              <a:pPr/>
-              <a:t>43</a:t>
-            </a:fld>
-            <a:endParaRPr lang="en-US" noProof="0" dirty="0"/>
-          </a:p>
-        </p:txBody>
-      </p:sp>
-    </p:spTree>
-    <p:extLst>
-      <p:ext uri="{BB962C8B-B14F-4D97-AF65-F5344CB8AC3E}">
-        <p14:creationId xmlns:p14="http://schemas.microsoft.com/office/powerpoint/2010/main" val="4128386583"/>
-      </p:ext>
-    </p:extLst>
-  </p:cSld>
-  <p:clrMapOvr>
-    <a:masterClrMapping/>
-  </p:clrMapOvr>
-  <mc:AlternateContent xmlns:mc="http://schemas.openxmlformats.org/markup-compatibility/2006" xmlns:p14="http://schemas.microsoft.com/office/powerpoint/2010/main">
-    <mc:Choice Requires="p14">
-      <p:transition spd="slow" p14:dur="2000" advClick="0" advTm="5000"/>
-    </mc:Choice>
-    <mc:Fallback xmlns="">
-      <p:transition spd="slow" advClick="0" advTm="5000"/>
-    </mc:Fallback>
-  </mc:AlternateContent>
-</p:sld>
-</file>
-
-<file path=ppt/slides/slide44.xml><?xml version="1.0" encoding="utf-8"?>
-<p:sld xmlns:a="http://schemas.openxmlformats.org/drawingml/2006/main" xmlns:r="http://schemas.openxmlformats.org/officeDocument/2006/relationships" xmlns:p="http://schemas.openxmlformats.org/presentationml/2006/main">
-  <p:cSld>
-    <p:spTree>
-      <p:nvGrpSpPr>
-        <p:cNvPr id="1" name=""/>
-        <p:cNvGrpSpPr/>
-        <p:nvPr/>
-      </p:nvGrpSpPr>
-      <p:grpSpPr>
-        <a:xfrm>
-          <a:off x="0" y="0"/>
-          <a:ext cx="0" cy="0"/>
-          <a:chOff x="0" y="0"/>
-          <a:chExt cx="0" cy="0"/>
-        </a:xfrm>
-      </p:grpSpPr>
-      <p:sp>
-        <p:nvSpPr>
-          <p:cNvPr id="4" name="Title 3"/>
-          <p:cNvSpPr>
-            <a:spLocks noGrp="1"/>
-          </p:cNvSpPr>
-          <p:nvPr>
-            <p:ph type="title"/>
-          </p:nvPr>
-        </p:nvSpPr>
-        <p:spPr/>
-        <p:txBody>
-          <a:bodyPr/>
-          <a:lstStyle/>
-          <a:p>
-            <a:r>
-              <a:rPr lang="bg-BG" sz="4000" dirty="0"/>
-              <a:t>Решение</a:t>
-            </a:r>
-            <a:r>
-              <a:rPr lang="en-US" sz="4000" dirty="0"/>
-              <a:t>: </a:t>
-            </a:r>
-            <a:r>
-              <a:rPr lang="bg-BG" sz="4000" dirty="0"/>
-              <a:t>Следа от изключения </a:t>
-            </a:r>
-            <a:r>
-              <a:rPr lang="en-US" sz="4000" dirty="0"/>
-              <a:t>(2)</a:t>
-            </a:r>
-            <a:endParaRPr lang="en-US" dirty="0"/>
-          </a:p>
-        </p:txBody>
-      </p:sp>
-      <p:sp>
-        <p:nvSpPr>
-          <p:cNvPr id="5" name="Rectangle 4"/>
-          <p:cNvSpPr>
-            <a:spLocks noChangeArrowheads="1"/>
-          </p:cNvSpPr>
-          <p:nvPr/>
-        </p:nvSpPr>
-        <p:spPr bwMode="auto">
-          <a:xfrm>
-            <a:off x="111000" y="1134000"/>
-            <a:ext cx="11925000" cy="5287076"/>
-          </a:xfrm>
-          <a:prstGeom prst="rect">
-            <a:avLst/>
-          </a:prstGeom>
-          <a:solidFill>
-            <a:schemeClr val="accent6">
-              <a:lumMod val="75000"/>
-              <a:alpha val="15000"/>
-            </a:schemeClr>
-          </a:solidFill>
-          <a:ln w="12700">
-            <a:solidFill>
-              <a:schemeClr val="tx1">
-                <a:lumMod val="50000"/>
-              </a:schemeClr>
-            </a:solidFill>
-          </a:ln>
-        </p:spPr>
-        <p:txBody>
-          <a:bodyPr vert="horz" wrap="square" lIns="143926" tIns="107944" rIns="143926" bIns="107944" rtlCol="0">
-            <a:spAutoFit/>
-          </a:bodyPr>
-          <a:lstStyle/>
-          <a:p>
-            <a:pPr indent="-456641" defTabSz="1218072" latinLnBrk="1">
-              <a:lnSpc>
-                <a:spcPct val="90000"/>
-              </a:lnSpc>
-            </a:pPr>
-            <a:r>
-              <a:rPr lang="en-US" sz="2400" b="1" noProof="1">
-                <a:latin typeface="Consolas" pitchFamily="49" charset="0"/>
-                <a:cs typeface="Consolas" pitchFamily="49" charset="0"/>
-              </a:rPr>
-              <a:t>  public void ReadAndSum() {</a:t>
-            </a:r>
-          </a:p>
-          <a:p>
-            <a:pPr indent="-456641" defTabSz="1218072" latinLnBrk="1">
-              <a:lnSpc>
-                <a:spcPct val="90000"/>
-              </a:lnSpc>
-            </a:pPr>
-            <a:r>
-              <a:rPr lang="en-US" sz="2400" b="1" noProof="1">
-                <a:latin typeface="Consolas" pitchFamily="49" charset="0"/>
-                <a:cs typeface="Consolas" pitchFamily="49" charset="0"/>
-              </a:rPr>
-              <a:t>    string[] inputFromFile = File.ReadAllLines(this.Path);</a:t>
-            </a:r>
-          </a:p>
-          <a:p>
-            <a:pPr indent="-456641" defTabSz="1218072" latinLnBrk="1">
-              <a:lnSpc>
-                <a:spcPct val="90000"/>
-              </a:lnSpc>
-            </a:pPr>
-            <a:endParaRPr lang="en-US" sz="1100" b="1" noProof="1">
-              <a:latin typeface="Consolas" pitchFamily="49" charset="0"/>
-              <a:cs typeface="Consolas" pitchFamily="49" charset="0"/>
-            </a:endParaRPr>
-          </a:p>
-          <a:p>
-            <a:pPr indent="-456641" defTabSz="1218072" latinLnBrk="1">
-              <a:lnSpc>
-                <a:spcPct val="90000"/>
-              </a:lnSpc>
-            </a:pPr>
-            <a:r>
-              <a:rPr lang="en-US" sz="2400" b="1" noProof="1">
-                <a:latin typeface="Consolas" pitchFamily="49" charset="0"/>
-                <a:cs typeface="Consolas" pitchFamily="49" charset="0"/>
-              </a:rPr>
-              <a:t>    List&lt;int&gt; numbers = new List&lt;int&gt;();</a:t>
-            </a:r>
-            <a:endParaRPr lang="en-US" sz="1100" b="1" noProof="1">
-              <a:latin typeface="Consolas" pitchFamily="49" charset="0"/>
-              <a:cs typeface="Consolas" pitchFamily="49" charset="0"/>
-            </a:endParaRPr>
-          </a:p>
-          <a:p>
-            <a:pPr indent="-456641" defTabSz="1218072" latinLnBrk="1">
-              <a:lnSpc>
-                <a:spcPct val="90000"/>
-              </a:lnSpc>
-            </a:pPr>
-            <a:r>
-              <a:rPr lang="en-US" sz="2400" b="1" noProof="1">
-                <a:latin typeface="Consolas" pitchFamily="49" charset="0"/>
-                <a:cs typeface="Consolas" pitchFamily="49" charset="0"/>
-              </a:rPr>
-              <a:t>    int countRow = 0;</a:t>
-            </a:r>
-          </a:p>
-          <a:p>
-            <a:pPr indent="-456641" defTabSz="1218072" latinLnBrk="1">
-              <a:lnSpc>
-                <a:spcPct val="90000"/>
-              </a:lnSpc>
-            </a:pPr>
-            <a:endParaRPr lang="en-US" sz="1100" b="1" noProof="1">
-              <a:latin typeface="Consolas" pitchFamily="49" charset="0"/>
-              <a:cs typeface="Consolas" pitchFamily="49" charset="0"/>
-            </a:endParaRPr>
-          </a:p>
-          <a:p>
-            <a:pPr indent="-456641" defTabSz="1218072" latinLnBrk="1">
-              <a:lnSpc>
-                <a:spcPct val="90000"/>
-              </a:lnSpc>
-            </a:pPr>
-            <a:r>
-              <a:rPr lang="en-US" sz="2400" b="1" noProof="1">
-                <a:latin typeface="Consolas" pitchFamily="49" charset="0"/>
-                <a:cs typeface="Consolas" pitchFamily="49" charset="0"/>
-              </a:rPr>
-              <a:t>    foreach (var value in inputFromFile) {</a:t>
-            </a:r>
-          </a:p>
-          <a:p>
-            <a:pPr indent="-456641" defTabSz="1218072" latinLnBrk="1">
-              <a:lnSpc>
-                <a:spcPct val="90000"/>
-              </a:lnSpc>
-            </a:pPr>
-            <a:r>
-              <a:rPr lang="en-US" sz="2400" b="1" noProof="1">
-                <a:latin typeface="Consolas" pitchFamily="49" charset="0"/>
-                <a:cs typeface="Consolas" pitchFamily="49" charset="0"/>
-              </a:rPr>
-              <a:t>      countRow++;</a:t>
-            </a:r>
-          </a:p>
-          <a:p>
-            <a:pPr indent="-456641" defTabSz="1218072" latinLnBrk="1">
-              <a:lnSpc>
-                <a:spcPct val="90000"/>
-              </a:lnSpc>
-            </a:pPr>
-            <a:r>
-              <a:rPr lang="en-US" sz="2400" b="1" noProof="1">
-                <a:latin typeface="Consolas" pitchFamily="49" charset="0"/>
-                <a:cs typeface="Consolas" pitchFamily="49" charset="0"/>
-              </a:rPr>
-              <a:t>      try { numbers.Add(int.Parse(value)); }</a:t>
-            </a:r>
-          </a:p>
-          <a:p>
-            <a:pPr indent="-456641" defTabSz="1218072" latinLnBrk="1">
-              <a:lnSpc>
-                <a:spcPct val="90000"/>
-              </a:lnSpc>
-            </a:pPr>
-            <a:endParaRPr lang="en-US" sz="800" b="1" noProof="1">
-              <a:latin typeface="Consolas" pitchFamily="49" charset="0"/>
-              <a:cs typeface="Consolas" pitchFamily="49" charset="0"/>
-            </a:endParaRPr>
-          </a:p>
-          <a:p>
-            <a:pPr indent="-456641" defTabSz="1218072" latinLnBrk="1">
-              <a:lnSpc>
-                <a:spcPct val="90000"/>
-              </a:lnSpc>
-            </a:pPr>
-            <a:r>
-              <a:rPr lang="en-US" sz="2400" b="1" noProof="1">
-                <a:latin typeface="Consolas" pitchFamily="49" charset="0"/>
-                <a:cs typeface="Consolas" pitchFamily="49" charset="0"/>
-              </a:rPr>
-              <a:t>      catch (Exception) {</a:t>
-            </a:r>
-          </a:p>
-          <a:p>
-            <a:pPr indent="-456641" defTabSz="1218072" latinLnBrk="1">
-              <a:lnSpc>
-                <a:spcPct val="90000"/>
-              </a:lnSpc>
-            </a:pPr>
-            <a:r>
-              <a:rPr lang="en-US" sz="2400" b="1" noProof="1">
-                <a:latin typeface="Consolas" pitchFamily="49" charset="0"/>
-                <a:cs typeface="Consolas" pitchFamily="49" charset="0"/>
-              </a:rPr>
-              <a:t>        throw new ArgumentException($"Error: On the line {countRow} </a:t>
-            </a:r>
-          </a:p>
-          <a:p>
-            <a:pPr indent="-456641" defTabSz="1218072" latinLnBrk="1">
-              <a:lnSpc>
-                <a:spcPct val="90000"/>
-              </a:lnSpc>
-            </a:pPr>
-            <a:r>
-              <a:rPr lang="en-US" sz="2400" b="1" noProof="1">
-                <a:latin typeface="Consolas" pitchFamily="49" charset="0"/>
-                <a:cs typeface="Consolas" pitchFamily="49" charset="0"/>
-              </a:rPr>
-              <a:t>          of the file the value was not in the correct format."); }</a:t>
-            </a:r>
-          </a:p>
-          <a:p>
-            <a:pPr indent="-456641" defTabSz="1218072" latinLnBrk="1">
-              <a:lnSpc>
-                <a:spcPct val="90000"/>
-              </a:lnSpc>
-            </a:pPr>
-            <a:r>
-              <a:rPr lang="en-US" sz="2400" b="1" noProof="1">
-                <a:latin typeface="Consolas" pitchFamily="49" charset="0"/>
-                <a:cs typeface="Consolas" pitchFamily="49" charset="0"/>
-              </a:rPr>
-              <a:t>    }</a:t>
-            </a:r>
-          </a:p>
-          <a:p>
-            <a:pPr indent="-456641" defTabSz="1218072" latinLnBrk="1">
-              <a:lnSpc>
-                <a:spcPct val="90000"/>
-              </a:lnSpc>
-            </a:pPr>
-            <a:r>
-              <a:rPr lang="en-US" sz="2400" b="1" noProof="1">
-                <a:latin typeface="Consolas" pitchFamily="49" charset="0"/>
-                <a:cs typeface="Consolas" pitchFamily="49" charset="0"/>
-              </a:rPr>
-              <a:t>  Console.WriteLine($"</a:t>
-            </a:r>
-            <a:r>
-              <a:rPr lang="en-US" sz="2300" b="1" noProof="1">
-                <a:latin typeface="Consolas" pitchFamily="49" charset="0"/>
-                <a:cs typeface="Consolas" pitchFamily="49" charset="0"/>
-              </a:rPr>
-              <a:t>The</a:t>
-            </a:r>
-            <a:r>
-              <a:rPr lang="en-US" sz="1000" b="1" noProof="1">
-                <a:latin typeface="Consolas" pitchFamily="49" charset="0"/>
-                <a:cs typeface="Consolas" pitchFamily="49" charset="0"/>
-              </a:rPr>
-              <a:t> </a:t>
-            </a:r>
-            <a:r>
-              <a:rPr lang="en-US" sz="2300" b="1" noProof="1">
-                <a:latin typeface="Consolas" pitchFamily="49" charset="0"/>
-                <a:cs typeface="Consolas" pitchFamily="49" charset="0"/>
-              </a:rPr>
-              <a:t>sum</a:t>
-            </a:r>
-            <a:r>
-              <a:rPr lang="en-US" sz="1000" b="1" noProof="1">
-                <a:latin typeface="Consolas" pitchFamily="49" charset="0"/>
-                <a:cs typeface="Consolas" pitchFamily="49" charset="0"/>
-              </a:rPr>
-              <a:t> </a:t>
-            </a:r>
-            <a:r>
-              <a:rPr lang="en-US" sz="2300" b="1" noProof="1">
-                <a:latin typeface="Consolas" pitchFamily="49" charset="0"/>
-                <a:cs typeface="Consolas" pitchFamily="49" charset="0"/>
-              </a:rPr>
-              <a:t>of</a:t>
-            </a:r>
-            <a:r>
-              <a:rPr lang="en-US" sz="1000" b="1" noProof="1">
-                <a:latin typeface="Consolas" pitchFamily="49" charset="0"/>
-                <a:cs typeface="Consolas" pitchFamily="49" charset="0"/>
-              </a:rPr>
-              <a:t> </a:t>
-            </a:r>
-            <a:r>
-              <a:rPr lang="en-US" sz="2300" b="1" noProof="1">
-                <a:latin typeface="Consolas" pitchFamily="49" charset="0"/>
-                <a:cs typeface="Consolas" pitchFamily="49" charset="0"/>
-              </a:rPr>
-              <a:t>all</a:t>
-            </a:r>
-            <a:r>
-              <a:rPr lang="en-US" sz="1000" b="1" noProof="1">
-                <a:latin typeface="Consolas" pitchFamily="49" charset="0"/>
-                <a:cs typeface="Consolas" pitchFamily="49" charset="0"/>
-              </a:rPr>
-              <a:t> </a:t>
-            </a:r>
-            <a:r>
-              <a:rPr lang="en-US" sz="2300" b="1" noProof="1">
-                <a:latin typeface="Consolas" pitchFamily="49" charset="0"/>
-                <a:cs typeface="Consolas" pitchFamily="49" charset="0"/>
-              </a:rPr>
-              <a:t>correct</a:t>
-            </a:r>
-            <a:r>
-              <a:rPr lang="en-US" sz="1000" b="1" noProof="1">
-                <a:latin typeface="Consolas" pitchFamily="49" charset="0"/>
-                <a:cs typeface="Consolas" pitchFamily="49" charset="0"/>
-              </a:rPr>
-              <a:t> </a:t>
-            </a:r>
-            <a:r>
-              <a:rPr lang="en-US" sz="2300" b="1" noProof="1">
-                <a:latin typeface="Consolas" pitchFamily="49" charset="0"/>
-                <a:cs typeface="Consolas" pitchFamily="49" charset="0"/>
-              </a:rPr>
-              <a:t>numbers</a:t>
-            </a:r>
-            <a:r>
-              <a:rPr lang="en-US" sz="1000" b="1" noProof="1">
-                <a:latin typeface="Consolas" pitchFamily="49" charset="0"/>
-                <a:cs typeface="Consolas" pitchFamily="49" charset="0"/>
-              </a:rPr>
-              <a:t> </a:t>
-            </a:r>
-            <a:r>
-              <a:rPr lang="en-US" sz="2300" b="1" noProof="1">
-                <a:latin typeface="Consolas" pitchFamily="49" charset="0"/>
-                <a:cs typeface="Consolas" pitchFamily="49" charset="0"/>
-              </a:rPr>
-              <a:t>is:</a:t>
-            </a:r>
-            <a:r>
-              <a:rPr lang="en-US" sz="1000" b="1" noProof="1">
-                <a:latin typeface="Consolas" pitchFamily="49" charset="0"/>
-                <a:cs typeface="Consolas" pitchFamily="49" charset="0"/>
-              </a:rPr>
-              <a:t> </a:t>
-            </a:r>
-            <a:r>
-              <a:rPr lang="en-US" sz="2400" b="1" noProof="1">
-                <a:latin typeface="Consolas" pitchFamily="49" charset="0"/>
-                <a:cs typeface="Consolas" pitchFamily="49" charset="0"/>
-              </a:rPr>
-              <a:t>{</a:t>
-            </a:r>
-            <a:r>
-              <a:rPr lang="en-US" sz="2300" b="1" noProof="1">
-                <a:latin typeface="Consolas" pitchFamily="49" charset="0"/>
-                <a:cs typeface="Consolas" pitchFamily="49" charset="0"/>
-              </a:rPr>
-              <a:t>numbers.Sum()</a:t>
-            </a:r>
-            <a:r>
-              <a:rPr lang="en-US" sz="2400" b="1" noProof="1">
-                <a:latin typeface="Consolas" pitchFamily="49" charset="0"/>
-                <a:cs typeface="Consolas" pitchFamily="49" charset="0"/>
-              </a:rPr>
-              <a:t>}");</a:t>
-            </a:r>
-          </a:p>
-          <a:p>
-            <a:pPr indent="-456641" defTabSz="1218072" latinLnBrk="1">
-              <a:lnSpc>
-                <a:spcPct val="90000"/>
-              </a:lnSpc>
-            </a:pPr>
-            <a:r>
-              <a:rPr lang="en-US" sz="2400" b="1" noProof="1">
-                <a:latin typeface="Consolas" pitchFamily="49" charset="0"/>
-                <a:cs typeface="Consolas" pitchFamily="49" charset="0"/>
-              </a:rPr>
-              <a:t>  }</a:t>
-            </a:r>
-          </a:p>
-          <a:p>
-            <a:pPr indent="-456641" defTabSz="1218072" latinLnBrk="1">
-              <a:lnSpc>
-                <a:spcPct val="90000"/>
-              </a:lnSpc>
-            </a:pPr>
-            <a:r>
-              <a:rPr lang="en-US" sz="2400" b="1" noProof="1">
-                <a:latin typeface="Consolas" pitchFamily="49" charset="0"/>
-                <a:cs typeface="Consolas" pitchFamily="49" charset="0"/>
-              </a:rPr>
-              <a:t>}</a:t>
-            </a:r>
-          </a:p>
-        </p:txBody>
-      </p:sp>
-      <p:sp>
-        <p:nvSpPr>
-          <p:cNvPr id="7" name="Slide Number">
-            <a:extLst>
-              <a:ext uri="{FF2B5EF4-FFF2-40B4-BE49-F238E27FC236}">
-                <a16:creationId xmlns:a16="http://schemas.microsoft.com/office/drawing/2014/main" id="{625782D7-BD85-4206-B87C-2E8F704946A3}"/>
-              </a:ext>
-            </a:extLst>
-          </p:cNvPr>
-          <p:cNvSpPr>
-            <a:spLocks noGrp="1"/>
-          </p:cNvSpPr>
-          <p:nvPr>
-            <p:ph type="sldNum" sz="quarter" idx="5"/>
-          </p:nvPr>
-        </p:nvSpPr>
-        <p:spPr>
-          <a:xfrm>
-            <a:off x="11753030" y="6507000"/>
-            <a:ext cx="367414" cy="297000"/>
-          </a:xfrm>
-          <a:prstGeom prst="rect">
-            <a:avLst/>
-          </a:prstGeom>
-        </p:spPr>
-        <p:txBody>
-          <a:bodyPr vert="horz" lIns="91440" tIns="45720" rIns="91440" bIns="45720" rtlCol="0" anchor="b"/>
-          <a:lstStyle>
-            <a:lvl1pPr algn="r">
-              <a:defRPr sz="1000"/>
-            </a:lvl1pPr>
-          </a:lstStyle>
-          <a:p>
-            <a:fld id="{2BF067CD-8E6B-4360-9AA8-C5DF2A48A6D1}" type="slidenum">
-              <a:rPr lang="en-US" noProof="0" smtClean="0"/>
-              <a:pPr/>
-              <a:t>44</a:t>
-            </a:fld>
-            <a:endParaRPr lang="en-US" noProof="0" dirty="0"/>
-          </a:p>
-        </p:txBody>
-      </p:sp>
-    </p:spTree>
-    <p:extLst>
-      <p:ext uri="{BB962C8B-B14F-4D97-AF65-F5344CB8AC3E}">
-        <p14:creationId xmlns:p14="http://schemas.microsoft.com/office/powerpoint/2010/main" val="1111832033"/>
-      </p:ext>
-    </p:extLst>
-  </p:cSld>
-  <p:clrMapOvr>
-    <a:masterClrMapping/>
-  </p:clrMapOvr>
-  <mc:AlternateContent xmlns:mc="http://schemas.openxmlformats.org/markup-compatibility/2006" xmlns:p14="http://schemas.microsoft.com/office/powerpoint/2010/main">
-    <mc:Choice Requires="p14">
-      <p:transition spd="slow" p14:dur="2000" advClick="0" advTm="5000"/>
-    </mc:Choice>
-    <mc:Fallback xmlns="">
-      <p:transition spd="slow" advClick="0" advTm="5000"/>
-    </mc:Fallback>
-  </mc:AlternateContent>
-</p:sld>
-</file>
-
-<file path=ppt/slides/slide45.xml><?xml version="1.0" encoding="utf-8"?>
-<p:sld xmlns:a="http://schemas.openxmlformats.org/drawingml/2006/main" xmlns:r="http://schemas.openxmlformats.org/officeDocument/2006/relationships" xmlns:p="http://schemas.openxmlformats.org/presentationml/2006/main">
-  <p:cSld>
-    <p:spTree>
-      <p:nvGrpSpPr>
-        <p:cNvPr id="1" name=""/>
-        <p:cNvGrpSpPr/>
-        <p:nvPr/>
-      </p:nvGrpSpPr>
-      <p:grpSpPr>
-        <a:xfrm>
-          <a:off x="0" y="0"/>
-          <a:ext cx="0" cy="0"/>
-          <a:chOff x="0" y="0"/>
-          <a:chExt cx="0" cy="0"/>
-        </a:xfrm>
-      </p:grpSpPr>
-      <p:sp>
-        <p:nvSpPr>
-          <p:cNvPr id="4" name="Title 3"/>
-          <p:cNvSpPr>
-            <a:spLocks noGrp="1"/>
-          </p:cNvSpPr>
-          <p:nvPr>
-            <p:ph type="title"/>
-          </p:nvPr>
-        </p:nvSpPr>
-        <p:spPr/>
-        <p:txBody>
-          <a:bodyPr/>
-          <a:lstStyle/>
-          <a:p>
-            <a:r>
-              <a:rPr lang="bg-BG" sz="4000" dirty="0"/>
-              <a:t>Решение</a:t>
-            </a:r>
-            <a:r>
-              <a:rPr lang="en-US" sz="4000" dirty="0"/>
-              <a:t>: </a:t>
-            </a:r>
-            <a:r>
-              <a:rPr lang="bg-BG" sz="4000" dirty="0"/>
-              <a:t>Следа от изключения </a:t>
-            </a:r>
-            <a:r>
-              <a:rPr lang="en-US" sz="4000" dirty="0"/>
-              <a:t>(</a:t>
-            </a:r>
-            <a:r>
-              <a:rPr lang="bg-BG" sz="4000" dirty="0"/>
-              <a:t>3</a:t>
-            </a:r>
-            <a:r>
-              <a:rPr lang="en-US" sz="4000" dirty="0"/>
-              <a:t>)</a:t>
-            </a:r>
-            <a:endParaRPr lang="en-US" dirty="0"/>
-          </a:p>
-        </p:txBody>
-      </p:sp>
-      <p:sp>
-        <p:nvSpPr>
-          <p:cNvPr id="5" name="Rectangle 4"/>
-          <p:cNvSpPr>
-            <a:spLocks noChangeArrowheads="1"/>
-          </p:cNvSpPr>
-          <p:nvPr/>
-        </p:nvSpPr>
-        <p:spPr bwMode="auto">
-          <a:xfrm>
-            <a:off x="111000" y="1179000"/>
-            <a:ext cx="11925000" cy="5605625"/>
-          </a:xfrm>
-          <a:prstGeom prst="rect">
-            <a:avLst/>
-          </a:prstGeom>
-          <a:solidFill>
-            <a:schemeClr val="accent6">
-              <a:lumMod val="75000"/>
-              <a:alpha val="15000"/>
-            </a:schemeClr>
-          </a:solidFill>
-          <a:ln w="12700">
-            <a:solidFill>
-              <a:schemeClr val="tx1">
-                <a:lumMod val="50000"/>
-              </a:schemeClr>
-            </a:solidFill>
-          </a:ln>
-        </p:spPr>
-        <p:txBody>
-          <a:bodyPr vert="horz" wrap="square" lIns="143926" tIns="107944" rIns="143926" bIns="107944" rtlCol="0">
-            <a:spAutoFit/>
-          </a:bodyPr>
-          <a:lstStyle/>
-          <a:p>
-            <a:pPr indent="-456641" defTabSz="1218072" latinLnBrk="1">
-              <a:lnSpc>
-                <a:spcPct val="90000"/>
-              </a:lnSpc>
-            </a:pPr>
-            <a:r>
-              <a:rPr lang="en-US" sz="2400" b="1" noProof="1">
-                <a:latin typeface="Consolas" pitchFamily="49" charset="0"/>
-                <a:cs typeface="Consolas" pitchFamily="49" charset="0"/>
-              </a:rPr>
-              <a:t>static void Main() {</a:t>
-            </a:r>
-          </a:p>
-          <a:p>
-            <a:pPr indent="-456641" defTabSz="1218072" latinLnBrk="1">
-              <a:lnSpc>
-                <a:spcPct val="90000"/>
-              </a:lnSpc>
-            </a:pPr>
-            <a:r>
-              <a:rPr lang="en-US" sz="2400" b="1" noProof="1">
-                <a:latin typeface="Consolas" pitchFamily="49" charset="0"/>
-                <a:cs typeface="Consolas" pitchFamily="49" charset="0"/>
-              </a:rPr>
-              <a:t>  try {</a:t>
-            </a:r>
-          </a:p>
-          <a:p>
-            <a:pPr indent="-456641" defTabSz="1218072" latinLnBrk="1">
-              <a:lnSpc>
-                <a:spcPct val="90000"/>
-              </a:lnSpc>
-            </a:pPr>
-            <a:r>
-              <a:rPr lang="en-US" sz="2400" b="1" noProof="1">
-                <a:latin typeface="Consolas" pitchFamily="49" charset="0"/>
-                <a:cs typeface="Consolas" pitchFamily="49" charset="0"/>
-              </a:rPr>
-              <a:t>    MyFileReader reader1 = new MyFileReader(@"C:\temp\numbers.txt");</a:t>
-            </a:r>
-          </a:p>
-          <a:p>
-            <a:pPr indent="-456641" defTabSz="1218072" latinLnBrk="1">
-              <a:lnSpc>
-                <a:spcPct val="90000"/>
-              </a:lnSpc>
-            </a:pPr>
-            <a:r>
-              <a:rPr lang="en-US" sz="2400" b="1" noProof="1">
-                <a:latin typeface="Consolas" pitchFamily="49" charset="0"/>
-                <a:cs typeface="Consolas" pitchFamily="49" charset="0"/>
-              </a:rPr>
-              <a:t>    reader1.ReadAndSum();</a:t>
-            </a:r>
-          </a:p>
-          <a:p>
-            <a:pPr indent="-456641" defTabSz="1218072" latinLnBrk="1">
-              <a:lnSpc>
-                <a:spcPct val="90000"/>
-              </a:lnSpc>
-            </a:pPr>
-            <a:r>
-              <a:rPr lang="en-US" sz="2400" b="1" noProof="1">
-                <a:latin typeface="Consolas" pitchFamily="49" charset="0"/>
-                <a:cs typeface="Consolas" pitchFamily="49" charset="0"/>
-              </a:rPr>
-              <a:t>  }</a:t>
-            </a:r>
-          </a:p>
-          <a:p>
-            <a:pPr indent="-456641" defTabSz="1218072" latinLnBrk="1">
-              <a:lnSpc>
-                <a:spcPct val="90000"/>
-              </a:lnSpc>
-            </a:pPr>
-            <a:r>
-              <a:rPr lang="en-US" sz="2400" b="1" noProof="1">
-                <a:latin typeface="Consolas" pitchFamily="49" charset="0"/>
-                <a:cs typeface="Consolas" pitchFamily="49" charset="0"/>
-              </a:rPr>
-              <a:t>  catch (Exception ex) {</a:t>
-            </a:r>
-          </a:p>
-          <a:p>
-            <a:pPr indent="-456641" defTabSz="1218072" latinLnBrk="1">
-              <a:lnSpc>
-                <a:spcPct val="90000"/>
-              </a:lnSpc>
-            </a:pPr>
-            <a:r>
-              <a:rPr lang="en-US" sz="2400" b="1" noProof="1">
-                <a:latin typeface="Consolas" pitchFamily="49" charset="0"/>
-                <a:cs typeface="Consolas" pitchFamily="49" charset="0"/>
-              </a:rPr>
-              <a:t>    Console.Error.WriteLine("Error: " + ex.Message);</a:t>
-            </a:r>
-          </a:p>
-          <a:p>
-            <a:pPr indent="-456641" defTabSz="1218072" latinLnBrk="1">
-              <a:lnSpc>
-                <a:spcPct val="90000"/>
-              </a:lnSpc>
-            </a:pPr>
-            <a:r>
-              <a:rPr lang="en-US" sz="2400" b="1" noProof="1">
-                <a:latin typeface="Consolas" pitchFamily="49" charset="0"/>
-                <a:cs typeface="Consolas" pitchFamily="49" charset="0"/>
-              </a:rPr>
-              <a:t>  }</a:t>
-            </a:r>
-          </a:p>
-          <a:p>
-            <a:pPr indent="-456641" defTabSz="1218072" latinLnBrk="1">
-              <a:lnSpc>
-                <a:spcPct val="90000"/>
-              </a:lnSpc>
-            </a:pPr>
-            <a:endParaRPr lang="en-US" sz="500" b="1" noProof="1">
-              <a:latin typeface="Consolas" pitchFamily="49" charset="0"/>
-              <a:cs typeface="Consolas" pitchFamily="49" charset="0"/>
-            </a:endParaRPr>
-          </a:p>
-          <a:p>
-            <a:pPr indent="-456641" defTabSz="1218072" latinLnBrk="1">
-              <a:lnSpc>
-                <a:spcPct val="90000"/>
-              </a:lnSpc>
-            </a:pPr>
-            <a:r>
-              <a:rPr lang="en-US" sz="2400" b="1" noProof="1">
-                <a:latin typeface="Consolas" pitchFamily="49" charset="0"/>
-                <a:cs typeface="Consolas" pitchFamily="49" charset="0"/>
-              </a:rPr>
-              <a:t>  try {</a:t>
-            </a:r>
-          </a:p>
-          <a:p>
-            <a:pPr indent="-456641" defTabSz="1218072" latinLnBrk="1">
-              <a:lnSpc>
-                <a:spcPct val="90000"/>
-              </a:lnSpc>
-            </a:pPr>
-            <a:r>
-              <a:rPr lang="en-US" sz="2400" b="1" noProof="1">
-                <a:latin typeface="Consolas" pitchFamily="49" charset="0"/>
-                <a:cs typeface="Consolas" pitchFamily="49" charset="0"/>
-              </a:rPr>
-              <a:t>    MyFileReader reader2 = new MyFileReader(@"");</a:t>
-            </a:r>
-          </a:p>
-          <a:p>
-            <a:pPr indent="-456641" defTabSz="1218072" latinLnBrk="1">
-              <a:lnSpc>
-                <a:spcPct val="90000"/>
-              </a:lnSpc>
-            </a:pPr>
-            <a:r>
-              <a:rPr lang="en-US" sz="2400" b="1" noProof="1">
-                <a:latin typeface="Consolas" pitchFamily="49" charset="0"/>
-                <a:cs typeface="Consolas" pitchFamily="49" charset="0"/>
-              </a:rPr>
-              <a:t>    reader2.ReadAndSum();</a:t>
-            </a:r>
-          </a:p>
-          <a:p>
-            <a:pPr indent="-456641" defTabSz="1218072" latinLnBrk="1">
-              <a:lnSpc>
-                <a:spcPct val="90000"/>
-              </a:lnSpc>
-            </a:pPr>
-            <a:r>
-              <a:rPr lang="en-US" sz="2400" b="1" noProof="1">
-                <a:latin typeface="Consolas" pitchFamily="49" charset="0"/>
-                <a:cs typeface="Consolas" pitchFamily="49" charset="0"/>
-              </a:rPr>
-              <a:t>  }</a:t>
-            </a:r>
-          </a:p>
-          <a:p>
-            <a:pPr indent="-456641" defTabSz="1218072" latinLnBrk="1">
-              <a:lnSpc>
-                <a:spcPct val="90000"/>
-              </a:lnSpc>
-            </a:pPr>
-            <a:r>
-              <a:rPr lang="en-US" sz="2400" b="1" noProof="1">
-                <a:latin typeface="Consolas" pitchFamily="49" charset="0"/>
-                <a:cs typeface="Consolas" pitchFamily="49" charset="0"/>
-              </a:rPr>
-              <a:t>  catch (Exception ex) {</a:t>
-            </a:r>
-          </a:p>
-          <a:p>
-            <a:pPr indent="-456641" defTabSz="1218072" latinLnBrk="1">
-              <a:lnSpc>
-                <a:spcPct val="90000"/>
-              </a:lnSpc>
-            </a:pPr>
-            <a:r>
-              <a:rPr lang="en-US" sz="2400" b="1" noProof="1">
-                <a:latin typeface="Consolas" pitchFamily="49" charset="0"/>
-                <a:cs typeface="Consolas" pitchFamily="49" charset="0"/>
-              </a:rPr>
-              <a:t>    Console.Error.WriteLine("Error: " + ex.Message);</a:t>
-            </a:r>
-          </a:p>
-          <a:p>
-            <a:pPr indent="-456641" defTabSz="1218072" latinLnBrk="1">
-              <a:lnSpc>
-                <a:spcPct val="90000"/>
-              </a:lnSpc>
-            </a:pPr>
-            <a:r>
-              <a:rPr lang="en-US" sz="2400" b="1" noProof="1">
-                <a:latin typeface="Consolas" pitchFamily="49" charset="0"/>
-                <a:cs typeface="Consolas" pitchFamily="49" charset="0"/>
-              </a:rPr>
-              <a:t>  }</a:t>
-            </a:r>
-          </a:p>
-          <a:p>
-            <a:pPr indent="-456641" defTabSz="1218072" latinLnBrk="1">
-              <a:lnSpc>
-                <a:spcPct val="90000"/>
-              </a:lnSpc>
-            </a:pPr>
-            <a:r>
-              <a:rPr lang="en-US" sz="2400" b="1" noProof="1">
-                <a:latin typeface="Consolas" pitchFamily="49" charset="0"/>
-                <a:cs typeface="Consolas" pitchFamily="49" charset="0"/>
-              </a:rPr>
-              <a:t>}</a:t>
-            </a:r>
-          </a:p>
-        </p:txBody>
-      </p:sp>
-      <p:sp>
-        <p:nvSpPr>
-          <p:cNvPr id="6" name="TextBox 6">
-            <a:extLst>
-              <a:ext uri="{FF2B5EF4-FFF2-40B4-BE49-F238E27FC236}">
-                <a16:creationId xmlns:a16="http://schemas.microsoft.com/office/drawing/2014/main" id="{5F2F5BE9-686B-4406-BDF0-22A229511D38}"/>
-              </a:ext>
-            </a:extLst>
-          </p:cNvPr>
-          <p:cNvSpPr txBox="1"/>
-          <p:nvPr/>
-        </p:nvSpPr>
-        <p:spPr>
-          <a:xfrm>
-            <a:off x="685800" y="6354000"/>
-            <a:ext cx="10591800" cy="369332"/>
-          </a:xfrm>
-          <a:prstGeom prst="rect">
-            <a:avLst/>
-          </a:prstGeom>
-          <a:noFill/>
-        </p:spPr>
-        <p:txBody>
-          <a:bodyPr wrap="square" rtlCol="0">
-            <a:spAutoFit/>
-          </a:bodyPr>
-          <a:lstStyle/>
-          <a:p>
-            <a:pPr algn="ctr"/>
-            <a:r>
-              <a:rPr lang="bg-BG" dirty="0"/>
-              <a:t>Проверете решението си тук</a:t>
-            </a:r>
-            <a:r>
-              <a:rPr lang="en-US" dirty="0"/>
-              <a:t>: </a:t>
-            </a:r>
-            <a:r>
-              <a:rPr lang="en-US" dirty="0">
-                <a:hlinkClick r:id="rId2"/>
-              </a:rPr>
-              <a:t>https://judge.softuni.bg/Contests/Practice/Index/3164#5</a:t>
-            </a:r>
-            <a:endParaRPr lang="en-US" dirty="0"/>
-          </a:p>
-        </p:txBody>
-      </p:sp>
-      <p:sp>
-        <p:nvSpPr>
-          <p:cNvPr id="7" name="Slide Number">
-            <a:extLst>
-              <a:ext uri="{FF2B5EF4-FFF2-40B4-BE49-F238E27FC236}">
-                <a16:creationId xmlns:a16="http://schemas.microsoft.com/office/drawing/2014/main" id="{A8BDBA02-8F59-4F52-A59F-148F8337B340}"/>
-              </a:ext>
-            </a:extLst>
-          </p:cNvPr>
-          <p:cNvSpPr>
-            <a:spLocks noGrp="1"/>
-          </p:cNvSpPr>
-          <p:nvPr>
-            <p:ph type="sldNum" sz="quarter" idx="5"/>
-          </p:nvPr>
-        </p:nvSpPr>
-        <p:spPr>
-          <a:xfrm>
-            <a:off x="11753030" y="6507000"/>
-            <a:ext cx="367414" cy="297000"/>
-          </a:xfrm>
-          <a:prstGeom prst="rect">
-            <a:avLst/>
-          </a:prstGeom>
-        </p:spPr>
-        <p:txBody>
-          <a:bodyPr vert="horz" lIns="91440" tIns="45720" rIns="91440" bIns="45720" rtlCol="0" anchor="b"/>
-          <a:lstStyle>
-            <a:lvl1pPr algn="r">
-              <a:defRPr sz="1000"/>
-            </a:lvl1pPr>
-          </a:lstStyle>
-          <a:p>
-            <a:fld id="{2BF067CD-8E6B-4360-9AA8-C5DF2A48A6D1}" type="slidenum">
-              <a:rPr lang="en-US" noProof="0" smtClean="0"/>
-              <a:pPr/>
-              <a:t>45</a:t>
-            </a:fld>
-            <a:endParaRPr lang="en-US" noProof="0" dirty="0"/>
-          </a:p>
-        </p:txBody>
-      </p:sp>
-    </p:spTree>
-    <p:extLst>
-      <p:ext uri="{BB962C8B-B14F-4D97-AF65-F5344CB8AC3E}">
-        <p14:creationId xmlns:p14="http://schemas.microsoft.com/office/powerpoint/2010/main" val="3911960653"/>
-      </p:ext>
-    </p:extLst>
-  </p:cSld>
-  <p:clrMapOvr>
-    <a:masterClrMapping/>
-  </p:clrMapOvr>
-  <mc:AlternateContent xmlns:mc="http://schemas.openxmlformats.org/markup-compatibility/2006" xmlns:p14="http://schemas.microsoft.com/office/powerpoint/2010/main">
-    <mc:Choice Requires="p14">
-      <p:transition spd="slow" p14:dur="2000" advClick="0" advTm="5000"/>
-    </mc:Choice>
-    <mc:Fallback xmlns="">
-      <p:transition spd="slow" advClick="0" advTm="5000"/>
-    </mc:Fallback>
-  </mc:AlternateContent>
-</p:sld>
-</file>
-
-<file path=ppt/slides/slide46.xml><?xml version="1.0" encoding="utf-8"?>
-<p:sld xmlns:a="http://schemas.openxmlformats.org/drawingml/2006/main" xmlns:r="http://schemas.openxmlformats.org/officeDocument/2006/relationships" xmlns:p="http://schemas.openxmlformats.org/presentationml/2006/main">
-  <p:cSld>
-    <p:spTree>
-      <p:nvGrpSpPr>
-        <p:cNvPr id="1" name=""/>
-        <p:cNvGrpSpPr/>
-        <p:nvPr/>
-      </p:nvGrpSpPr>
-      <p:grpSpPr>
-        <a:xfrm>
-          <a:off x="0" y="0"/>
-          <a:ext cx="0" cy="0"/>
-          <a:chOff x="0" y="0"/>
-          <a:chExt cx="0" cy="0"/>
-        </a:xfrm>
-      </p:grpSpPr>
-      <p:sp>
-        <p:nvSpPr>
-          <p:cNvPr id="14" name="Text Placeholder 4">
-            <a:extLst>
-              <a:ext uri="{FF2B5EF4-FFF2-40B4-BE49-F238E27FC236}">
-                <a16:creationId xmlns:a16="http://schemas.microsoft.com/office/drawing/2014/main" id="{0E49D336-45B6-44D3-97C4-E28F8DEA2022}"/>
-              </a:ext>
-            </a:extLst>
-          </p:cNvPr>
-          <p:cNvSpPr>
-            <a:spLocks noGrp="1"/>
-          </p:cNvSpPr>
-          <p:nvPr>
-            <p:ph type="body" sz="quarter" idx="10"/>
-          </p:nvPr>
-        </p:nvSpPr>
-        <p:spPr>
-          <a:xfrm>
-            <a:off x="869725" y="1656226"/>
-            <a:ext cx="7581212" cy="4772369"/>
-          </a:xfrm>
-        </p:spPr>
-        <p:txBody>
-          <a:bodyPr/>
-          <a:lstStyle>
-            <a:lvl1pPr marL="514350" indent="-514350">
-              <a:buFont typeface="Wingdings" panose="05000000000000000000" pitchFamily="2" charset="2"/>
-              <a:buChar char="§"/>
-              <a:defRPr>
-                <a:solidFill>
-                  <a:schemeClr val="bg2"/>
-                </a:solidFill>
-              </a:defRPr>
-            </a:lvl1pPr>
-            <a:lvl2pPr marL="1123935" indent="-514350">
-              <a:buFont typeface="Wingdings" panose="05000000000000000000" pitchFamily="2" charset="2"/>
-              <a:buChar char="§"/>
-              <a:defRPr>
-                <a:solidFill>
-                  <a:schemeClr val="tx1"/>
-                </a:solidFill>
-              </a:defRPr>
-            </a:lvl2pPr>
-            <a:lvl3pPr marL="1733520" indent="-514350">
-              <a:buFont typeface="Wingdings" panose="05000000000000000000" pitchFamily="2" charset="2"/>
-              <a:buChar char="§"/>
-              <a:defRPr>
-                <a:solidFill>
-                  <a:schemeClr val="tx1"/>
-                </a:solidFill>
-              </a:defRPr>
-            </a:lvl3pPr>
-            <a:lvl4pPr marL="2343105" indent="-514350">
-              <a:buFont typeface="Wingdings" panose="05000000000000000000" pitchFamily="2" charset="2"/>
-              <a:buChar char="§"/>
-              <a:defRPr>
-                <a:solidFill>
-                  <a:schemeClr val="tx1"/>
-                </a:solidFill>
-              </a:defRPr>
-            </a:lvl4pPr>
-            <a:lvl5pPr marL="2952689" indent="-514350">
-              <a:buFont typeface="Wingdings" panose="05000000000000000000" pitchFamily="2" charset="2"/>
-              <a:buChar char="§"/>
-              <a:defRPr>
-                <a:solidFill>
-                  <a:schemeClr val="tx1"/>
-                </a:solidFill>
-              </a:defRPr>
-            </a:lvl5pPr>
-          </a:lstStyle>
-          <a:p>
-            <a:pPr lvl="0"/>
-            <a:r>
-              <a:rPr lang="en-US" dirty="0"/>
-              <a:t>…</a:t>
-            </a:r>
-          </a:p>
-          <a:p>
-            <a:pPr lvl="0"/>
-            <a:r>
-              <a:rPr lang="en-GB" dirty="0"/>
-              <a:t>…</a:t>
-            </a:r>
-            <a:endParaRPr lang="en-US" dirty="0"/>
-          </a:p>
-          <a:p>
-            <a:pPr lvl="0"/>
-            <a:r>
-              <a:rPr lang="en-GB" dirty="0"/>
-              <a:t>…</a:t>
-            </a:r>
-            <a:endParaRPr lang="en-US" dirty="0"/>
-          </a:p>
-          <a:p>
-            <a:pPr lvl="0"/>
-            <a:endParaRPr lang="en-US" dirty="0"/>
-          </a:p>
-        </p:txBody>
-      </p:sp>
-      <p:sp>
-        <p:nvSpPr>
-          <p:cNvPr id="4" name="Title 3"/>
-          <p:cNvSpPr>
-            <a:spLocks noGrp="1"/>
-          </p:cNvSpPr>
-          <p:nvPr>
-            <p:ph type="title"/>
-          </p:nvPr>
-        </p:nvSpPr>
-        <p:spPr/>
-        <p:txBody>
-          <a:bodyPr>
-            <a:normAutofit/>
-          </a:bodyPr>
-          <a:lstStyle/>
-          <a:p>
-            <a:r>
-              <a:rPr lang="bg-BG" dirty="0"/>
-              <a:t>Обобщение</a:t>
-            </a:r>
-            <a:endParaRPr lang="en-US" dirty="0"/>
-          </a:p>
-        </p:txBody>
-      </p:sp>
-      <p:grpSp>
-        <p:nvGrpSpPr>
-          <p:cNvPr id="9" name="Group 8">
-            <a:extLst>
-              <a:ext uri="{FF2B5EF4-FFF2-40B4-BE49-F238E27FC236}">
-                <a16:creationId xmlns:a16="http://schemas.microsoft.com/office/drawing/2014/main" id="{EBAFE522-EB7D-4931-A015-9A7E8A98517D}"/>
-              </a:ext>
-            </a:extLst>
-          </p:cNvPr>
-          <p:cNvGrpSpPr/>
-          <p:nvPr/>
-        </p:nvGrpSpPr>
-        <p:grpSpPr>
-          <a:xfrm>
-            <a:off x="191942" y="1419750"/>
-            <a:ext cx="8919058" cy="5300339"/>
-            <a:chOff x="472011" y="1508786"/>
-            <a:chExt cx="3799787" cy="4865561"/>
-          </a:xfrm>
-        </p:grpSpPr>
-        <p:sp>
-          <p:nvSpPr>
-            <p:cNvPr id="10" name="Rounded Rectangle 10">
-              <a:extLst>
-                <a:ext uri="{FF2B5EF4-FFF2-40B4-BE49-F238E27FC236}">
-                  <a16:creationId xmlns:a16="http://schemas.microsoft.com/office/drawing/2014/main" id="{18F78F23-3D09-4B63-8DF9-D49CFBB145EE}"/>
-                </a:ext>
-              </a:extLst>
-            </p:cNvPr>
-            <p:cNvSpPr/>
-            <p:nvPr userDrawn="1"/>
-          </p:nvSpPr>
-          <p:spPr>
-            <a:xfrm>
-              <a:off x="472011" y="1508786"/>
-              <a:ext cx="3799787" cy="4865561"/>
-            </a:xfrm>
-            <a:prstGeom prst="roundRect">
-              <a:avLst>
-                <a:gd name="adj" fmla="val 3968"/>
-              </a:avLst>
-            </a:prstGeom>
-            <a:solidFill>
-              <a:schemeClr val="tx2"/>
-            </a:solidFill>
-            <a:ln>
-              <a:noFill/>
-            </a:ln>
-          </p:spPr>
-          <p:style>
-            <a:lnRef idx="2">
-              <a:schemeClr val="accent1">
-                <a:shade val="50000"/>
-              </a:schemeClr>
-            </a:lnRef>
-            <a:fillRef idx="1">
-              <a:schemeClr val="accent1"/>
-            </a:fillRef>
-            <a:effectRef idx="0">
-              <a:schemeClr val="accent1"/>
-            </a:effectRef>
-            <a:fontRef idx="minor">
-              <a:schemeClr val="lt1"/>
-            </a:fontRef>
-          </p:style>
-          <p:txBody>
-            <a:bodyPr rtlCol="0" anchor="ctr"/>
-            <a:lstStyle/>
-            <a:p>
-              <a:pPr algn="ctr"/>
-              <a:endParaRPr lang="ko-KR" altLang="en-US" sz="2399" dirty="0"/>
-            </a:p>
-          </p:txBody>
-        </p:sp>
-        <p:sp>
-          <p:nvSpPr>
-            <p:cNvPr id="11" name="Rounded Rectangle 16">
-              <a:extLst>
-                <a:ext uri="{FF2B5EF4-FFF2-40B4-BE49-F238E27FC236}">
-                  <a16:creationId xmlns:a16="http://schemas.microsoft.com/office/drawing/2014/main" id="{F12C06CE-2BBE-46C2-B718-813794C58DF9}"/>
-                </a:ext>
-              </a:extLst>
-            </p:cNvPr>
-            <p:cNvSpPr/>
-            <p:nvPr userDrawn="1"/>
-          </p:nvSpPr>
-          <p:spPr>
-            <a:xfrm>
-              <a:off x="540767" y="1781251"/>
-              <a:ext cx="85794" cy="4320631"/>
-            </a:xfrm>
-            <a:prstGeom prst="roundRect">
-              <a:avLst>
-                <a:gd name="adj" fmla="val 50000"/>
-              </a:avLst>
-            </a:prstGeom>
-            <a:solidFill>
-              <a:schemeClr val="bg2">
-                <a:alpha val="41000"/>
-              </a:schemeClr>
-            </a:solidFill>
-            <a:ln>
-              <a:noFill/>
-            </a:ln>
-          </p:spPr>
-          <p:style>
-            <a:lnRef idx="2">
-              <a:schemeClr val="accent1">
-                <a:shade val="50000"/>
-              </a:schemeClr>
-            </a:lnRef>
-            <a:fillRef idx="1">
-              <a:schemeClr val="accent1"/>
-            </a:fillRef>
-            <a:effectRef idx="0">
-              <a:schemeClr val="accent1"/>
-            </a:effectRef>
-            <a:fontRef idx="minor">
-              <a:schemeClr val="lt1"/>
-            </a:fontRef>
-          </p:style>
-          <p:txBody>
-            <a:bodyPr rtlCol="0" anchor="ctr"/>
-            <a:lstStyle/>
-            <a:p>
-              <a:pPr algn="ctr"/>
-              <a:endParaRPr lang="ko-KR" altLang="en-US" sz="2399">
-                <a:solidFill>
-                  <a:schemeClr val="bg1"/>
-                </a:solidFill>
-              </a:endParaRPr>
-            </a:p>
-          </p:txBody>
-        </p:sp>
-        <p:sp>
-          <p:nvSpPr>
-            <p:cNvPr id="12" name="Half Frame 11">
-              <a:extLst>
-                <a:ext uri="{FF2B5EF4-FFF2-40B4-BE49-F238E27FC236}">
-                  <a16:creationId xmlns:a16="http://schemas.microsoft.com/office/drawing/2014/main" id="{66CDBB1E-AF3C-43FC-9F34-2DD691F81726}"/>
-                </a:ext>
-              </a:extLst>
-            </p:cNvPr>
-            <p:cNvSpPr/>
-            <p:nvPr userDrawn="1"/>
-          </p:nvSpPr>
-          <p:spPr>
-            <a:xfrm rot="5400000">
-              <a:off x="3762569" y="1912372"/>
-              <a:ext cx="669775" cy="238503"/>
-            </a:xfrm>
-            <a:prstGeom prst="halfFrame">
-              <a:avLst>
-                <a:gd name="adj1" fmla="val 23728"/>
-                <a:gd name="adj2" fmla="val 24642"/>
-              </a:avLst>
-            </a:prstGeom>
-            <a:solidFill>
-              <a:schemeClr val="bg2">
-                <a:alpha val="23000"/>
-              </a:schemeClr>
-            </a:solidFill>
-            <a:ln>
-              <a:noFill/>
-            </a:ln>
-          </p:spPr>
-          <p:style>
-            <a:lnRef idx="2">
-              <a:schemeClr val="accent1">
-                <a:shade val="50000"/>
-              </a:schemeClr>
-            </a:lnRef>
-            <a:fillRef idx="1">
-              <a:schemeClr val="accent1"/>
-            </a:fillRef>
-            <a:effectRef idx="0">
-              <a:schemeClr val="accent1"/>
-            </a:effectRef>
-            <a:fontRef idx="minor">
-              <a:schemeClr val="lt1"/>
-            </a:fontRef>
-          </p:style>
-          <p:txBody>
-            <a:bodyPr rtlCol="0" anchor="ctr"/>
-            <a:lstStyle/>
-            <a:p>
-              <a:pPr algn="ctr"/>
-              <a:endParaRPr lang="ko-KR" altLang="en-US" sz="2399">
-                <a:solidFill>
-                  <a:schemeClr val="tx1"/>
-                </a:solidFill>
-              </a:endParaRPr>
-            </a:p>
-          </p:txBody>
-        </p:sp>
-      </p:grpSp>
-      <p:pic>
-        <p:nvPicPr>
-          <p:cNvPr id="13" name="Picture 12">
-            <a:extLst>
-              <a:ext uri="{FF2B5EF4-FFF2-40B4-BE49-F238E27FC236}">
-                <a16:creationId xmlns:a16="http://schemas.microsoft.com/office/drawing/2014/main" id="{CCC3A316-993C-4741-8826-E104F27650A3}"/>
-              </a:ext>
-            </a:extLst>
-          </p:cNvPr>
-          <p:cNvPicPr>
-            <a:picLocks noChangeAspect="1"/>
-          </p:cNvPicPr>
-          <p:nvPr/>
-        </p:nvPicPr>
-        <p:blipFill rotWithShape="1">
-          <a:blip r:embed="rId3" cstate="print">
-            <a:extLst>
-              <a:ext uri="{28A0092B-C50C-407E-A947-70E740481C1C}">
-                <a14:useLocalDpi xmlns:a14="http://schemas.microsoft.com/office/drawing/2010/main" val="0"/>
-              </a:ext>
-            </a:extLst>
-          </a:blip>
-          <a:srcRect/>
-          <a:stretch/>
-        </p:blipFill>
-        <p:spPr>
-          <a:xfrm flipH="1">
-            <a:off x="8824937" y="3276641"/>
-            <a:ext cx="2882677" cy="3119781"/>
-          </a:xfrm>
-          <a:prstGeom prst="rect">
-            <a:avLst/>
-          </a:prstGeom>
-        </p:spPr>
-      </p:pic>
-      <p:sp>
-        <p:nvSpPr>
-          <p:cNvPr id="15" name="Content Placeholder 4">
-            <a:extLst>
-              <a:ext uri="{FF2B5EF4-FFF2-40B4-BE49-F238E27FC236}">
-                <a16:creationId xmlns:a16="http://schemas.microsoft.com/office/drawing/2014/main" id="{B96A0DF8-27E7-4DC8-BBE3-7238AAAEB845}"/>
-              </a:ext>
-            </a:extLst>
-          </p:cNvPr>
-          <p:cNvSpPr txBox="1">
-            <a:spLocks/>
-          </p:cNvSpPr>
-          <p:nvPr/>
-        </p:nvSpPr>
-        <p:spPr>
-          <a:xfrm>
-            <a:off x="543073" y="1723769"/>
-            <a:ext cx="8281864" cy="4772370"/>
-          </a:xfrm>
-          <a:prstGeom prst="rect">
-            <a:avLst/>
-          </a:prstGeom>
-        </p:spPr>
-        <p:txBody>
-          <a:bodyPr vert="horz" lIns="108000" tIns="36000" rIns="108000" bIns="36000" rtlCol="0">
-            <a:normAutofit lnSpcReduction="10000"/>
-          </a:bodyPr>
-          <a:lstStyle>
-            <a:lvl1pPr marL="456915" indent="-456915" algn="l" defTabSz="1218438" rtl="0" eaLnBrk="1" latinLnBrk="1" hangingPunct="1">
-              <a:lnSpc>
-                <a:spcPct val="105000"/>
-              </a:lnSpc>
-              <a:spcBef>
-                <a:spcPts val="600"/>
-              </a:spcBef>
-              <a:spcAft>
-                <a:spcPts val="600"/>
-              </a:spcAft>
-              <a:buFont typeface="Wingdings" panose="05000000000000000000" pitchFamily="2" charset="2"/>
-              <a:buChar char="§"/>
-              <a:defRPr sz="3398" kern="1200">
-                <a:solidFill>
-                  <a:schemeClr val="tx1"/>
-                </a:solidFill>
-                <a:latin typeface="+mn-lt"/>
-                <a:ea typeface="+mn-ea"/>
-                <a:cs typeface="+mn-cs"/>
-              </a:defRPr>
-            </a:lvl1pPr>
-            <a:lvl2pPr marL="989981" indent="-380762" algn="l" defTabSz="1218438" rtl="0" eaLnBrk="1" latinLnBrk="1" hangingPunct="1">
-              <a:lnSpc>
-                <a:spcPct val="105000"/>
-              </a:lnSpc>
-              <a:spcBef>
-                <a:spcPts val="600"/>
-              </a:spcBef>
-              <a:spcAft>
-                <a:spcPts val="600"/>
-              </a:spcAft>
-              <a:buFont typeface="Wingdings" panose="05000000000000000000" pitchFamily="2" charset="2"/>
-              <a:buChar char="§"/>
-              <a:defRPr sz="3198" kern="1200">
-                <a:solidFill>
-                  <a:schemeClr val="tx1"/>
-                </a:solidFill>
-                <a:latin typeface="+mn-lt"/>
-                <a:ea typeface="+mn-ea"/>
-                <a:cs typeface="+mn-cs"/>
-              </a:defRPr>
-            </a:lvl2pPr>
-            <a:lvl3pPr marL="1523048" indent="-304610" algn="l" defTabSz="1218438" rtl="0" eaLnBrk="1" latinLnBrk="1" hangingPunct="1">
-              <a:lnSpc>
-                <a:spcPct val="105000"/>
-              </a:lnSpc>
-              <a:spcBef>
-                <a:spcPts val="600"/>
-              </a:spcBef>
-              <a:spcAft>
-                <a:spcPts val="600"/>
-              </a:spcAft>
-              <a:buFont typeface="Wingdings" panose="05000000000000000000" pitchFamily="2" charset="2"/>
-              <a:buChar char="§"/>
-              <a:defRPr sz="2998" kern="1200">
-                <a:solidFill>
-                  <a:schemeClr val="tx1"/>
-                </a:solidFill>
-                <a:latin typeface="+mn-lt"/>
-                <a:ea typeface="+mn-ea"/>
-                <a:cs typeface="+mn-cs"/>
-              </a:defRPr>
-            </a:lvl3pPr>
-            <a:lvl4pPr marL="2132267" indent="-304610" algn="l" defTabSz="1218438" rtl="0" eaLnBrk="1" latinLnBrk="1" hangingPunct="1">
-              <a:lnSpc>
-                <a:spcPct val="105000"/>
-              </a:lnSpc>
-              <a:spcBef>
-                <a:spcPts val="600"/>
-              </a:spcBef>
-              <a:spcAft>
-                <a:spcPts val="600"/>
-              </a:spcAft>
-              <a:buFont typeface="Wingdings" panose="05000000000000000000" pitchFamily="2" charset="2"/>
-              <a:buChar char="§"/>
-              <a:defRPr sz="2798" kern="1200">
-                <a:solidFill>
-                  <a:schemeClr val="tx1"/>
-                </a:solidFill>
-                <a:latin typeface="+mn-lt"/>
-                <a:ea typeface="+mn-ea"/>
-                <a:cs typeface="+mn-cs"/>
-              </a:defRPr>
-            </a:lvl4pPr>
-            <a:lvl5pPr marL="2741485" indent="-304610" algn="l" defTabSz="1218438" rtl="0" eaLnBrk="1" latinLnBrk="1" hangingPunct="1">
-              <a:lnSpc>
-                <a:spcPct val="105000"/>
-              </a:lnSpc>
-              <a:spcBef>
-                <a:spcPts val="600"/>
-              </a:spcBef>
-              <a:spcAft>
-                <a:spcPts val="600"/>
-              </a:spcAft>
-              <a:buFont typeface="Wingdings" panose="05000000000000000000" pitchFamily="2" charset="2"/>
-              <a:buChar char="§"/>
-              <a:defRPr sz="2598" kern="1200">
-                <a:solidFill>
-                  <a:schemeClr val="tx1"/>
-                </a:solidFill>
-                <a:latin typeface="+mn-lt"/>
-                <a:ea typeface="+mn-ea"/>
-                <a:cs typeface="+mn-cs"/>
-              </a:defRPr>
-            </a:lvl5pPr>
-            <a:lvl6pPr marL="3350704" indent="-304610" algn="l" defTabSz="1218438" rtl="0" eaLnBrk="1" latinLnBrk="1" hangingPunct="1">
-              <a:spcBef>
-                <a:spcPct val="20000"/>
-              </a:spcBef>
-              <a:buFont typeface="Arial" pitchFamily="34" charset="0"/>
-              <a:buChar char="•"/>
-              <a:defRPr sz="2665" kern="1200">
-                <a:solidFill>
-                  <a:schemeClr val="tx1"/>
-                </a:solidFill>
-                <a:latin typeface="+mn-lt"/>
-                <a:ea typeface="+mn-ea"/>
-                <a:cs typeface="+mn-cs"/>
-              </a:defRPr>
-            </a:lvl6pPr>
-            <a:lvl7pPr marL="3959924" indent="-304610" algn="l" defTabSz="1218438" rtl="0" eaLnBrk="1" latinLnBrk="1" hangingPunct="1">
-              <a:spcBef>
-                <a:spcPct val="20000"/>
-              </a:spcBef>
-              <a:buFont typeface="Arial" pitchFamily="34" charset="0"/>
-              <a:buChar char="•"/>
-              <a:defRPr sz="2665" kern="1200">
-                <a:solidFill>
-                  <a:schemeClr val="tx1"/>
-                </a:solidFill>
-                <a:latin typeface="+mn-lt"/>
-                <a:ea typeface="+mn-ea"/>
-                <a:cs typeface="+mn-cs"/>
-              </a:defRPr>
-            </a:lvl7pPr>
-            <a:lvl8pPr marL="4569143" indent="-304610" algn="l" defTabSz="1218438" rtl="0" eaLnBrk="1" latinLnBrk="1" hangingPunct="1">
-              <a:spcBef>
-                <a:spcPct val="20000"/>
-              </a:spcBef>
-              <a:buFont typeface="Arial" pitchFamily="34" charset="0"/>
-              <a:buChar char="•"/>
-              <a:defRPr sz="2665" kern="1200">
-                <a:solidFill>
-                  <a:schemeClr val="tx1"/>
-                </a:solidFill>
-                <a:latin typeface="+mn-lt"/>
-                <a:ea typeface="+mn-ea"/>
-                <a:cs typeface="+mn-cs"/>
-              </a:defRPr>
-            </a:lvl8pPr>
-            <a:lvl9pPr marL="5178362" indent="-304610" algn="l" defTabSz="1218438" rtl="0" eaLnBrk="1" latinLnBrk="1" hangingPunct="1">
-              <a:spcBef>
-                <a:spcPct val="20000"/>
-              </a:spcBef>
-              <a:buFont typeface="Arial" pitchFamily="34" charset="0"/>
-              <a:buChar char="•"/>
-              <a:defRPr sz="2665" kern="1200">
-                <a:solidFill>
-                  <a:schemeClr val="tx1"/>
-                </a:solidFill>
-                <a:latin typeface="+mn-lt"/>
-                <a:ea typeface="+mn-ea"/>
-                <a:cs typeface="+mn-cs"/>
-              </a:defRPr>
-            </a:lvl9pPr>
-          </a:lstStyle>
-          <a:p>
-            <a:pPr>
-              <a:lnSpc>
-                <a:spcPct val="100000"/>
-              </a:lnSpc>
-            </a:pPr>
-            <a:r>
-              <a:rPr lang="bg-BG" sz="3600" dirty="0">
-                <a:solidFill>
-                  <a:schemeClr val="bg2"/>
-                </a:solidFill>
-              </a:rPr>
-              <a:t>Наследяването ни позволява да </a:t>
-            </a:r>
-            <a:br>
-              <a:rPr lang="bg-BG" sz="3600" dirty="0">
-                <a:solidFill>
-                  <a:schemeClr val="bg2"/>
-                </a:solidFill>
-              </a:rPr>
-            </a:br>
-            <a:r>
-              <a:rPr lang="bg-BG" sz="3600" b="1" dirty="0" err="1">
-                <a:solidFill>
-                  <a:schemeClr val="bg1">
-                    <a:lumMod val="60000"/>
-                    <a:lumOff val="40000"/>
-                  </a:schemeClr>
-                </a:solidFill>
-              </a:rPr>
-              <a:t>преизползваме</a:t>
-            </a:r>
-            <a:r>
-              <a:rPr lang="bg-BG" sz="3600" b="1" dirty="0">
-                <a:solidFill>
-                  <a:schemeClr val="bg1">
-                    <a:lumMod val="60000"/>
-                    <a:lumOff val="40000"/>
-                  </a:schemeClr>
-                </a:solidFill>
-              </a:rPr>
-              <a:t> код</a:t>
-            </a:r>
-            <a:endParaRPr lang="en-US" sz="3600" b="1" dirty="0">
-              <a:solidFill>
-                <a:schemeClr val="bg1">
-                  <a:lumMod val="60000"/>
-                  <a:lumOff val="40000"/>
-                </a:schemeClr>
-              </a:solidFill>
-            </a:endParaRPr>
-          </a:p>
-          <a:p>
-            <a:pPr>
-              <a:lnSpc>
-                <a:spcPct val="100000"/>
-              </a:lnSpc>
-              <a:buClr>
-                <a:schemeClr val="bg2"/>
-              </a:buClr>
-            </a:pPr>
-            <a:r>
-              <a:rPr lang="bg-BG" sz="3600" b="1" dirty="0">
-                <a:solidFill>
-                  <a:schemeClr val="bg1">
-                    <a:lumMod val="60000"/>
-                    <a:lumOff val="40000"/>
-                  </a:schemeClr>
-                </a:solidFill>
-              </a:rPr>
-              <a:t>Наследяването</a:t>
-            </a:r>
-            <a:r>
-              <a:rPr lang="en-US" sz="3600" b="1" dirty="0">
-                <a:solidFill>
-                  <a:schemeClr val="bg2"/>
-                </a:solidFill>
-              </a:rPr>
-              <a:t> </a:t>
-            </a:r>
-            <a:r>
-              <a:rPr lang="bg-BG" sz="3600" dirty="0">
-                <a:solidFill>
-                  <a:schemeClr val="bg2"/>
-                </a:solidFill>
-              </a:rPr>
-              <a:t>води до </a:t>
-            </a:r>
-            <a:r>
-              <a:rPr lang="bg-BG" sz="3600" b="1" dirty="0">
-                <a:solidFill>
-                  <a:schemeClr val="bg1">
-                    <a:lumMod val="60000"/>
-                    <a:lumOff val="40000"/>
-                  </a:schemeClr>
-                </a:solidFill>
-              </a:rPr>
-              <a:t>йерархии</a:t>
-            </a:r>
-            <a:r>
-              <a:rPr lang="en-US" sz="3600" b="1" dirty="0">
-                <a:solidFill>
-                  <a:schemeClr val="bg2"/>
-                </a:solidFill>
-              </a:rPr>
-              <a:t> </a:t>
-            </a:r>
-          </a:p>
-          <a:p>
-            <a:pPr>
-              <a:lnSpc>
-                <a:spcPct val="100000"/>
-              </a:lnSpc>
-              <a:buClr>
-                <a:schemeClr val="bg2"/>
-              </a:buClr>
-            </a:pPr>
-            <a:r>
-              <a:rPr lang="bg-BG" sz="3600" b="1" dirty="0">
-                <a:solidFill>
-                  <a:schemeClr val="bg1">
-                    <a:lumMod val="60000"/>
-                    <a:lumOff val="40000"/>
-                  </a:schemeClr>
-                </a:solidFill>
-              </a:rPr>
-              <a:t>Подкласа наследява </a:t>
-            </a:r>
-            <a:r>
-              <a:rPr lang="bg-BG" sz="3600" dirty="0">
-                <a:solidFill>
-                  <a:schemeClr val="bg2"/>
-                </a:solidFill>
-              </a:rPr>
-              <a:t>членовете от</a:t>
-            </a:r>
-            <a:br>
-              <a:rPr lang="en-US" sz="3600" dirty="0">
-                <a:solidFill>
-                  <a:schemeClr val="bg2"/>
-                </a:solidFill>
-              </a:rPr>
-            </a:br>
-            <a:r>
-              <a:rPr lang="bg-BG" sz="3600" b="1" dirty="0">
-                <a:solidFill>
-                  <a:schemeClr val="bg1">
-                    <a:lumMod val="60000"/>
-                    <a:lumOff val="40000"/>
-                  </a:schemeClr>
-                </a:solidFill>
-              </a:rPr>
-              <a:t>суперкласа</a:t>
-            </a:r>
-            <a:r>
-              <a:rPr lang="en-US" sz="3600" dirty="0">
-                <a:solidFill>
-                  <a:schemeClr val="bg2"/>
-                </a:solidFill>
-              </a:rPr>
-              <a:t> </a:t>
-            </a:r>
-            <a:r>
-              <a:rPr lang="bg-BG" sz="3600" dirty="0">
-                <a:solidFill>
-                  <a:schemeClr val="bg2"/>
-                </a:solidFill>
-              </a:rPr>
-              <a:t>и може да </a:t>
-            </a:r>
-            <a:r>
-              <a:rPr lang="bg-BG" sz="3600" b="1" dirty="0">
-                <a:solidFill>
-                  <a:schemeClr val="bg1">
-                    <a:lumMod val="60000"/>
-                    <a:lumOff val="40000"/>
-                  </a:schemeClr>
-                </a:solidFill>
-              </a:rPr>
-              <a:t>презаписва</a:t>
-            </a:r>
-            <a:r>
-              <a:rPr lang="en-US" sz="3600" dirty="0">
-                <a:solidFill>
-                  <a:schemeClr val="bg2"/>
-                </a:solidFill>
-              </a:rPr>
-              <a:t> </a:t>
-            </a:r>
-            <a:br>
-              <a:rPr lang="bg-BG" sz="3600" dirty="0">
-                <a:solidFill>
-                  <a:schemeClr val="bg2"/>
-                </a:solidFill>
-              </a:rPr>
-            </a:br>
-            <a:r>
-              <a:rPr lang="bg-BG" sz="3600" dirty="0">
-                <a:solidFill>
-                  <a:schemeClr val="bg2"/>
-                </a:solidFill>
-              </a:rPr>
-              <a:t>методи</a:t>
-            </a:r>
-            <a:endParaRPr lang="en-US" sz="3600" b="1" dirty="0">
-              <a:solidFill>
-                <a:schemeClr val="bg1"/>
-              </a:solidFill>
-            </a:endParaRPr>
-          </a:p>
-          <a:p>
-            <a:pPr>
-              <a:lnSpc>
-                <a:spcPct val="100000"/>
-              </a:lnSpc>
-            </a:pPr>
-            <a:r>
-              <a:rPr lang="bg-BG" sz="3600" dirty="0">
-                <a:solidFill>
-                  <a:schemeClr val="bg2"/>
-                </a:solidFill>
-              </a:rPr>
-              <a:t>Следете за класове с </a:t>
-            </a:r>
-            <a:r>
-              <a:rPr lang="bg-BG" sz="3600" b="1" dirty="0">
-                <a:solidFill>
-                  <a:schemeClr val="bg1">
-                    <a:lumMod val="60000"/>
-                    <a:lumOff val="40000"/>
-                  </a:schemeClr>
-                </a:solidFill>
-              </a:rPr>
-              <a:t>еднаква роля</a:t>
-            </a:r>
-            <a:endParaRPr lang="en-US" sz="3600" b="1" dirty="0">
-              <a:solidFill>
-                <a:schemeClr val="bg1">
-                  <a:lumMod val="60000"/>
-                  <a:lumOff val="40000"/>
-                </a:schemeClr>
-              </a:solidFill>
-            </a:endParaRPr>
-          </a:p>
-          <a:p>
-            <a:pPr>
-              <a:lnSpc>
-                <a:spcPct val="100000"/>
-              </a:lnSpc>
-            </a:pPr>
-            <a:r>
-              <a:rPr lang="bg-BG" sz="3600" dirty="0">
-                <a:solidFill>
-                  <a:schemeClr val="bg2"/>
-                </a:solidFill>
-              </a:rPr>
-              <a:t>Обмислете</a:t>
-            </a:r>
-            <a:r>
-              <a:rPr lang="en-US" sz="3600" dirty="0">
-                <a:solidFill>
-                  <a:schemeClr val="bg2"/>
-                </a:solidFill>
-              </a:rPr>
-              <a:t> </a:t>
-            </a:r>
-            <a:r>
-              <a:rPr lang="bg-BG" sz="3600" b="1" dirty="0">
-                <a:solidFill>
-                  <a:schemeClr val="bg1">
-                    <a:lumMod val="60000"/>
-                    <a:lumOff val="40000"/>
-                  </a:schemeClr>
-                </a:solidFill>
-              </a:rPr>
-              <a:t>композиция</a:t>
-            </a:r>
-            <a:r>
-              <a:rPr lang="en-US" sz="3600" b="1" dirty="0">
-                <a:solidFill>
-                  <a:schemeClr val="bg1"/>
-                </a:solidFill>
-              </a:rPr>
-              <a:t> </a:t>
-            </a:r>
-            <a:r>
-              <a:rPr lang="bg-BG" sz="3600" dirty="0">
-                <a:solidFill>
-                  <a:schemeClr val="bg2"/>
-                </a:solidFill>
-              </a:rPr>
-              <a:t>и</a:t>
-            </a:r>
-            <a:r>
-              <a:rPr lang="en-US" sz="3600" dirty="0">
-                <a:solidFill>
-                  <a:schemeClr val="bg2"/>
-                </a:solidFill>
-              </a:rPr>
-              <a:t> </a:t>
-            </a:r>
-            <a:r>
-              <a:rPr lang="bg-BG" sz="3600" b="1" dirty="0">
-                <a:solidFill>
-                  <a:schemeClr val="bg1">
-                    <a:lumMod val="60000"/>
-                    <a:lumOff val="40000"/>
-                  </a:schemeClr>
-                </a:solidFill>
-              </a:rPr>
-              <a:t>делегиране</a:t>
-            </a:r>
-            <a:endParaRPr lang="en-US" sz="3600" dirty="0">
-              <a:solidFill>
-                <a:schemeClr val="bg1">
-                  <a:lumMod val="60000"/>
-                  <a:lumOff val="40000"/>
-                </a:schemeClr>
-              </a:solidFill>
-            </a:endParaRPr>
-          </a:p>
-        </p:txBody>
-      </p:sp>
-      <p:sp>
-        <p:nvSpPr>
-          <p:cNvPr id="16" name="Slide Number">
-            <a:extLst>
-              <a:ext uri="{FF2B5EF4-FFF2-40B4-BE49-F238E27FC236}">
-                <a16:creationId xmlns:a16="http://schemas.microsoft.com/office/drawing/2014/main" id="{94EBDCF4-856C-4D57-A806-911ECB7924DE}"/>
-              </a:ext>
-            </a:extLst>
-          </p:cNvPr>
-          <p:cNvSpPr>
-            <a:spLocks noGrp="1"/>
-          </p:cNvSpPr>
-          <p:nvPr>
-            <p:ph type="sldNum" sz="quarter" idx="5"/>
-          </p:nvPr>
-        </p:nvSpPr>
-        <p:spPr>
-          <a:xfrm>
-            <a:off x="11753030" y="6507000"/>
-            <a:ext cx="367414" cy="297000"/>
-          </a:xfrm>
-          <a:prstGeom prst="rect">
-            <a:avLst/>
-          </a:prstGeom>
-        </p:spPr>
-        <p:txBody>
-          <a:bodyPr vert="horz" lIns="91440" tIns="45720" rIns="91440" bIns="45720" rtlCol="0" anchor="b"/>
-          <a:lstStyle>
-            <a:lvl1pPr algn="r">
-              <a:defRPr sz="1000"/>
-            </a:lvl1pPr>
-          </a:lstStyle>
-          <a:p>
-            <a:fld id="{2BF067CD-8E6B-4360-9AA8-C5DF2A48A6D1}" type="slidenum">
-              <a:rPr lang="en-US" noProof="0" smtClean="0"/>
-              <a:pPr/>
-              <a:t>46</a:t>
-            </a:fld>
-            <a:endParaRPr lang="en-US" noProof="0" dirty="0"/>
-          </a:p>
-        </p:txBody>
-      </p:sp>
-    </p:spTree>
-    <p:extLst>
-      <p:ext uri="{BB962C8B-B14F-4D97-AF65-F5344CB8AC3E}">
-        <p14:creationId xmlns:p14="http://schemas.microsoft.com/office/powerpoint/2010/main" val="4149141802"/>
-      </p:ext>
-    </p:extLst>
-  </p:cSld>
-  <p:clrMapOvr>
-    <a:masterClrMapping/>
-  </p:clrMapOvr>
-  <mc:AlternateContent xmlns:mc="http://schemas.openxmlformats.org/markup-compatibility/2006" xmlns:p14="http://schemas.microsoft.com/office/powerpoint/2010/main">
-    <mc:Choice Requires="p14">
-      <p:transition p14:dur="0" advClick="0" advTm="5000"/>
-    </mc:Choice>
-    <mc:Fallback xmlns="">
-      <p:transition advClick="0" advTm="5000"/>
-    </mc:Fallback>
-  </mc:AlternateContent>
-  <p:timing>
-    <p:tnLst>
-      <p:par>
-        <p:cTn id="1" dur="indefinite" restart="never" nodeType="tmRoot">
-          <p:childTnLst>
-            <p:seq concurrent="1" nextAc="seek">
-              <p:cTn id="2" dur="indefinite" nodeType="mainSeq">
-                <p:childTnLst>
-                  <p:par>
-                    <p:cTn id="3" fill="hold">
-                      <p:stCondLst>
-                        <p:cond delay="indefinite"/>
-                      </p:stCondLst>
-                      <p:childTnLst>
-                        <p:par>
-                          <p:cTn id="4" fill="hold">
-                            <p:stCondLst>
-                              <p:cond delay="0"/>
-                            </p:stCondLst>
-                            <p:childTnLst>
-                              <p:par>
-                                <p:cTn id="5" presetID="1" presetClass="entr" presetSubtype="0" fill="hold" nodeType="clickEffect">
-                                  <p:stCondLst>
-                                    <p:cond delay="0"/>
-                                  </p:stCondLst>
-                                  <p:childTnLst>
-                                    <p:set>
-                                      <p:cBhvr>
-                                        <p:cTn id="6" dur="1" fill="hold">
-                                          <p:stCondLst>
-                                            <p:cond delay="0"/>
-                                          </p:stCondLst>
-                                        </p:cTn>
-                                        <p:tgtEl>
-                                          <p:spTgt spid="15">
-                                            <p:txEl>
-                                              <p:pRg st="1" end="1"/>
-                                            </p:txEl>
-                                          </p:spTgt>
-                                        </p:tgtEl>
-                                        <p:attrNameLst>
-                                          <p:attrName>style.visibility</p:attrName>
-                                        </p:attrNameLst>
-                                      </p:cBhvr>
-                                      <p:to>
-                                        <p:strVal val="visible"/>
-                                      </p:to>
-                                    </p:set>
-                                  </p:childTnLst>
-                                </p:cTn>
-                              </p:par>
-                            </p:childTnLst>
-                          </p:cTn>
-                        </p:par>
-                      </p:childTnLst>
-                    </p:cTn>
-                  </p:par>
-                  <p:par>
-                    <p:cTn id="7" fill="hold">
-                      <p:stCondLst>
-                        <p:cond delay="indefinite"/>
-                      </p:stCondLst>
-                      <p:childTnLst>
-                        <p:par>
-                          <p:cTn id="8" fill="hold">
-                            <p:stCondLst>
-                              <p:cond delay="0"/>
-                            </p:stCondLst>
-                            <p:childTnLst>
-                              <p:par>
-                                <p:cTn id="9" presetID="1" presetClass="entr" presetSubtype="0" fill="hold" nodeType="clickEffect">
-                                  <p:stCondLst>
-                                    <p:cond delay="0"/>
-                                  </p:stCondLst>
-                                  <p:childTnLst>
-                                    <p:set>
-                                      <p:cBhvr>
-                                        <p:cTn id="10" dur="1" fill="hold">
-                                          <p:stCondLst>
-                                            <p:cond delay="0"/>
-                                          </p:stCondLst>
-                                        </p:cTn>
-                                        <p:tgtEl>
-                                          <p:spTgt spid="15">
-                                            <p:txEl>
-                                              <p:pRg st="2" end="2"/>
-                                            </p:txEl>
-                                          </p:spTgt>
-                                        </p:tgtEl>
-                                        <p:attrNameLst>
-                                          <p:attrName>style.visibility</p:attrName>
-                                        </p:attrNameLst>
-                                      </p:cBhvr>
-                                      <p:to>
-                                        <p:strVal val="visible"/>
-                                      </p:to>
-                                    </p:set>
-                                  </p:childTnLst>
-                                </p:cTn>
-                              </p:par>
-                            </p:childTnLst>
-                          </p:cTn>
-                        </p:par>
-                      </p:childTnLst>
-                    </p:cTn>
-                  </p:par>
-                  <p:par>
-                    <p:cTn id="11" fill="hold">
-                      <p:stCondLst>
-                        <p:cond delay="indefinite"/>
-                      </p:stCondLst>
-                      <p:childTnLst>
-                        <p:par>
-                          <p:cTn id="12" fill="hold">
-                            <p:stCondLst>
-                              <p:cond delay="0"/>
-                            </p:stCondLst>
-                            <p:childTnLst>
-                              <p:par>
-                                <p:cTn id="13" presetID="1" presetClass="entr" presetSubtype="0" fill="hold" nodeType="clickEffect">
-                                  <p:stCondLst>
-                                    <p:cond delay="0"/>
-                                  </p:stCondLst>
-                                  <p:childTnLst>
-                                    <p:set>
-                                      <p:cBhvr>
-                                        <p:cTn id="14" dur="1" fill="hold">
-                                          <p:stCondLst>
-                                            <p:cond delay="0"/>
-                                          </p:stCondLst>
-                                        </p:cTn>
-                                        <p:tgtEl>
-                                          <p:spTgt spid="15">
-                                            <p:txEl>
-                                              <p:pRg st="3" end="3"/>
-                                            </p:txEl>
-                                          </p:spTgt>
-                                        </p:tgtEl>
-                                        <p:attrNameLst>
-                                          <p:attrName>style.visibility</p:attrName>
-                                        </p:attrNameLst>
-                                      </p:cBhvr>
-                                      <p:to>
-                                        <p:strVal val="visible"/>
-                                      </p:to>
-                                    </p:set>
-                                  </p:childTnLst>
-                                </p:cTn>
-                              </p:par>
-                            </p:childTnLst>
-                          </p:cTn>
-                        </p:par>
-                      </p:childTnLst>
-                    </p:cTn>
-                  </p:par>
-                  <p:par>
-                    <p:cTn id="15" fill="hold">
-                      <p:stCondLst>
-                        <p:cond delay="indefinite"/>
-                      </p:stCondLst>
-                      <p:childTnLst>
-                        <p:par>
-                          <p:cTn id="16" fill="hold">
-                            <p:stCondLst>
-                              <p:cond delay="0"/>
-                            </p:stCondLst>
-                            <p:childTnLst>
-                              <p:par>
-                                <p:cTn id="17" presetID="1" presetClass="entr" presetSubtype="0" fill="hold" nodeType="clickEffect">
-                                  <p:stCondLst>
-                                    <p:cond delay="0"/>
-                                  </p:stCondLst>
-                                  <p:childTnLst>
-                                    <p:set>
-                                      <p:cBhvr>
-                                        <p:cTn id="18" dur="1" fill="hold">
-                                          <p:stCondLst>
-                                            <p:cond delay="0"/>
-                                          </p:stCondLst>
-                                        </p:cTn>
-                                        <p:tgtEl>
-                                          <p:spTgt spid="15">
-                                            <p:txEl>
-                                              <p:pRg st="4" end="4"/>
-                                            </p:txEl>
-                                          </p:spTgt>
-                                        </p:tgtEl>
-                                        <p:attrNameLst>
-                                          <p:attrName>style.visibility</p:attrName>
-                                        </p:attrNameLst>
-                                      </p:cBhvr>
-                                      <p:to>
-                                        <p:strVal val="visible"/>
-                                      </p:to>
-                                    </p:set>
-                                  </p:childTnLst>
-                                </p:cTn>
-                              </p:par>
-                            </p:childTnLst>
-                          </p:cTn>
-                        </p:par>
-                      </p:childTnLst>
-                    </p:cTn>
-                  </p:par>
-                </p:childTnLst>
-              </p:cTn>
-              <p:prevCondLst>
-                <p:cond evt="onPrev" delay="0">
-                  <p:tgtEl>
-                    <p:sldTgt/>
-                  </p:tgtEl>
-                </p:cond>
-              </p:prevCondLst>
-              <p:nextCondLst>
-                <p:cond evt="onNext" delay="0">
-                  <p:tgtEl>
-                    <p:sldTgt/>
-                  </p:tgtEl>
-                </p:cond>
-              </p:nextCondLst>
-            </p:seq>
-          </p:childTnLst>
-        </p:cTn>
-      </p:par>
-    </p:tnLst>
-  </p:timing>
-</p:sld>
-</file>
-
-<file path=ppt/slides/slide47.xml><?xml version="1.0" encoding="utf-8"?>
-<p:sld xmlns:a="http://schemas.openxmlformats.org/drawingml/2006/main" xmlns:r="http://schemas.openxmlformats.org/officeDocument/2006/relationships" xmlns:p="http://schemas.openxmlformats.org/presentationml/2006/main">
-  <p:cSld>
-    <p:spTree>
-      <p:nvGrpSpPr>
-        <p:cNvPr id="1" name=""/>
-        <p:cNvGrpSpPr/>
-        <p:nvPr/>
-      </p:nvGrpSpPr>
-      <p:grpSpPr>
-        <a:xfrm>
-          <a:off x="0" y="0"/>
-          <a:ext cx="0" cy="0"/>
-          <a:chOff x="0" y="0"/>
-          <a:chExt cx="0" cy="0"/>
-        </a:xfrm>
-      </p:grpSpPr>
-      <p:sp>
-        <p:nvSpPr>
-          <p:cNvPr id="5" name="Slide Title">
-            <a:extLst>
-              <a:ext uri="{FF2B5EF4-FFF2-40B4-BE49-F238E27FC236}">
-                <a16:creationId xmlns:a16="http://schemas.microsoft.com/office/drawing/2014/main" id="{FA0703FC-0F8F-4C80-A615-E4B381EC0E0C}"/>
-              </a:ext>
-            </a:extLst>
-          </p:cNvPr>
-          <p:cNvSpPr>
-            <a:spLocks noGrp="1"/>
-          </p:cNvSpPr>
-          <p:nvPr>
-            <p:ph type="title"/>
-          </p:nvPr>
-        </p:nvSpPr>
-        <p:spPr/>
-        <p:txBody>
-          <a:bodyPr/>
-          <a:lstStyle/>
-          <a:p>
-            <a:r>
-              <a:rPr lang="bg-BG" sz="8800" dirty="0">
-                <a:solidFill>
-                  <a:srgbClr val="234465"/>
-                </a:solidFill>
-              </a:rPr>
-              <a:t>Въпроси</a:t>
-            </a:r>
-            <a:r>
-              <a:rPr lang="en-US" sz="8800" dirty="0">
-                <a:solidFill>
-                  <a:srgbClr val="234465"/>
-                </a:solidFill>
-              </a:rPr>
-              <a:t>?</a:t>
-            </a:r>
-            <a:endParaRPr lang="en-US" sz="8800" dirty="0"/>
-          </a:p>
-        </p:txBody>
-      </p:sp>
-    </p:spTree>
-    <p:extLst>
-      <p:ext uri="{BB962C8B-B14F-4D97-AF65-F5344CB8AC3E}">
-        <p14:creationId xmlns:p14="http://schemas.microsoft.com/office/powerpoint/2010/main" val="3140127689"/>
-      </p:ext>
-    </p:extLst>
-  </p:cSld>
-  <p:clrMapOvr>
-    <a:masterClrMapping/>
-  </p:clrMapOvr>
-  <mc:AlternateContent xmlns:mc="http://schemas.openxmlformats.org/markup-compatibility/2006" xmlns:p14="http://schemas.microsoft.com/office/powerpoint/2010/main">
-    <mc:Choice Requires="p14">
-      <p:transition spd="slow" p14:dur="2000" advClick="0" advTm="5000"/>
-    </mc:Choice>
-    <mc:Fallback xmlns="">
-      <p:transition spd="slow" advClick="0" advTm="5000"/>
-    </mc:Fallback>
-  </mc:AlternateContent>
-</p:sld>
-</file>
-
-<file path=ppt/slides/slide48.xml><?xml version="1.0" encoding="utf-8"?>
-<p:sld xmlns:a="http://schemas.openxmlformats.org/drawingml/2006/main" xmlns:r="http://schemas.openxmlformats.org/officeDocument/2006/relationships" xmlns:p="http://schemas.openxmlformats.org/presentationml/2006/main">
-  <p:cSld>
-    <p:spTree>
-      <p:nvGrpSpPr>
-        <p:cNvPr id="1" name=""/>
-        <p:cNvGrpSpPr/>
-        <p:nvPr/>
-      </p:nvGrpSpPr>
-      <p:grpSpPr>
-        <a:xfrm>
-          <a:off x="0" y="0"/>
-          <a:ext cx="0" cy="0"/>
-          <a:chOff x="0" y="0"/>
-          <a:chExt cx="0" cy="0"/>
-        </a:xfrm>
-      </p:grpSpPr>
-      <p:sp>
-        <p:nvSpPr>
-          <p:cNvPr id="2" name="Slide Body">
-            <a:extLst>
-              <a:ext uri="{FF2B5EF4-FFF2-40B4-BE49-F238E27FC236}">
-                <a16:creationId xmlns:a16="http://schemas.microsoft.com/office/drawing/2014/main" id="{980F49B1-E4BE-4389-A747-7AB9B71AD920}"/>
-              </a:ext>
-            </a:extLst>
-          </p:cNvPr>
-          <p:cNvSpPr>
-            <a:spLocks noGrp="1"/>
-          </p:cNvSpPr>
-          <p:nvPr>
-            <p:ph type="body" sz="quarter" idx="10"/>
-          </p:nvPr>
-        </p:nvSpPr>
-        <p:spPr>
-          <a:xfrm>
-            <a:off x="190402" y="1269001"/>
-            <a:ext cx="11818096" cy="5455890"/>
-          </a:xfrm>
-        </p:spPr>
-        <p:txBody>
-          <a:bodyPr/>
-          <a:lstStyle/>
-          <a:p>
-            <a:pPr>
-              <a:lnSpc>
-                <a:spcPct val="120000"/>
-              </a:lnSpc>
-            </a:pPr>
-            <a:r>
-              <a:rPr lang="bg-BG" dirty="0"/>
-              <a:t>Този курс</a:t>
-            </a:r>
-            <a:r>
-              <a:rPr lang="en-US" dirty="0"/>
-              <a:t> (</a:t>
-            </a:r>
-            <a:r>
-              <a:rPr lang="bg-BG" dirty="0"/>
-              <a:t>презентации, примери, демонстрационен код, упражнения, домашни, видео и други активи</a:t>
-            </a:r>
-            <a:r>
-              <a:rPr lang="en-US" dirty="0"/>
-              <a:t>) </a:t>
-            </a:r>
-            <a:r>
-              <a:rPr lang="bg-BG" dirty="0"/>
-              <a:t>представлява</a:t>
-            </a:r>
-            <a:r>
-              <a:rPr lang="en-US" dirty="0"/>
-              <a:t> </a:t>
-            </a:r>
-            <a:r>
-              <a:rPr lang="bg-BG" b="1" dirty="0"/>
-              <a:t>защитено авторско съдържание</a:t>
-            </a:r>
-            <a:endParaRPr lang="en-US" dirty="0"/>
-          </a:p>
-          <a:p>
-            <a:pPr>
-              <a:lnSpc>
-                <a:spcPct val="120000"/>
-              </a:lnSpc>
-            </a:pPr>
-            <a:r>
-              <a:rPr lang="bg-BG" dirty="0"/>
-              <a:t>Нерегламентирано копиране</a:t>
-            </a:r>
-            <a:r>
-              <a:rPr lang="en-US" dirty="0"/>
-              <a:t>,</a:t>
-            </a:r>
-            <a:r>
-              <a:rPr lang="bg-BG" dirty="0"/>
-              <a:t> разпространение или използване е незаконно</a:t>
-            </a:r>
-          </a:p>
-          <a:p>
-            <a:pPr>
-              <a:lnSpc>
-                <a:spcPct val="120000"/>
-              </a:lnSpc>
-            </a:pPr>
-            <a:r>
-              <a:rPr lang="en-US" dirty="0"/>
-              <a:t>© </a:t>
-            </a:r>
-            <a:r>
-              <a:rPr lang="bg-BG" dirty="0" err="1"/>
-              <a:t>СофтУни</a:t>
-            </a:r>
-            <a:r>
-              <a:rPr lang="en-US" dirty="0"/>
-              <a:t> – </a:t>
-            </a:r>
-            <a:r>
-              <a:rPr lang="en-US" dirty="0">
-                <a:hlinkClick r:id="rId3"/>
-              </a:rPr>
-              <a:t>https://softuni.org</a:t>
-            </a:r>
-            <a:endParaRPr lang="en-US" dirty="0"/>
-          </a:p>
-          <a:p>
-            <a:pPr>
-              <a:lnSpc>
-                <a:spcPct val="120000"/>
-              </a:lnSpc>
-            </a:pPr>
-            <a:r>
-              <a:rPr lang="en-US" dirty="0"/>
-              <a:t>© </a:t>
-            </a:r>
-            <a:r>
-              <a:rPr lang="bg-BG" dirty="0"/>
-              <a:t>Софтуерен университет</a:t>
-            </a:r>
-            <a:r>
-              <a:rPr lang="en-US" dirty="0"/>
-              <a:t> – </a:t>
-            </a:r>
-            <a:r>
-              <a:rPr lang="en-US" dirty="0">
-                <a:hlinkClick r:id="rId4"/>
-              </a:rPr>
-              <a:t>https://softuni.bg</a:t>
-            </a:r>
-            <a:endParaRPr lang="bg-BG" dirty="0"/>
-          </a:p>
-          <a:p>
-            <a:pPr>
-              <a:lnSpc>
-                <a:spcPct val="120000"/>
-              </a:lnSpc>
-            </a:pPr>
-            <a:endParaRPr lang="bg-BG" dirty="0"/>
-          </a:p>
-          <a:p>
-            <a:pPr marL="0" indent="0">
-              <a:lnSpc>
-                <a:spcPct val="120000"/>
-              </a:lnSpc>
-              <a:buNone/>
-            </a:pPr>
-            <a:endParaRPr lang="bg-BG" dirty="0"/>
-          </a:p>
-        </p:txBody>
-      </p:sp>
-      <p:pic>
-        <p:nvPicPr>
-          <p:cNvPr id="6" name="Picture License" descr="License">
-            <a:extLst>
-              <a:ext uri="{FF2B5EF4-FFF2-40B4-BE49-F238E27FC236}">
-                <a16:creationId xmlns:a16="http://schemas.microsoft.com/office/drawing/2014/main" id="{A10A2585-858C-4B1E-8846-27CF1C15729E}"/>
-              </a:ext>
-            </a:extLst>
-          </p:cNvPr>
-          <p:cNvPicPr>
-            <a:picLocks noChangeAspect="1"/>
-          </p:cNvPicPr>
-          <p:nvPr/>
-        </p:nvPicPr>
-        <p:blipFill>
-          <a:blip r:embed="rId5">
-            <a:clrChange>
-              <a:clrFrom>
-                <a:srgbClr val="FFFFFF"/>
-              </a:clrFrom>
-              <a:clrTo>
-                <a:srgbClr val="FFFFFF">
-                  <a:alpha val="0"/>
-                </a:srgbClr>
-              </a:clrTo>
-            </a:clrChange>
-          </a:blip>
-          <a:stretch>
-            <a:fillRect/>
-          </a:stretch>
-        </p:blipFill>
-        <p:spPr>
-          <a:xfrm>
-            <a:off x="9745023" y="4445455"/>
-            <a:ext cx="1930977" cy="2043545"/>
-          </a:xfrm>
-          <a:prstGeom prst="rect">
-            <a:avLst/>
-          </a:prstGeom>
-        </p:spPr>
-      </p:pic>
-      <p:sp>
-        <p:nvSpPr>
-          <p:cNvPr id="3" name="Slide Title">
-            <a:extLst>
-              <a:ext uri="{FF2B5EF4-FFF2-40B4-BE49-F238E27FC236}">
-                <a16:creationId xmlns:a16="http://schemas.microsoft.com/office/drawing/2014/main" id="{E5F1FB41-80C3-4816-BC47-CCC50632E6E8}"/>
-              </a:ext>
-            </a:extLst>
-          </p:cNvPr>
-          <p:cNvSpPr>
-            <a:spLocks noGrp="1"/>
-          </p:cNvSpPr>
-          <p:nvPr>
-            <p:ph type="title"/>
-          </p:nvPr>
-        </p:nvSpPr>
-        <p:spPr/>
-        <p:txBody>
-          <a:bodyPr/>
-          <a:lstStyle/>
-          <a:p>
-            <a:r>
-              <a:rPr lang="bg-BG" dirty="0"/>
-              <a:t>Лиценз</a:t>
-            </a:r>
-          </a:p>
-        </p:txBody>
-      </p:sp>
-      <p:sp>
-        <p:nvSpPr>
-          <p:cNvPr id="7" name="Slide Number">
-            <a:extLst>
-              <a:ext uri="{FF2B5EF4-FFF2-40B4-BE49-F238E27FC236}">
-                <a16:creationId xmlns:a16="http://schemas.microsoft.com/office/drawing/2014/main" id="{0B20C9FE-51B9-4CA1-A3B4-E16FBFC084A5}"/>
-              </a:ext>
-            </a:extLst>
-          </p:cNvPr>
-          <p:cNvSpPr>
-            <a:spLocks noGrp="1"/>
-          </p:cNvSpPr>
-          <p:nvPr>
-            <p:ph type="sldNum" sz="quarter" idx="5"/>
-          </p:nvPr>
-        </p:nvSpPr>
-        <p:spPr>
-          <a:xfrm>
-            <a:off x="11753030" y="6507000"/>
-            <a:ext cx="367414" cy="297000"/>
-          </a:xfrm>
-          <a:prstGeom prst="rect">
-            <a:avLst/>
-          </a:prstGeom>
-        </p:spPr>
-        <p:txBody>
-          <a:bodyPr vert="horz" lIns="91440" tIns="45720" rIns="91440" bIns="45720" rtlCol="0" anchor="b"/>
-          <a:lstStyle>
-            <a:lvl1pPr algn="r">
-              <a:defRPr sz="1000"/>
-            </a:lvl1pPr>
-          </a:lstStyle>
-          <a:p>
-            <a:fld id="{2BF067CD-8E6B-4360-9AA8-C5DF2A48A6D1}" type="slidenum">
-              <a:rPr lang="en-US" noProof="0" smtClean="0"/>
-              <a:pPr/>
-              <a:t>48</a:t>
-            </a:fld>
-            <a:endParaRPr lang="en-US" noProof="0" dirty="0"/>
-          </a:p>
-        </p:txBody>
-      </p:sp>
-    </p:spTree>
-    <p:extLst>
-      <p:ext uri="{BB962C8B-B14F-4D97-AF65-F5344CB8AC3E}">
-        <p14:creationId xmlns:p14="http://schemas.microsoft.com/office/powerpoint/2010/main" val="229369013"/>
-      </p:ext>
-    </p:extLst>
-  </p:cSld>
-  <p:clrMapOvr>
-    <a:masterClrMapping/>
-  </p:clrMapOvr>
-  <mc:AlternateContent xmlns:mc="http://schemas.openxmlformats.org/markup-compatibility/2006" xmlns:p14="http://schemas.microsoft.com/office/powerpoint/2010/main">
-    <mc:Choice Requires="p14">
-      <p:transition spd="slow" p14:dur="2000" advClick="0" advTm="5000"/>
-    </mc:Choice>
-    <mc:Fallback xmlns="">
-      <p:transition spd="slow" advClick="0" advTm="5000"/>
-    </mc:Fallback>
-  </mc:AlternateContent>
 </p:sld>
 </file>
 
@@ -48689,13 +43089,13 @@
         </p:nvSpPr>
         <p:spPr bwMode="auto">
           <a:xfrm>
-            <a:off x="9756609" y="5481238"/>
-            <a:ext cx="2333969" cy="919401"/>
+            <a:off x="9925151" y="5487500"/>
+            <a:ext cx="2191376" cy="851297"/>
           </a:xfrm>
           <a:prstGeom prst="wedgeRoundRectCallout">
             <a:avLst>
-              <a:gd name="adj1" fmla="val -76480"/>
-              <a:gd name="adj2" fmla="val 14629"/>
+              <a:gd name="adj1" fmla="val -73769"/>
+              <a:gd name="adj2" fmla="val 14009"/>
               <a:gd name="adj3" fmla="val 16667"/>
             </a:avLst>
           </a:prstGeom>
@@ -48741,7 +43141,7 @@
           <a:p>
             <a:pPr algn="ctr" eaLnBrk="0" hangingPunct="0"/>
             <a:r>
-              <a:rPr lang="bg-BG" sz="2400" b="1" dirty="0" err="1">
+              <a:rPr lang="bg-BG" sz="2200" b="1" dirty="0" err="1">
                 <a:solidFill>
                   <a:schemeClr val="bg2"/>
                 </a:solidFill>
@@ -48756,7 +43156,7 @@
               <a:t>Преизползване</a:t>
             </a:r>
             <a:r>
-              <a:rPr lang="bg-BG" sz="2400" b="1" dirty="0">
+              <a:rPr lang="bg-BG" sz="2200" b="1" dirty="0">
                 <a:solidFill>
                   <a:schemeClr val="bg2"/>
                 </a:solidFill>
@@ -48771,7 +43171,7 @@
               <a:t> на</a:t>
             </a:r>
             <a:r>
-              <a:rPr lang="en-US" sz="2400" b="1" dirty="0">
+              <a:rPr lang="en-US" sz="2200" b="1" dirty="0">
                 <a:solidFill>
                   <a:schemeClr val="bg2"/>
                 </a:solidFill>
@@ -48785,7 +43185,7 @@
               </a:rPr>
               <a:t> Person</a:t>
             </a:r>
-            <a:endParaRPr lang="bg-BG" sz="2400" b="1" dirty="0">
+            <a:endParaRPr lang="bg-BG" sz="2200" b="1" dirty="0">
               <a:solidFill>
                 <a:schemeClr val="bg2"/>
               </a:solidFill>
@@ -48816,13 +43216,13 @@
         </p:nvSpPr>
         <p:spPr bwMode="auto">
           <a:xfrm>
-            <a:off x="1" y="5539406"/>
-            <a:ext cx="2353500" cy="919401"/>
+            <a:off x="190402" y="5573458"/>
+            <a:ext cx="2163098" cy="851297"/>
           </a:xfrm>
           <a:prstGeom prst="wedgeRoundRectCallout">
             <a:avLst>
-              <a:gd name="adj1" fmla="val 71279"/>
-              <a:gd name="adj2" fmla="val 26089"/>
+              <a:gd name="adj1" fmla="val 67013"/>
+              <a:gd name="adj2" fmla="val 10322"/>
               <a:gd name="adj3" fmla="val 16667"/>
             </a:avLst>
           </a:prstGeom>
@@ -48868,7 +43268,7 @@
           <a:p>
             <a:pPr algn="ctr" eaLnBrk="0" hangingPunct="0"/>
             <a:r>
-              <a:rPr lang="bg-BG" sz="2400" b="1" dirty="0" err="1">
+              <a:rPr lang="bg-BG" sz="2200" b="1" dirty="0" err="1">
                 <a:solidFill>
                   <a:schemeClr val="bg2"/>
                 </a:solidFill>
@@ -48883,7 +43283,7 @@
               <a:t>Преизползване</a:t>
             </a:r>
             <a:r>
-              <a:rPr lang="bg-BG" sz="2400" b="1" dirty="0">
+              <a:rPr lang="bg-BG" sz="2200" b="1" dirty="0">
                 <a:solidFill>
                   <a:schemeClr val="bg2"/>
                 </a:solidFill>
@@ -48898,7 +43298,7 @@
               <a:t> на </a:t>
             </a:r>
             <a:r>
-              <a:rPr lang="en-US" sz="2400" b="1" dirty="0">
+              <a:rPr lang="en-US" sz="2200" b="1" dirty="0">
                 <a:solidFill>
                   <a:schemeClr val="bg2"/>
                 </a:solidFill>
@@ -48912,7 +43312,7 @@
               </a:rPr>
               <a:t>Student</a:t>
             </a:r>
-            <a:endParaRPr lang="bg-BG" sz="2400" b="1" dirty="0">
+            <a:endParaRPr lang="bg-BG" sz="2200" b="1" dirty="0">
               <a:solidFill>
                 <a:schemeClr val="bg2"/>
               </a:solidFill>

--- a/Courses/Software-Sciences/Module-1-OOP-New/10-Inheritance/10-Inheritance.pptx
+++ b/Courses/Software-Sciences/Module-1-OOP-New/10-Inheritance/10-Inheritance.pptx
@@ -333,7 +333,7 @@
           <a:p>
             <a:fld id="{4E087215-0C8F-4762-A664-737A353EC9A4}" type="datetimeFigureOut">
               <a:rPr lang="bg-BG" smtClean="0"/>
-              <a:t>16.01.23 г.</a:t>
+              <a:t>18.01.23 г.</a:t>
             </a:fld>
             <a:endParaRPr lang="bg-BG"/>
           </a:p>
@@ -524,7 +524,7 @@
           <a:p>
             <a:fld id="{72D84649-876A-46C9-8472-14CB09C070D8}" type="datetimeFigureOut">
               <a:rPr lang="en-US" smtClean="0"/>
-              <a:t>1/16/23</a:t>
+              <a:t>1/18/23</a:t>
             </a:fld>
             <a:endParaRPr lang="en-US"/>
           </a:p>
